--- a/Final Project/statistical question - hypothesis - Ragunath Gunasekaran.pptx
+++ b/Final Project/statistical question - hypothesis - Ragunath Gunasekaran.pptx
@@ -6,6 +6,20 @@
   </p:sldMasterIdLst>
   <p:sldIdLst>
     <p:sldId id="256" r:id="rId2"/>
+    <p:sldId id="257" r:id="rId3"/>
+    <p:sldId id="258" r:id="rId4"/>
+    <p:sldId id="260" r:id="rId5"/>
+    <p:sldId id="259" r:id="rId6"/>
+    <p:sldId id="261" r:id="rId7"/>
+    <p:sldId id="263" r:id="rId8"/>
+    <p:sldId id="265" r:id="rId9"/>
+    <p:sldId id="266" r:id="rId10"/>
+    <p:sldId id="267" r:id="rId11"/>
+    <p:sldId id="268" r:id="rId12"/>
+    <p:sldId id="269" r:id="rId13"/>
+    <p:sldId id="270" r:id="rId14"/>
+    <p:sldId id="271" r:id="rId15"/>
+    <p:sldId id="272" r:id="rId16"/>
   </p:sldIdLst>
   <p:sldSz cx="12192000" cy="6858000"/>
   <p:notesSz cx="6858000" cy="9144000"/>
@@ -3307,6 +3321,14 @@
 <file path=ppt/slides/slide1.xml><?xml version="1.0" encoding="utf-8"?>
 <p:sld xmlns:a="http://schemas.openxmlformats.org/drawingml/2006/main" xmlns:r="http://schemas.openxmlformats.org/officeDocument/2006/relationships" xmlns:p="http://schemas.openxmlformats.org/presentationml/2006/main">
   <p:cSld>
+    <p:bg>
+      <p:bgPr>
+        <a:solidFill>
+          <a:schemeClr val="bg1"/>
+        </a:solidFill>
+        <a:effectLst/>
+      </p:bgPr>
+    </p:bg>
     <p:spTree>
       <p:nvGrpSpPr>
         <p:cNvPr id="1" name=""/>
@@ -3321,6 +3343,195 @@
           <a:chExt cx="0" cy="0"/>
         </a:xfrm>
       </p:grpSpPr>
+      <p:sp useBgFill="1">
+        <p:nvSpPr>
+          <p:cNvPr id="25" name="Rectangle 16">
+            <a:extLst>
+              <a:ext uri="{FF2B5EF4-FFF2-40B4-BE49-F238E27FC236}">
+                <a16:creationId xmlns:a16="http://schemas.microsoft.com/office/drawing/2014/main" id="{879EECFE-814E-4B68-96A7-86A795BD22F7}"/>
+              </a:ext>
+              <a:ext uri="{C183D7F6-B498-43B3-948B-1728B52AA6E4}">
+                <adec:decorative xmlns:adec="http://schemas.microsoft.com/office/drawing/2017/decorative" val="1"/>
+              </a:ext>
+            </a:extLst>
+          </p:cNvPr>
+          <p:cNvSpPr>
+            <a:spLocks noGrp="1" noRot="1" noChangeAspect="1" noMove="1" noResize="1" noEditPoints="1" noAdjustHandles="1" noChangeArrowheads="1" noChangeShapeType="1" noTextEdit="1"/>
+          </p:cNvSpPr>
+          <p:nvPr>
+            <p:extLst>
+              <p:ext uri="{386F3935-93C4-4BCD-93E2-E3B085C9AB24}">
+                <p16:designElem xmlns:p16="http://schemas.microsoft.com/office/powerpoint/2015/main" val="1"/>
+              </p:ext>
+            </p:extLst>
+          </p:nvPr>
+        </p:nvSpPr>
+        <p:spPr>
+          <a:xfrm>
+            <a:off x="0" y="0"/>
+            <a:ext cx="12192000" cy="6858000"/>
+          </a:xfrm>
+          <a:prstGeom prst="rect">
+            <a:avLst/>
+          </a:prstGeom>
+          <a:ln>
+            <a:noFill/>
+          </a:ln>
+        </p:spPr>
+        <p:style>
+          <a:lnRef idx="2">
+            <a:schemeClr val="accent1">
+              <a:shade val="50000"/>
+            </a:schemeClr>
+          </a:lnRef>
+          <a:fillRef idx="1">
+            <a:schemeClr val="accent1"/>
+          </a:fillRef>
+          <a:effectRef idx="0">
+            <a:schemeClr val="accent1"/>
+          </a:effectRef>
+          <a:fontRef idx="minor">
+            <a:schemeClr val="lt1"/>
+          </a:fontRef>
+        </p:style>
+        <p:txBody>
+          <a:bodyPr rtlCol="0" anchor="ctr"/>
+          <a:lstStyle/>
+          <a:p>
+            <a:pPr algn="ctr"/>
+            <a:endParaRPr lang="en-US"/>
+          </a:p>
+        </p:txBody>
+      </p:sp>
+      <p:sp>
+        <p:nvSpPr>
+          <p:cNvPr id="26" name="Right Triangle 18">
+            <a:extLst>
+              <a:ext uri="{FF2B5EF4-FFF2-40B4-BE49-F238E27FC236}">
+                <a16:creationId xmlns:a16="http://schemas.microsoft.com/office/drawing/2014/main" id="{AF180F00-B4B2-4196-BB1C-ECD21B03F0A9}"/>
+              </a:ext>
+              <a:ext uri="{C183D7F6-B498-43B3-948B-1728B52AA6E4}">
+                <adec:decorative xmlns:adec="http://schemas.microsoft.com/office/drawing/2017/decorative" val="1"/>
+              </a:ext>
+            </a:extLst>
+          </p:cNvPr>
+          <p:cNvSpPr>
+            <a:spLocks noGrp="1" noRot="1" noChangeAspect="1" noMove="1" noResize="1" noEditPoints="1" noAdjustHandles="1" noChangeArrowheads="1" noChangeShapeType="1" noTextEdit="1"/>
+          </p:cNvSpPr>
+          <p:nvPr>
+            <p:extLst>
+              <p:ext uri="{386F3935-93C4-4BCD-93E2-E3B085C9AB24}">
+                <p16:designElem xmlns:p16="http://schemas.microsoft.com/office/powerpoint/2015/main" val="1"/>
+              </p:ext>
+            </p:extLst>
+          </p:nvPr>
+        </p:nvSpPr>
+        <p:spPr>
+          <a:xfrm flipH="1">
+            <a:off x="8576720" y="3335867"/>
+            <a:ext cx="3291840" cy="3200400"/>
+          </a:xfrm>
+          <a:prstGeom prst="rtTriangle">
+            <a:avLst/>
+          </a:prstGeom>
+          <a:solidFill>
+            <a:schemeClr val="accent4"/>
+          </a:solidFill>
+          <a:ln>
+            <a:noFill/>
+          </a:ln>
+        </p:spPr>
+        <p:style>
+          <a:lnRef idx="2">
+            <a:schemeClr val="accent1">
+              <a:shade val="50000"/>
+            </a:schemeClr>
+          </a:lnRef>
+          <a:fillRef idx="1">
+            <a:schemeClr val="accent1"/>
+          </a:fillRef>
+          <a:effectRef idx="0">
+            <a:schemeClr val="accent1"/>
+          </a:effectRef>
+          <a:fontRef idx="minor">
+            <a:schemeClr val="lt1"/>
+          </a:fontRef>
+        </p:style>
+        <p:txBody>
+          <a:bodyPr rtlCol="0" anchor="ctr"/>
+          <a:lstStyle/>
+          <a:p>
+            <a:pPr algn="ctr"/>
+            <a:endParaRPr lang="en-US" dirty="0"/>
+          </a:p>
+        </p:txBody>
+      </p:sp>
+      <p:sp>
+        <p:nvSpPr>
+          <p:cNvPr id="27" name="Rectangle 20">
+            <a:extLst>
+              <a:ext uri="{FF2B5EF4-FFF2-40B4-BE49-F238E27FC236}">
+                <a16:creationId xmlns:a16="http://schemas.microsoft.com/office/drawing/2014/main" id="{EE04B5EB-F158-4507-90DD-BD23620C7CC9}"/>
+              </a:ext>
+              <a:ext uri="{C183D7F6-B498-43B3-948B-1728B52AA6E4}">
+                <adec:decorative xmlns:adec="http://schemas.microsoft.com/office/drawing/2017/decorative" val="1"/>
+              </a:ext>
+            </a:extLst>
+          </p:cNvPr>
+          <p:cNvSpPr>
+            <a:spLocks noGrp="1" noRot="1" noChangeAspect="1" noMove="1" noResize="1" noEditPoints="1" noAdjustHandles="1" noChangeArrowheads="1" noChangeShapeType="1" noTextEdit="1"/>
+          </p:cNvSpPr>
+          <p:nvPr>
+            <p:extLst>
+              <p:ext uri="{386F3935-93C4-4BCD-93E2-E3B085C9AB24}">
+                <p16:designElem xmlns:p16="http://schemas.microsoft.com/office/powerpoint/2015/main" val="1"/>
+              </p:ext>
+            </p:extLst>
+          </p:nvPr>
+        </p:nvSpPr>
+        <p:spPr>
+          <a:xfrm>
+            <a:off x="641774" y="623275"/>
+            <a:ext cx="10905053" cy="5607882"/>
+          </a:xfrm>
+          <a:prstGeom prst="rect">
+            <a:avLst/>
+          </a:prstGeom>
+          <a:noFill/>
+          <a:ln w="19050">
+            <a:solidFill>
+              <a:schemeClr val="tx1">
+                <a:lumMod val="75000"/>
+                <a:lumOff val="25000"/>
+              </a:schemeClr>
+            </a:solidFill>
+          </a:ln>
+        </p:spPr>
+        <p:style>
+          <a:lnRef idx="2">
+            <a:schemeClr val="accent1">
+              <a:shade val="50000"/>
+            </a:schemeClr>
+          </a:lnRef>
+          <a:fillRef idx="1">
+            <a:schemeClr val="accent1"/>
+          </a:fillRef>
+          <a:effectRef idx="0">
+            <a:schemeClr val="accent1"/>
+          </a:effectRef>
+          <a:fontRef idx="minor">
+            <a:schemeClr val="lt1"/>
+          </a:fontRef>
+        </p:style>
+        <p:txBody>
+          <a:bodyPr rtlCol="0" anchor="ctr"/>
+          <a:lstStyle/>
+          <a:p>
+            <a:pPr algn="ctr"/>
+            <a:endParaRPr lang="en-US"/>
+          </a:p>
+        </p:txBody>
+      </p:sp>
       <p:sp>
         <p:nvSpPr>
           <p:cNvPr id="2" name="Title 1">
@@ -3339,8 +3550,1815 @@
         </p:nvSpPr>
         <p:spPr>
           <a:xfrm>
-            <a:off x="1524000" y="390617"/>
-            <a:ext cx="9144000" cy="3119346"/>
+            <a:off x="965200" y="1383527"/>
+            <a:ext cx="6117158" cy="4175166"/>
+          </a:xfrm>
+        </p:spPr>
+        <p:txBody>
+          <a:bodyPr vert="horz" lIns="91440" tIns="45720" rIns="91440" bIns="45720" rtlCol="0" anchor="ctr">
+            <a:normAutofit/>
+          </a:bodyPr>
+          <a:lstStyle/>
+          <a:p>
+            <a:pPr algn="r"/>
+            <a:r>
+              <a:rPr lang="en-US" sz="5300" b="1" i="0" kern="1200">
+                <a:effectLst/>
+                <a:latin typeface="+mj-lt"/>
+                <a:ea typeface="+mj-ea"/>
+                <a:cs typeface="+mj-cs"/>
+              </a:rPr>
+              <a:t>COVID19 EDA - Trends and Outbreak Prediction of Spread in USA</a:t>
+            </a:r>
+            <a:br>
+              <a:rPr lang="en-US" sz="5300" b="1" i="0" kern="1200">
+                <a:effectLst/>
+                <a:latin typeface="+mj-lt"/>
+                <a:ea typeface="+mj-ea"/>
+                <a:cs typeface="+mj-cs"/>
+              </a:rPr>
+            </a:br>
+            <a:endParaRPr lang="en-US" sz="5300" kern="1200">
+              <a:latin typeface="+mj-lt"/>
+              <a:ea typeface="+mj-ea"/>
+              <a:cs typeface="+mj-cs"/>
+            </a:endParaRPr>
+          </a:p>
+        </p:txBody>
+      </p:sp>
+      <p:sp>
+        <p:nvSpPr>
+          <p:cNvPr id="3" name="Subtitle 2">
+            <a:extLst>
+              <a:ext uri="{FF2B5EF4-FFF2-40B4-BE49-F238E27FC236}">
+                <a16:creationId xmlns:a16="http://schemas.microsoft.com/office/drawing/2014/main" id="{C2E63679-7608-44CA-B0E3-06DFB0DB4C63}"/>
+              </a:ext>
+            </a:extLst>
+          </p:cNvPr>
+          <p:cNvSpPr>
+            <a:spLocks noGrp="1"/>
+          </p:cNvSpPr>
+          <p:nvPr>
+            <p:ph type="subTitle" idx="1"/>
+          </p:nvPr>
+        </p:nvSpPr>
+        <p:spPr>
+          <a:xfrm>
+            <a:off x="7986955" y="2573422"/>
+            <a:ext cx="3113064" cy="1795378"/>
+          </a:xfrm>
+        </p:spPr>
+        <p:txBody>
+          <a:bodyPr vert="horz" lIns="91440" tIns="45720" rIns="91440" bIns="45720" rtlCol="0" anchor="ctr">
+            <a:normAutofit/>
+          </a:bodyPr>
+          <a:lstStyle/>
+          <a:p>
+            <a:pPr indent="-228600" algn="l">
+              <a:buFont typeface="Arial" panose="020B0604020202020204" pitchFamily="34" charset="0"/>
+              <a:buChar char="•"/>
+            </a:pPr>
+            <a:r>
+              <a:rPr lang="en-US" sz="1300"/>
+              <a:t>Student Name : Ragunath Gunasekaran</a:t>
+            </a:r>
+          </a:p>
+          <a:p>
+            <a:pPr indent="-228600" algn="l">
+              <a:buFont typeface="Arial" panose="020B0604020202020204" pitchFamily="34" charset="0"/>
+              <a:buChar char="•"/>
+            </a:pPr>
+            <a:endParaRPr lang="en-US" sz="1300"/>
+          </a:p>
+          <a:p>
+            <a:pPr indent="-228600" algn="l">
+              <a:buFont typeface="Arial" panose="020B0604020202020204" pitchFamily="34" charset="0"/>
+              <a:buChar char="•"/>
+            </a:pPr>
+            <a:r>
+              <a:rPr lang="en-US" sz="1300"/>
+              <a:t>Professor Name : Dr. Shankar Parajulee</a:t>
+            </a:r>
+          </a:p>
+          <a:p>
+            <a:pPr indent="-228600" algn="l">
+              <a:buFont typeface="Arial" panose="020B0604020202020204" pitchFamily="34" charset="0"/>
+              <a:buChar char="•"/>
+            </a:pPr>
+            <a:endParaRPr lang="en-US" sz="1300"/>
+          </a:p>
+          <a:p>
+            <a:pPr indent="-228600" algn="l">
+              <a:buFont typeface="Arial" panose="020B0604020202020204" pitchFamily="34" charset="0"/>
+              <a:buChar char="•"/>
+            </a:pPr>
+            <a:r>
+              <a:rPr lang="en-US" sz="1300"/>
+              <a:t>Course Name : Data Exploration and Analysis</a:t>
+            </a:r>
+          </a:p>
+        </p:txBody>
+      </p:sp>
+      <p:cxnSp>
+        <p:nvCxnSpPr>
+          <p:cNvPr id="28" name="Straight Connector 22">
+            <a:extLst>
+              <a:ext uri="{FF2B5EF4-FFF2-40B4-BE49-F238E27FC236}">
+                <a16:creationId xmlns:a16="http://schemas.microsoft.com/office/drawing/2014/main" id="{BDF0D3DE-EC74-4C9F-AFA1-DC5CE5236B1F}"/>
+              </a:ext>
+              <a:ext uri="{C183D7F6-B498-43B3-948B-1728B52AA6E4}">
+                <adec:decorative xmlns:adec="http://schemas.microsoft.com/office/drawing/2017/decorative" val="1"/>
+              </a:ext>
+            </a:extLst>
+          </p:cNvPr>
+          <p:cNvCxnSpPr>
+            <a:cxnSpLocks noGrp="1" noRot="1" noChangeAspect="1" noMove="1" noResize="1" noEditPoints="1" noAdjustHandles="1" noChangeArrowheads="1" noChangeShapeType="1"/>
+          </p:cNvCxnSpPr>
+          <p:nvPr>
+            <p:extLst>
+              <p:ext uri="{386F3935-93C4-4BCD-93E2-E3B085C9AB24}">
+                <p16:designElem xmlns:p16="http://schemas.microsoft.com/office/powerpoint/2015/main" val="1"/>
+              </p:ext>
+            </p:extLst>
+          </p:nvPr>
+        </p:nvCxnSpPr>
+        <p:spPr>
+          <a:xfrm>
+            <a:off x="7534656" y="1852863"/>
+            <a:ext cx="0" cy="3236495"/>
+          </a:xfrm>
+          <a:prstGeom prst="line">
+            <a:avLst/>
+          </a:prstGeom>
+          <a:ln w="19050" cap="sq">
+            <a:solidFill>
+              <a:schemeClr val="tx1">
+                <a:lumMod val="75000"/>
+                <a:lumOff val="25000"/>
+              </a:schemeClr>
+            </a:solidFill>
+          </a:ln>
+        </p:spPr>
+        <p:style>
+          <a:lnRef idx="1">
+            <a:schemeClr val="accent1"/>
+          </a:lnRef>
+          <a:fillRef idx="0">
+            <a:schemeClr val="accent1"/>
+          </a:fillRef>
+          <a:effectRef idx="0">
+            <a:schemeClr val="accent1"/>
+          </a:effectRef>
+          <a:fontRef idx="minor">
+            <a:schemeClr val="tx1"/>
+          </a:fontRef>
+        </p:style>
+      </p:cxnSp>
+    </p:spTree>
+    <p:extLst>
+      <p:ext uri="{BB962C8B-B14F-4D97-AF65-F5344CB8AC3E}">
+        <p14:creationId xmlns:p14="http://schemas.microsoft.com/office/powerpoint/2010/main" val="2298454100"/>
+      </p:ext>
+    </p:extLst>
+  </p:cSld>
+  <p:clrMapOvr>
+    <a:masterClrMapping/>
+  </p:clrMapOvr>
+</p:sld>
+</file>
+
+<file path=ppt/slides/slide10.xml><?xml version="1.0" encoding="utf-8"?>
+<p:sld xmlns:a="http://schemas.openxmlformats.org/drawingml/2006/main" xmlns:r="http://schemas.openxmlformats.org/officeDocument/2006/relationships" xmlns:p="http://schemas.openxmlformats.org/presentationml/2006/main">
+  <p:cSld>
+    <p:bg>
+      <p:bgPr>
+        <a:solidFill>
+          <a:schemeClr val="bg1"/>
+        </a:solidFill>
+        <a:effectLst/>
+      </p:bgPr>
+    </p:bg>
+    <p:spTree>
+      <p:nvGrpSpPr>
+        <p:cNvPr id="1" name=""/>
+        <p:cNvGrpSpPr/>
+        <p:nvPr/>
+      </p:nvGrpSpPr>
+      <p:grpSpPr>
+        <a:xfrm>
+          <a:off x="0" y="0"/>
+          <a:ext cx="0" cy="0"/>
+          <a:chOff x="0" y="0"/>
+          <a:chExt cx="0" cy="0"/>
+        </a:xfrm>
+      </p:grpSpPr>
+      <p:sp useBgFill="1">
+        <p:nvSpPr>
+          <p:cNvPr id="19" name="Rectangle 18">
+            <a:extLst>
+              <a:ext uri="{FF2B5EF4-FFF2-40B4-BE49-F238E27FC236}">
+                <a16:creationId xmlns:a16="http://schemas.microsoft.com/office/drawing/2014/main" id="{B9D7E975-9161-4F2D-AC53-69E1912F6B5D}"/>
+              </a:ext>
+              <a:ext uri="{C183D7F6-B498-43B3-948B-1728B52AA6E4}">
+                <adec:decorative xmlns:adec="http://schemas.microsoft.com/office/drawing/2017/decorative" val="1"/>
+              </a:ext>
+            </a:extLst>
+          </p:cNvPr>
+          <p:cNvSpPr>
+            <a:spLocks noGrp="1" noRot="1" noChangeAspect="1" noMove="1" noResize="1" noEditPoints="1" noAdjustHandles="1" noChangeArrowheads="1" noChangeShapeType="1" noTextEdit="1"/>
+          </p:cNvSpPr>
+          <p:nvPr>
+            <p:extLst>
+              <p:ext uri="{386F3935-93C4-4BCD-93E2-E3B085C9AB24}">
+                <p16:designElem xmlns:p16="http://schemas.microsoft.com/office/powerpoint/2015/main" val="1"/>
+              </p:ext>
+            </p:extLst>
+          </p:nvPr>
+        </p:nvSpPr>
+        <p:spPr>
+          <a:xfrm>
+            <a:off x="0" y="0"/>
+            <a:ext cx="12192000" cy="6858000"/>
+          </a:xfrm>
+          <a:prstGeom prst="rect">
+            <a:avLst/>
+          </a:prstGeom>
+          <a:ln>
+            <a:noFill/>
+          </a:ln>
+        </p:spPr>
+        <p:style>
+          <a:lnRef idx="2">
+            <a:schemeClr val="accent1">
+              <a:shade val="50000"/>
+            </a:schemeClr>
+          </a:lnRef>
+          <a:fillRef idx="1">
+            <a:schemeClr val="accent1"/>
+          </a:fillRef>
+          <a:effectRef idx="0">
+            <a:schemeClr val="accent1"/>
+          </a:effectRef>
+          <a:fontRef idx="minor">
+            <a:schemeClr val="lt1"/>
+          </a:fontRef>
+        </p:style>
+        <p:txBody>
+          <a:bodyPr rtlCol="0" anchor="ctr"/>
+          <a:lstStyle/>
+          <a:p>
+            <a:pPr algn="ctr"/>
+            <a:endParaRPr lang="en-US"/>
+          </a:p>
+        </p:txBody>
+      </p:sp>
+      <p:sp>
+        <p:nvSpPr>
+          <p:cNvPr id="21" name="Right Triangle 20">
+            <a:extLst>
+              <a:ext uri="{FF2B5EF4-FFF2-40B4-BE49-F238E27FC236}">
+                <a16:creationId xmlns:a16="http://schemas.microsoft.com/office/drawing/2014/main" id="{827DC2C4-B485-428A-BF4A-472D2967F47F}"/>
+              </a:ext>
+              <a:ext uri="{C183D7F6-B498-43B3-948B-1728B52AA6E4}">
+                <adec:decorative xmlns:adec="http://schemas.microsoft.com/office/drawing/2017/decorative" val="1"/>
+              </a:ext>
+            </a:extLst>
+          </p:cNvPr>
+          <p:cNvSpPr>
+            <a:spLocks noGrp="1" noRot="1" noChangeAspect="1" noMove="1" noResize="1" noEditPoints="1" noAdjustHandles="1" noChangeArrowheads="1" noChangeShapeType="1" noTextEdit="1"/>
+          </p:cNvSpPr>
+          <p:nvPr>
+            <p:extLst>
+              <p:ext uri="{386F3935-93C4-4BCD-93E2-E3B085C9AB24}">
+                <p16:designElem xmlns:p16="http://schemas.microsoft.com/office/powerpoint/2015/main" val="1"/>
+              </p:ext>
+            </p:extLst>
+          </p:nvPr>
+        </p:nvSpPr>
+        <p:spPr>
+          <a:xfrm flipH="1">
+            <a:off x="8576720" y="3335867"/>
+            <a:ext cx="3291840" cy="3200400"/>
+          </a:xfrm>
+          <a:prstGeom prst="rtTriangle">
+            <a:avLst/>
+          </a:prstGeom>
+          <a:solidFill>
+            <a:schemeClr val="accent4"/>
+          </a:solidFill>
+          <a:ln>
+            <a:noFill/>
+          </a:ln>
+        </p:spPr>
+        <p:style>
+          <a:lnRef idx="2">
+            <a:schemeClr val="accent1">
+              <a:shade val="50000"/>
+            </a:schemeClr>
+          </a:lnRef>
+          <a:fillRef idx="1">
+            <a:schemeClr val="accent1"/>
+          </a:fillRef>
+          <a:effectRef idx="0">
+            <a:schemeClr val="accent1"/>
+          </a:effectRef>
+          <a:fontRef idx="minor">
+            <a:schemeClr val="lt1"/>
+          </a:fontRef>
+        </p:style>
+        <p:txBody>
+          <a:bodyPr rtlCol="0" anchor="ctr"/>
+          <a:lstStyle/>
+          <a:p>
+            <a:pPr algn="ctr"/>
+            <a:endParaRPr lang="en-US" dirty="0"/>
+          </a:p>
+        </p:txBody>
+      </p:sp>
+      <p:sp>
+        <p:nvSpPr>
+          <p:cNvPr id="2" name="Title 1">
+            <a:extLst>
+              <a:ext uri="{FF2B5EF4-FFF2-40B4-BE49-F238E27FC236}">
+                <a16:creationId xmlns:a16="http://schemas.microsoft.com/office/drawing/2014/main" id="{D7D178F9-3287-4977-8BBF-41764A68968F}"/>
+              </a:ext>
+            </a:extLst>
+          </p:cNvPr>
+          <p:cNvSpPr>
+            <a:spLocks noGrp="1"/>
+          </p:cNvSpPr>
+          <p:nvPr>
+            <p:ph type="title"/>
+          </p:nvPr>
+        </p:nvSpPr>
+        <p:spPr>
+          <a:xfrm>
+            <a:off x="6889833" y="1056640"/>
+            <a:ext cx="4360324" cy="3494398"/>
+          </a:xfrm>
+        </p:spPr>
+        <p:txBody>
+          <a:bodyPr vert="horz" lIns="91440" tIns="45720" rIns="91440" bIns="45720" rtlCol="0" anchor="b">
+            <a:normAutofit/>
+          </a:bodyPr>
+          <a:lstStyle/>
+          <a:p>
+            <a:r>
+              <a:rPr lang="en-US" sz="3400" b="1" i="0">
+                <a:effectLst/>
+              </a:rPr>
+              <a:t>Logistic Regression - Death Rate with Confirmed, Death Cases</a:t>
+            </a:r>
+            <a:br>
+              <a:rPr lang="en-US" sz="3400" b="1" i="0">
+                <a:effectLst/>
+              </a:rPr>
+            </a:br>
+            <a:br>
+              <a:rPr lang="en-US" sz="3400" b="1" i="0">
+                <a:effectLst/>
+              </a:rPr>
+            </a:br>
+            <a:br>
+              <a:rPr lang="en-US" sz="3400" b="1" i="0">
+                <a:effectLst/>
+              </a:rPr>
+            </a:br>
+            <a:br>
+              <a:rPr lang="en-US" sz="3400" b="1" i="0">
+                <a:effectLst/>
+              </a:rPr>
+            </a:br>
+            <a:endParaRPr lang="en-US" sz="3400"/>
+          </a:p>
+        </p:txBody>
+      </p:sp>
+      <p:pic>
+        <p:nvPicPr>
+          <p:cNvPr id="7" name="Content Placeholder 6">
+            <a:extLst>
+              <a:ext uri="{FF2B5EF4-FFF2-40B4-BE49-F238E27FC236}">
+                <a16:creationId xmlns:a16="http://schemas.microsoft.com/office/drawing/2014/main" id="{C192F9C4-F595-4E00-AFC8-1B6C897A9130}"/>
+              </a:ext>
+            </a:extLst>
+          </p:cNvPr>
+          <p:cNvPicPr>
+            <a:picLocks noGrp="1" noChangeAspect="1"/>
+          </p:cNvPicPr>
+          <p:nvPr>
+            <p:ph idx="1"/>
+          </p:nvPr>
+        </p:nvPicPr>
+        <p:blipFill rotWithShape="1">
+          <a:blip r:embed="rId2"/>
+          <a:srcRect l="8914" r="28122"/>
+          <a:stretch/>
+        </p:blipFill>
+        <p:spPr>
+          <a:xfrm>
+            <a:off x="621675" y="623275"/>
+            <a:ext cx="5474323" cy="5607882"/>
+          </a:xfrm>
+          <a:prstGeom prst="rect">
+            <a:avLst/>
+          </a:prstGeom>
+        </p:spPr>
+      </p:pic>
+      <p:sp>
+        <p:nvSpPr>
+          <p:cNvPr id="23" name="Rectangle 22">
+            <a:extLst>
+              <a:ext uri="{FF2B5EF4-FFF2-40B4-BE49-F238E27FC236}">
+                <a16:creationId xmlns:a16="http://schemas.microsoft.com/office/drawing/2014/main" id="{463E6235-1649-4B47-9862-4026FC473B6F}"/>
+              </a:ext>
+              <a:ext uri="{C183D7F6-B498-43B3-948B-1728B52AA6E4}">
+                <adec:decorative xmlns:adec="http://schemas.microsoft.com/office/drawing/2017/decorative" val="1"/>
+              </a:ext>
+            </a:extLst>
+          </p:cNvPr>
+          <p:cNvSpPr>
+            <a:spLocks noGrp="1" noRot="1" noChangeAspect="1" noMove="1" noResize="1" noEditPoints="1" noAdjustHandles="1" noChangeArrowheads="1" noChangeShapeType="1" noTextEdit="1"/>
+          </p:cNvSpPr>
+          <p:nvPr>
+            <p:extLst>
+              <p:ext uri="{386F3935-93C4-4BCD-93E2-E3B085C9AB24}">
+                <p16:designElem xmlns:p16="http://schemas.microsoft.com/office/powerpoint/2015/main" val="1"/>
+              </p:ext>
+            </p:extLst>
+          </p:nvPr>
+        </p:nvSpPr>
+        <p:spPr>
+          <a:xfrm>
+            <a:off x="6405201" y="623275"/>
+            <a:ext cx="5141626" cy="5607882"/>
+          </a:xfrm>
+          <a:prstGeom prst="rect">
+            <a:avLst/>
+          </a:prstGeom>
+          <a:noFill/>
+          <a:ln w="19050">
+            <a:solidFill>
+              <a:schemeClr val="tx1">
+                <a:lumMod val="75000"/>
+                <a:lumOff val="25000"/>
+              </a:schemeClr>
+            </a:solidFill>
+          </a:ln>
+        </p:spPr>
+        <p:style>
+          <a:lnRef idx="2">
+            <a:schemeClr val="accent1">
+              <a:shade val="50000"/>
+            </a:schemeClr>
+          </a:lnRef>
+          <a:fillRef idx="1">
+            <a:schemeClr val="accent1"/>
+          </a:fillRef>
+          <a:effectRef idx="0">
+            <a:schemeClr val="accent1"/>
+          </a:effectRef>
+          <a:fontRef idx="minor">
+            <a:schemeClr val="lt1"/>
+          </a:fontRef>
+        </p:style>
+        <p:txBody>
+          <a:bodyPr rtlCol="0" anchor="ctr"/>
+          <a:lstStyle/>
+          <a:p>
+            <a:pPr algn="ctr"/>
+            <a:endParaRPr lang="en-US"/>
+          </a:p>
+        </p:txBody>
+      </p:sp>
+    </p:spTree>
+    <p:extLst>
+      <p:ext uri="{BB962C8B-B14F-4D97-AF65-F5344CB8AC3E}">
+        <p14:creationId xmlns:p14="http://schemas.microsoft.com/office/powerpoint/2010/main" val="2405721345"/>
+      </p:ext>
+    </p:extLst>
+  </p:cSld>
+  <p:clrMapOvr>
+    <a:masterClrMapping/>
+  </p:clrMapOvr>
+</p:sld>
+</file>
+
+<file path=ppt/slides/slide11.xml><?xml version="1.0" encoding="utf-8"?>
+<p:sld xmlns:a="http://schemas.openxmlformats.org/drawingml/2006/main" xmlns:r="http://schemas.openxmlformats.org/officeDocument/2006/relationships" xmlns:p="http://schemas.openxmlformats.org/presentationml/2006/main">
+  <p:cSld>
+    <p:bg>
+      <p:bgPr>
+        <a:solidFill>
+          <a:schemeClr val="bg1"/>
+        </a:solidFill>
+        <a:effectLst/>
+      </p:bgPr>
+    </p:bg>
+    <p:spTree>
+      <p:nvGrpSpPr>
+        <p:cNvPr id="1" name=""/>
+        <p:cNvGrpSpPr/>
+        <p:nvPr/>
+      </p:nvGrpSpPr>
+      <p:grpSpPr>
+        <a:xfrm>
+          <a:off x="0" y="0"/>
+          <a:ext cx="0" cy="0"/>
+          <a:chOff x="0" y="0"/>
+          <a:chExt cx="0" cy="0"/>
+        </a:xfrm>
+      </p:grpSpPr>
+      <p:sp useBgFill="1">
+        <p:nvSpPr>
+          <p:cNvPr id="71" name="Rectangle 70">
+            <a:extLst>
+              <a:ext uri="{FF2B5EF4-FFF2-40B4-BE49-F238E27FC236}">
+                <a16:creationId xmlns:a16="http://schemas.microsoft.com/office/drawing/2014/main" id="{B9D7E975-9161-4F2D-AC53-69E1912F6B5D}"/>
+              </a:ext>
+              <a:ext uri="{C183D7F6-B498-43B3-948B-1728B52AA6E4}">
+                <adec:decorative xmlns:adec="http://schemas.microsoft.com/office/drawing/2017/decorative" val="1"/>
+              </a:ext>
+            </a:extLst>
+          </p:cNvPr>
+          <p:cNvSpPr>
+            <a:spLocks noGrp="1" noRot="1" noChangeAspect="1" noMove="1" noResize="1" noEditPoints="1" noAdjustHandles="1" noChangeArrowheads="1" noChangeShapeType="1" noTextEdit="1"/>
+          </p:cNvSpPr>
+          <p:nvPr>
+            <p:extLst>
+              <p:ext uri="{386F3935-93C4-4BCD-93E2-E3B085C9AB24}">
+                <p16:designElem xmlns:p16="http://schemas.microsoft.com/office/powerpoint/2015/main" val="1"/>
+              </p:ext>
+            </p:extLst>
+          </p:nvPr>
+        </p:nvSpPr>
+        <p:spPr>
+          <a:xfrm>
+            <a:off x="0" y="0"/>
+            <a:ext cx="12192000" cy="6858000"/>
+          </a:xfrm>
+          <a:prstGeom prst="rect">
+            <a:avLst/>
+          </a:prstGeom>
+          <a:ln>
+            <a:noFill/>
+          </a:ln>
+        </p:spPr>
+        <p:style>
+          <a:lnRef idx="2">
+            <a:schemeClr val="accent1">
+              <a:shade val="50000"/>
+            </a:schemeClr>
+          </a:lnRef>
+          <a:fillRef idx="1">
+            <a:schemeClr val="accent1"/>
+          </a:fillRef>
+          <a:effectRef idx="0">
+            <a:schemeClr val="accent1"/>
+          </a:effectRef>
+          <a:fontRef idx="minor">
+            <a:schemeClr val="lt1"/>
+          </a:fontRef>
+        </p:style>
+        <p:txBody>
+          <a:bodyPr rtlCol="0" anchor="ctr"/>
+          <a:lstStyle/>
+          <a:p>
+            <a:pPr algn="ctr"/>
+            <a:endParaRPr lang="en-US"/>
+          </a:p>
+        </p:txBody>
+      </p:sp>
+      <p:sp>
+        <p:nvSpPr>
+          <p:cNvPr id="73" name="Right Triangle 72">
+            <a:extLst>
+              <a:ext uri="{FF2B5EF4-FFF2-40B4-BE49-F238E27FC236}">
+                <a16:creationId xmlns:a16="http://schemas.microsoft.com/office/drawing/2014/main" id="{827DC2C4-B485-428A-BF4A-472D2967F47F}"/>
+              </a:ext>
+              <a:ext uri="{C183D7F6-B498-43B3-948B-1728B52AA6E4}">
+                <adec:decorative xmlns:adec="http://schemas.microsoft.com/office/drawing/2017/decorative" val="1"/>
+              </a:ext>
+            </a:extLst>
+          </p:cNvPr>
+          <p:cNvSpPr>
+            <a:spLocks noGrp="1" noRot="1" noChangeAspect="1" noMove="1" noResize="1" noEditPoints="1" noAdjustHandles="1" noChangeArrowheads="1" noChangeShapeType="1" noTextEdit="1"/>
+          </p:cNvSpPr>
+          <p:nvPr>
+            <p:extLst>
+              <p:ext uri="{386F3935-93C4-4BCD-93E2-E3B085C9AB24}">
+                <p16:designElem xmlns:p16="http://schemas.microsoft.com/office/powerpoint/2015/main" val="1"/>
+              </p:ext>
+            </p:extLst>
+          </p:nvPr>
+        </p:nvSpPr>
+        <p:spPr>
+          <a:xfrm flipH="1">
+            <a:off x="8576720" y="3335867"/>
+            <a:ext cx="3291840" cy="3200400"/>
+          </a:xfrm>
+          <a:prstGeom prst="rtTriangle">
+            <a:avLst/>
+          </a:prstGeom>
+          <a:solidFill>
+            <a:schemeClr val="accent4"/>
+          </a:solidFill>
+          <a:ln>
+            <a:noFill/>
+          </a:ln>
+        </p:spPr>
+        <p:style>
+          <a:lnRef idx="2">
+            <a:schemeClr val="accent1">
+              <a:shade val="50000"/>
+            </a:schemeClr>
+          </a:lnRef>
+          <a:fillRef idx="1">
+            <a:schemeClr val="accent1"/>
+          </a:fillRef>
+          <a:effectRef idx="0">
+            <a:schemeClr val="accent1"/>
+          </a:effectRef>
+          <a:fontRef idx="minor">
+            <a:schemeClr val="lt1"/>
+          </a:fontRef>
+        </p:style>
+        <p:txBody>
+          <a:bodyPr rtlCol="0" anchor="ctr"/>
+          <a:lstStyle/>
+          <a:p>
+            <a:pPr algn="ctr"/>
+            <a:endParaRPr lang="en-US" dirty="0"/>
+          </a:p>
+        </p:txBody>
+      </p:sp>
+      <p:sp>
+        <p:nvSpPr>
+          <p:cNvPr id="2" name="Title 1">
+            <a:extLst>
+              <a:ext uri="{FF2B5EF4-FFF2-40B4-BE49-F238E27FC236}">
+                <a16:creationId xmlns:a16="http://schemas.microsoft.com/office/drawing/2014/main" id="{D7D178F9-3287-4977-8BBF-41764A68968F}"/>
+              </a:ext>
+            </a:extLst>
+          </p:cNvPr>
+          <p:cNvSpPr>
+            <a:spLocks noGrp="1"/>
+          </p:cNvSpPr>
+          <p:nvPr>
+            <p:ph type="title"/>
+          </p:nvPr>
+        </p:nvSpPr>
+        <p:spPr>
+          <a:xfrm>
+            <a:off x="6889833" y="1056640"/>
+            <a:ext cx="4360324" cy="3494398"/>
+          </a:xfrm>
+        </p:spPr>
+        <p:txBody>
+          <a:bodyPr vert="horz" lIns="91440" tIns="45720" rIns="91440" bIns="45720" rtlCol="0" anchor="b">
+            <a:normAutofit/>
+          </a:bodyPr>
+          <a:lstStyle/>
+          <a:p>
+            <a:br>
+              <a:rPr lang="en-US" sz="2300" b="1" i="0">
+                <a:effectLst/>
+              </a:rPr>
+            </a:br>
+            <a:br>
+              <a:rPr lang="en-US" sz="2300" b="1" i="0">
+                <a:effectLst/>
+              </a:rPr>
+            </a:br>
+            <a:br>
+              <a:rPr lang="en-US" sz="2300" b="1" i="0">
+                <a:effectLst/>
+              </a:rPr>
+            </a:br>
+            <a:br>
+              <a:rPr lang="en-US" sz="2300" b="1" i="0">
+                <a:effectLst/>
+              </a:rPr>
+            </a:br>
+            <a:r>
+              <a:rPr lang="en-US" sz="2300" b="1" i="0">
+                <a:effectLst/>
+              </a:rPr>
+              <a:t>ETS ( Error, Trend, and Seasonality )</a:t>
+            </a:r>
+            <a:br>
+              <a:rPr lang="en-US" sz="2300" b="1" i="0">
+                <a:effectLst/>
+              </a:rPr>
+            </a:br>
+            <a:br>
+              <a:rPr lang="en-US" sz="2300" b="1" i="0">
+                <a:effectLst/>
+              </a:rPr>
+            </a:br>
+            <a:br>
+              <a:rPr lang="en-US" sz="2300" b="1" i="0">
+                <a:effectLst/>
+              </a:rPr>
+            </a:br>
+            <a:br>
+              <a:rPr lang="en-US" sz="2300" b="1" i="0">
+                <a:effectLst/>
+              </a:rPr>
+            </a:br>
+            <a:br>
+              <a:rPr lang="en-US" sz="2300" b="1" i="0">
+                <a:effectLst/>
+              </a:rPr>
+            </a:br>
+            <a:endParaRPr lang="en-US" sz="2300"/>
+          </a:p>
+        </p:txBody>
+      </p:sp>
+      <p:pic>
+        <p:nvPicPr>
+          <p:cNvPr id="9218" name="Picture 2">
+            <a:extLst>
+              <a:ext uri="{FF2B5EF4-FFF2-40B4-BE49-F238E27FC236}">
+                <a16:creationId xmlns:a16="http://schemas.microsoft.com/office/drawing/2014/main" id="{23F0E38B-B4C3-4DD0-8267-7FE0D1766EFC}"/>
+              </a:ext>
+            </a:extLst>
+          </p:cNvPr>
+          <p:cNvPicPr>
+            <a:picLocks noGrp="1" noChangeAspect="1" noChangeArrowheads="1"/>
+          </p:cNvPicPr>
+          <p:nvPr>
+            <p:ph idx="1"/>
+          </p:nvPr>
+        </p:nvPicPr>
+        <p:blipFill rotWithShape="1">
+          <a:blip r:embed="rId2">
+            <a:extLst>
+              <a:ext uri="{28A0092B-C50C-407E-A947-70E740481C1C}">
+                <a14:useLocalDpi xmlns:a14="http://schemas.microsoft.com/office/drawing/2010/main" val="0"/>
+              </a:ext>
+            </a:extLst>
+          </a:blip>
+          <a:srcRect l="9491" r="25891" b="-1"/>
+          <a:stretch/>
+        </p:blipFill>
+        <p:spPr bwMode="auto">
+          <a:xfrm>
+            <a:off x="621675" y="623275"/>
+            <a:ext cx="5474323" cy="5607882"/>
+          </a:xfrm>
+          <a:prstGeom prst="rect">
+            <a:avLst/>
+          </a:prstGeom>
+          <a:noFill/>
+          <a:extLst>
+            <a:ext uri="{909E8E84-426E-40DD-AFC4-6F175D3DCCD1}">
+              <a14:hiddenFill xmlns:a14="http://schemas.microsoft.com/office/drawing/2010/main">
+                <a:solidFill>
+                  <a:srgbClr val="FFFFFF"/>
+                </a:solidFill>
+              </a14:hiddenFill>
+            </a:ext>
+          </a:extLst>
+        </p:spPr>
+      </p:pic>
+      <p:sp>
+        <p:nvSpPr>
+          <p:cNvPr id="75" name="Rectangle 74">
+            <a:extLst>
+              <a:ext uri="{FF2B5EF4-FFF2-40B4-BE49-F238E27FC236}">
+                <a16:creationId xmlns:a16="http://schemas.microsoft.com/office/drawing/2014/main" id="{463E6235-1649-4B47-9862-4026FC473B6F}"/>
+              </a:ext>
+              <a:ext uri="{C183D7F6-B498-43B3-948B-1728B52AA6E4}">
+                <adec:decorative xmlns:adec="http://schemas.microsoft.com/office/drawing/2017/decorative" val="1"/>
+              </a:ext>
+            </a:extLst>
+          </p:cNvPr>
+          <p:cNvSpPr>
+            <a:spLocks noGrp="1" noRot="1" noChangeAspect="1" noMove="1" noResize="1" noEditPoints="1" noAdjustHandles="1" noChangeArrowheads="1" noChangeShapeType="1" noTextEdit="1"/>
+          </p:cNvSpPr>
+          <p:nvPr>
+            <p:extLst>
+              <p:ext uri="{386F3935-93C4-4BCD-93E2-E3B085C9AB24}">
+                <p16:designElem xmlns:p16="http://schemas.microsoft.com/office/powerpoint/2015/main" val="1"/>
+              </p:ext>
+            </p:extLst>
+          </p:nvPr>
+        </p:nvSpPr>
+        <p:spPr>
+          <a:xfrm>
+            <a:off x="6405201" y="623275"/>
+            <a:ext cx="5141626" cy="5607882"/>
+          </a:xfrm>
+          <a:prstGeom prst="rect">
+            <a:avLst/>
+          </a:prstGeom>
+          <a:noFill/>
+          <a:ln w="19050">
+            <a:solidFill>
+              <a:schemeClr val="tx1">
+                <a:lumMod val="75000"/>
+                <a:lumOff val="25000"/>
+              </a:schemeClr>
+            </a:solidFill>
+          </a:ln>
+        </p:spPr>
+        <p:style>
+          <a:lnRef idx="2">
+            <a:schemeClr val="accent1">
+              <a:shade val="50000"/>
+            </a:schemeClr>
+          </a:lnRef>
+          <a:fillRef idx="1">
+            <a:schemeClr val="accent1"/>
+          </a:fillRef>
+          <a:effectRef idx="0">
+            <a:schemeClr val="accent1"/>
+          </a:effectRef>
+          <a:fontRef idx="minor">
+            <a:schemeClr val="lt1"/>
+          </a:fontRef>
+        </p:style>
+        <p:txBody>
+          <a:bodyPr rtlCol="0" anchor="ctr"/>
+          <a:lstStyle/>
+          <a:p>
+            <a:pPr algn="ctr"/>
+            <a:endParaRPr lang="en-US"/>
+          </a:p>
+        </p:txBody>
+      </p:sp>
+    </p:spTree>
+    <p:extLst>
+      <p:ext uri="{BB962C8B-B14F-4D97-AF65-F5344CB8AC3E}">
+        <p14:creationId xmlns:p14="http://schemas.microsoft.com/office/powerpoint/2010/main" val="521590844"/>
+      </p:ext>
+    </p:extLst>
+  </p:cSld>
+  <p:clrMapOvr>
+    <a:masterClrMapping/>
+  </p:clrMapOvr>
+</p:sld>
+</file>
+
+<file path=ppt/slides/slide12.xml><?xml version="1.0" encoding="utf-8"?>
+<p:sld xmlns:a="http://schemas.openxmlformats.org/drawingml/2006/main" xmlns:r="http://schemas.openxmlformats.org/officeDocument/2006/relationships" xmlns:p="http://schemas.openxmlformats.org/presentationml/2006/main">
+  <p:cSld>
+    <p:bg>
+      <p:bgPr>
+        <a:solidFill>
+          <a:schemeClr val="bg1"/>
+        </a:solidFill>
+        <a:effectLst/>
+      </p:bgPr>
+    </p:bg>
+    <p:spTree>
+      <p:nvGrpSpPr>
+        <p:cNvPr id="1" name=""/>
+        <p:cNvGrpSpPr/>
+        <p:nvPr/>
+      </p:nvGrpSpPr>
+      <p:grpSpPr>
+        <a:xfrm>
+          <a:off x="0" y="0"/>
+          <a:ext cx="0" cy="0"/>
+          <a:chOff x="0" y="0"/>
+          <a:chExt cx="0" cy="0"/>
+        </a:xfrm>
+      </p:grpSpPr>
+      <p:sp useBgFill="1">
+        <p:nvSpPr>
+          <p:cNvPr id="19" name="Rectangle 18">
+            <a:extLst>
+              <a:ext uri="{FF2B5EF4-FFF2-40B4-BE49-F238E27FC236}">
+                <a16:creationId xmlns:a16="http://schemas.microsoft.com/office/drawing/2014/main" id="{B9D7E975-9161-4F2D-AC53-69E1912F6B5D}"/>
+              </a:ext>
+              <a:ext uri="{C183D7F6-B498-43B3-948B-1728B52AA6E4}">
+                <adec:decorative xmlns:adec="http://schemas.microsoft.com/office/drawing/2017/decorative" val="1"/>
+              </a:ext>
+            </a:extLst>
+          </p:cNvPr>
+          <p:cNvSpPr>
+            <a:spLocks noGrp="1" noRot="1" noChangeAspect="1" noMove="1" noResize="1" noEditPoints="1" noAdjustHandles="1" noChangeArrowheads="1" noChangeShapeType="1" noTextEdit="1"/>
+          </p:cNvSpPr>
+          <p:nvPr>
+            <p:extLst>
+              <p:ext uri="{386F3935-93C4-4BCD-93E2-E3B085C9AB24}">
+                <p16:designElem xmlns:p16="http://schemas.microsoft.com/office/powerpoint/2015/main" val="1"/>
+              </p:ext>
+            </p:extLst>
+          </p:nvPr>
+        </p:nvSpPr>
+        <p:spPr>
+          <a:xfrm>
+            <a:off x="0" y="0"/>
+            <a:ext cx="12192000" cy="6858000"/>
+          </a:xfrm>
+          <a:prstGeom prst="rect">
+            <a:avLst/>
+          </a:prstGeom>
+          <a:ln>
+            <a:noFill/>
+          </a:ln>
+        </p:spPr>
+        <p:style>
+          <a:lnRef idx="2">
+            <a:schemeClr val="accent1">
+              <a:shade val="50000"/>
+            </a:schemeClr>
+          </a:lnRef>
+          <a:fillRef idx="1">
+            <a:schemeClr val="accent1"/>
+          </a:fillRef>
+          <a:effectRef idx="0">
+            <a:schemeClr val="accent1"/>
+          </a:effectRef>
+          <a:fontRef idx="minor">
+            <a:schemeClr val="lt1"/>
+          </a:fontRef>
+        </p:style>
+        <p:txBody>
+          <a:bodyPr rtlCol="0" anchor="ctr"/>
+          <a:lstStyle/>
+          <a:p>
+            <a:pPr algn="ctr"/>
+            <a:endParaRPr lang="en-US"/>
+          </a:p>
+        </p:txBody>
+      </p:sp>
+      <p:sp>
+        <p:nvSpPr>
+          <p:cNvPr id="21" name="Right Triangle 20">
+            <a:extLst>
+              <a:ext uri="{FF2B5EF4-FFF2-40B4-BE49-F238E27FC236}">
+                <a16:creationId xmlns:a16="http://schemas.microsoft.com/office/drawing/2014/main" id="{827DC2C4-B485-428A-BF4A-472D2967F47F}"/>
+              </a:ext>
+              <a:ext uri="{C183D7F6-B498-43B3-948B-1728B52AA6E4}">
+                <adec:decorative xmlns:adec="http://schemas.microsoft.com/office/drawing/2017/decorative" val="1"/>
+              </a:ext>
+            </a:extLst>
+          </p:cNvPr>
+          <p:cNvSpPr>
+            <a:spLocks noGrp="1" noRot="1" noChangeAspect="1" noMove="1" noResize="1" noEditPoints="1" noAdjustHandles="1" noChangeArrowheads="1" noChangeShapeType="1" noTextEdit="1"/>
+          </p:cNvSpPr>
+          <p:nvPr>
+            <p:extLst>
+              <p:ext uri="{386F3935-93C4-4BCD-93E2-E3B085C9AB24}">
+                <p16:designElem xmlns:p16="http://schemas.microsoft.com/office/powerpoint/2015/main" val="1"/>
+              </p:ext>
+            </p:extLst>
+          </p:nvPr>
+        </p:nvSpPr>
+        <p:spPr>
+          <a:xfrm flipH="1">
+            <a:off x="8576720" y="3335867"/>
+            <a:ext cx="3291840" cy="3200400"/>
+          </a:xfrm>
+          <a:prstGeom prst="rtTriangle">
+            <a:avLst/>
+          </a:prstGeom>
+          <a:solidFill>
+            <a:schemeClr val="accent4"/>
+          </a:solidFill>
+          <a:ln>
+            <a:noFill/>
+          </a:ln>
+        </p:spPr>
+        <p:style>
+          <a:lnRef idx="2">
+            <a:schemeClr val="accent1">
+              <a:shade val="50000"/>
+            </a:schemeClr>
+          </a:lnRef>
+          <a:fillRef idx="1">
+            <a:schemeClr val="accent1"/>
+          </a:fillRef>
+          <a:effectRef idx="0">
+            <a:schemeClr val="accent1"/>
+          </a:effectRef>
+          <a:fontRef idx="minor">
+            <a:schemeClr val="lt1"/>
+          </a:fontRef>
+        </p:style>
+        <p:txBody>
+          <a:bodyPr rtlCol="0" anchor="ctr"/>
+          <a:lstStyle/>
+          <a:p>
+            <a:pPr algn="ctr"/>
+            <a:endParaRPr lang="en-US" dirty="0"/>
+          </a:p>
+        </p:txBody>
+      </p:sp>
+      <p:sp>
+        <p:nvSpPr>
+          <p:cNvPr id="2" name="Title 1">
+            <a:extLst>
+              <a:ext uri="{FF2B5EF4-FFF2-40B4-BE49-F238E27FC236}">
+                <a16:creationId xmlns:a16="http://schemas.microsoft.com/office/drawing/2014/main" id="{D7D178F9-3287-4977-8BBF-41764A68968F}"/>
+              </a:ext>
+            </a:extLst>
+          </p:cNvPr>
+          <p:cNvSpPr>
+            <a:spLocks noGrp="1"/>
+          </p:cNvSpPr>
+          <p:nvPr>
+            <p:ph type="title"/>
+          </p:nvPr>
+        </p:nvSpPr>
+        <p:spPr>
+          <a:xfrm>
+            <a:off x="6889833" y="1056640"/>
+            <a:ext cx="4360324" cy="3494398"/>
+          </a:xfrm>
+        </p:spPr>
+        <p:txBody>
+          <a:bodyPr vert="horz" lIns="91440" tIns="45720" rIns="91440" bIns="45720" rtlCol="0" anchor="b">
+            <a:normAutofit/>
+          </a:bodyPr>
+          <a:lstStyle/>
+          <a:p>
+            <a:br>
+              <a:rPr lang="en-US" sz="1800" b="1" i="0">
+                <a:effectLst/>
+              </a:rPr>
+            </a:br>
+            <a:br>
+              <a:rPr lang="en-US" sz="1800" b="1" i="0">
+                <a:effectLst/>
+              </a:rPr>
+            </a:br>
+            <a:br>
+              <a:rPr lang="en-US" sz="1800" b="1" i="0">
+                <a:effectLst/>
+              </a:rPr>
+            </a:br>
+            <a:br>
+              <a:rPr lang="en-US" sz="1800" b="1" i="0">
+                <a:effectLst/>
+              </a:rPr>
+            </a:br>
+            <a:r>
+              <a:rPr lang="en-US" sz="1800" b="1" i="0">
+                <a:effectLst/>
+              </a:rPr>
+              <a:t>Forecast using ARIMA Model</a:t>
+            </a:r>
+            <a:br>
+              <a:rPr lang="en-US" sz="1800" b="1" i="0">
+                <a:effectLst/>
+              </a:rPr>
+            </a:br>
+            <a:br>
+              <a:rPr lang="en-US" sz="1800" b="1" i="0">
+                <a:effectLst/>
+              </a:rPr>
+            </a:br>
+            <a:br>
+              <a:rPr lang="en-US" sz="1800" b="1" i="0">
+                <a:effectLst/>
+              </a:rPr>
+            </a:br>
+            <a:br>
+              <a:rPr lang="en-US" sz="1800" b="1" i="0">
+                <a:effectLst/>
+              </a:rPr>
+            </a:br>
+            <a:br>
+              <a:rPr lang="en-US" sz="1800" b="1" i="0">
+                <a:effectLst/>
+              </a:rPr>
+            </a:br>
+            <a:br>
+              <a:rPr lang="en-US" sz="1800" b="1" i="0">
+                <a:effectLst/>
+              </a:rPr>
+            </a:br>
+            <a:endParaRPr lang="en-US" sz="1800"/>
+          </a:p>
+        </p:txBody>
+      </p:sp>
+      <p:pic>
+        <p:nvPicPr>
+          <p:cNvPr id="5" name="Content Placeholder 4">
+            <a:extLst>
+              <a:ext uri="{FF2B5EF4-FFF2-40B4-BE49-F238E27FC236}">
+                <a16:creationId xmlns:a16="http://schemas.microsoft.com/office/drawing/2014/main" id="{65DD555B-8CBE-47F0-9530-79E52B4B0C2D}"/>
+              </a:ext>
+            </a:extLst>
+          </p:cNvPr>
+          <p:cNvPicPr>
+            <a:picLocks noGrp="1" noChangeAspect="1"/>
+          </p:cNvPicPr>
+          <p:nvPr>
+            <p:ph idx="1"/>
+          </p:nvPr>
+        </p:nvPicPr>
+        <p:blipFill rotWithShape="1">
+          <a:blip r:embed="rId2"/>
+          <a:srcRect r="13850" b="-2"/>
+          <a:stretch/>
+        </p:blipFill>
+        <p:spPr>
+          <a:xfrm>
+            <a:off x="621675" y="623275"/>
+            <a:ext cx="5474323" cy="5607882"/>
+          </a:xfrm>
+          <a:prstGeom prst="rect">
+            <a:avLst/>
+          </a:prstGeom>
+        </p:spPr>
+      </p:pic>
+      <p:sp>
+        <p:nvSpPr>
+          <p:cNvPr id="23" name="Rectangle 22">
+            <a:extLst>
+              <a:ext uri="{FF2B5EF4-FFF2-40B4-BE49-F238E27FC236}">
+                <a16:creationId xmlns:a16="http://schemas.microsoft.com/office/drawing/2014/main" id="{463E6235-1649-4B47-9862-4026FC473B6F}"/>
+              </a:ext>
+              <a:ext uri="{C183D7F6-B498-43B3-948B-1728B52AA6E4}">
+                <adec:decorative xmlns:adec="http://schemas.microsoft.com/office/drawing/2017/decorative" val="1"/>
+              </a:ext>
+            </a:extLst>
+          </p:cNvPr>
+          <p:cNvSpPr>
+            <a:spLocks noGrp="1" noRot="1" noChangeAspect="1" noMove="1" noResize="1" noEditPoints="1" noAdjustHandles="1" noChangeArrowheads="1" noChangeShapeType="1" noTextEdit="1"/>
+          </p:cNvSpPr>
+          <p:nvPr>
+            <p:extLst>
+              <p:ext uri="{386F3935-93C4-4BCD-93E2-E3B085C9AB24}">
+                <p16:designElem xmlns:p16="http://schemas.microsoft.com/office/powerpoint/2015/main" val="1"/>
+              </p:ext>
+            </p:extLst>
+          </p:nvPr>
+        </p:nvSpPr>
+        <p:spPr>
+          <a:xfrm>
+            <a:off x="6405201" y="623275"/>
+            <a:ext cx="5141626" cy="5607882"/>
+          </a:xfrm>
+          <a:prstGeom prst="rect">
+            <a:avLst/>
+          </a:prstGeom>
+          <a:noFill/>
+          <a:ln w="19050">
+            <a:solidFill>
+              <a:schemeClr val="tx1">
+                <a:lumMod val="75000"/>
+                <a:lumOff val="25000"/>
+              </a:schemeClr>
+            </a:solidFill>
+          </a:ln>
+        </p:spPr>
+        <p:style>
+          <a:lnRef idx="2">
+            <a:schemeClr val="accent1">
+              <a:shade val="50000"/>
+            </a:schemeClr>
+          </a:lnRef>
+          <a:fillRef idx="1">
+            <a:schemeClr val="accent1"/>
+          </a:fillRef>
+          <a:effectRef idx="0">
+            <a:schemeClr val="accent1"/>
+          </a:effectRef>
+          <a:fontRef idx="minor">
+            <a:schemeClr val="lt1"/>
+          </a:fontRef>
+        </p:style>
+        <p:txBody>
+          <a:bodyPr rtlCol="0" anchor="ctr"/>
+          <a:lstStyle/>
+          <a:p>
+            <a:pPr algn="ctr"/>
+            <a:endParaRPr lang="en-US"/>
+          </a:p>
+        </p:txBody>
+      </p:sp>
+    </p:spTree>
+    <p:extLst>
+      <p:ext uri="{BB962C8B-B14F-4D97-AF65-F5344CB8AC3E}">
+        <p14:creationId xmlns:p14="http://schemas.microsoft.com/office/powerpoint/2010/main" val="4009756597"/>
+      </p:ext>
+    </p:extLst>
+  </p:cSld>
+  <p:clrMapOvr>
+    <a:masterClrMapping/>
+  </p:clrMapOvr>
+</p:sld>
+</file>
+
+<file path=ppt/slides/slide13.xml><?xml version="1.0" encoding="utf-8"?>
+<p:sld xmlns:a="http://schemas.openxmlformats.org/drawingml/2006/main" xmlns:r="http://schemas.openxmlformats.org/officeDocument/2006/relationships" xmlns:p="http://schemas.openxmlformats.org/presentationml/2006/main">
+  <p:cSld>
+    <p:bg>
+      <p:bgPr>
+        <a:solidFill>
+          <a:schemeClr val="bg1"/>
+        </a:solidFill>
+        <a:effectLst/>
+      </p:bgPr>
+    </p:bg>
+    <p:spTree>
+      <p:nvGrpSpPr>
+        <p:cNvPr id="1" name=""/>
+        <p:cNvGrpSpPr/>
+        <p:nvPr/>
+      </p:nvGrpSpPr>
+      <p:grpSpPr>
+        <a:xfrm>
+          <a:off x="0" y="0"/>
+          <a:ext cx="0" cy="0"/>
+          <a:chOff x="0" y="0"/>
+          <a:chExt cx="0" cy="0"/>
+        </a:xfrm>
+      </p:grpSpPr>
+      <p:sp useBgFill="1">
+        <p:nvSpPr>
+          <p:cNvPr id="71" name="Rectangle 70">
+            <a:extLst>
+              <a:ext uri="{FF2B5EF4-FFF2-40B4-BE49-F238E27FC236}">
+                <a16:creationId xmlns:a16="http://schemas.microsoft.com/office/drawing/2014/main" id="{B9D7E975-9161-4F2D-AC53-69E1912F6B5D}"/>
+              </a:ext>
+              <a:ext uri="{C183D7F6-B498-43B3-948B-1728B52AA6E4}">
+                <adec:decorative xmlns:adec="http://schemas.microsoft.com/office/drawing/2017/decorative" val="1"/>
+              </a:ext>
+            </a:extLst>
+          </p:cNvPr>
+          <p:cNvSpPr>
+            <a:spLocks noGrp="1" noRot="1" noChangeAspect="1" noMove="1" noResize="1" noEditPoints="1" noAdjustHandles="1" noChangeArrowheads="1" noChangeShapeType="1" noTextEdit="1"/>
+          </p:cNvSpPr>
+          <p:nvPr>
+            <p:extLst>
+              <p:ext uri="{386F3935-93C4-4BCD-93E2-E3B085C9AB24}">
+                <p16:designElem xmlns:p16="http://schemas.microsoft.com/office/powerpoint/2015/main" val="1"/>
+              </p:ext>
+            </p:extLst>
+          </p:nvPr>
+        </p:nvSpPr>
+        <p:spPr>
+          <a:xfrm>
+            <a:off x="0" y="0"/>
+            <a:ext cx="12192000" cy="6858000"/>
+          </a:xfrm>
+          <a:prstGeom prst="rect">
+            <a:avLst/>
+          </a:prstGeom>
+          <a:ln>
+            <a:noFill/>
+          </a:ln>
+        </p:spPr>
+        <p:style>
+          <a:lnRef idx="2">
+            <a:schemeClr val="accent1">
+              <a:shade val="50000"/>
+            </a:schemeClr>
+          </a:lnRef>
+          <a:fillRef idx="1">
+            <a:schemeClr val="accent1"/>
+          </a:fillRef>
+          <a:effectRef idx="0">
+            <a:schemeClr val="accent1"/>
+          </a:effectRef>
+          <a:fontRef idx="minor">
+            <a:schemeClr val="lt1"/>
+          </a:fontRef>
+        </p:style>
+        <p:txBody>
+          <a:bodyPr rtlCol="0" anchor="ctr"/>
+          <a:lstStyle/>
+          <a:p>
+            <a:pPr algn="ctr"/>
+            <a:endParaRPr lang="en-US"/>
+          </a:p>
+        </p:txBody>
+      </p:sp>
+      <p:sp>
+        <p:nvSpPr>
+          <p:cNvPr id="73" name="Right Triangle 72">
+            <a:extLst>
+              <a:ext uri="{FF2B5EF4-FFF2-40B4-BE49-F238E27FC236}">
+                <a16:creationId xmlns:a16="http://schemas.microsoft.com/office/drawing/2014/main" id="{827DC2C4-B485-428A-BF4A-472D2967F47F}"/>
+              </a:ext>
+              <a:ext uri="{C183D7F6-B498-43B3-948B-1728B52AA6E4}">
+                <adec:decorative xmlns:adec="http://schemas.microsoft.com/office/drawing/2017/decorative" val="1"/>
+              </a:ext>
+            </a:extLst>
+          </p:cNvPr>
+          <p:cNvSpPr>
+            <a:spLocks noGrp="1" noRot="1" noChangeAspect="1" noMove="1" noResize="1" noEditPoints="1" noAdjustHandles="1" noChangeArrowheads="1" noChangeShapeType="1" noTextEdit="1"/>
+          </p:cNvSpPr>
+          <p:nvPr>
+            <p:extLst>
+              <p:ext uri="{386F3935-93C4-4BCD-93E2-E3B085C9AB24}">
+                <p16:designElem xmlns:p16="http://schemas.microsoft.com/office/powerpoint/2015/main" val="1"/>
+              </p:ext>
+            </p:extLst>
+          </p:nvPr>
+        </p:nvSpPr>
+        <p:spPr>
+          <a:xfrm flipH="1">
+            <a:off x="8576720" y="3335867"/>
+            <a:ext cx="3291840" cy="3200400"/>
+          </a:xfrm>
+          <a:prstGeom prst="rtTriangle">
+            <a:avLst/>
+          </a:prstGeom>
+          <a:solidFill>
+            <a:schemeClr val="accent4"/>
+          </a:solidFill>
+          <a:ln>
+            <a:noFill/>
+          </a:ln>
+        </p:spPr>
+        <p:style>
+          <a:lnRef idx="2">
+            <a:schemeClr val="accent1">
+              <a:shade val="50000"/>
+            </a:schemeClr>
+          </a:lnRef>
+          <a:fillRef idx="1">
+            <a:schemeClr val="accent1"/>
+          </a:fillRef>
+          <a:effectRef idx="0">
+            <a:schemeClr val="accent1"/>
+          </a:effectRef>
+          <a:fontRef idx="minor">
+            <a:schemeClr val="lt1"/>
+          </a:fontRef>
+        </p:style>
+        <p:txBody>
+          <a:bodyPr rtlCol="0" anchor="ctr"/>
+          <a:lstStyle/>
+          <a:p>
+            <a:pPr algn="ctr"/>
+            <a:endParaRPr lang="en-US" dirty="0"/>
+          </a:p>
+        </p:txBody>
+      </p:sp>
+      <p:sp>
+        <p:nvSpPr>
+          <p:cNvPr id="2" name="Title 1">
+            <a:extLst>
+              <a:ext uri="{FF2B5EF4-FFF2-40B4-BE49-F238E27FC236}">
+                <a16:creationId xmlns:a16="http://schemas.microsoft.com/office/drawing/2014/main" id="{D7D178F9-3287-4977-8BBF-41764A68968F}"/>
+              </a:ext>
+            </a:extLst>
+          </p:cNvPr>
+          <p:cNvSpPr>
+            <a:spLocks noGrp="1"/>
+          </p:cNvSpPr>
+          <p:nvPr>
+            <p:ph type="title"/>
+          </p:nvPr>
+        </p:nvSpPr>
+        <p:spPr>
+          <a:xfrm>
+            <a:off x="6889833" y="1056640"/>
+            <a:ext cx="4360324" cy="3494398"/>
+          </a:xfrm>
+        </p:spPr>
+        <p:txBody>
+          <a:bodyPr vert="horz" lIns="91440" tIns="45720" rIns="91440" bIns="45720" rtlCol="0" anchor="b">
+            <a:normAutofit/>
+          </a:bodyPr>
+          <a:lstStyle/>
+          <a:p>
+            <a:br>
+              <a:rPr lang="en-US" sz="1800" b="1" i="0">
+                <a:effectLst/>
+              </a:rPr>
+            </a:br>
+            <a:br>
+              <a:rPr lang="en-US" sz="1800" b="1" i="0">
+                <a:effectLst/>
+              </a:rPr>
+            </a:br>
+            <a:br>
+              <a:rPr lang="en-US" sz="1800" b="1" i="0">
+                <a:effectLst/>
+              </a:rPr>
+            </a:br>
+            <a:br>
+              <a:rPr lang="en-US" sz="1800" b="1" i="0">
+                <a:effectLst/>
+              </a:rPr>
+            </a:br>
+            <a:r>
+              <a:rPr lang="en-US" sz="1800" b="1" i="0">
+                <a:effectLst/>
+              </a:rPr>
+              <a:t>Forecast Comparison</a:t>
+            </a:r>
+            <a:br>
+              <a:rPr lang="en-US" sz="1800" b="1" i="0">
+                <a:effectLst/>
+              </a:rPr>
+            </a:br>
+            <a:br>
+              <a:rPr lang="en-US" sz="1800" b="1" i="0">
+                <a:effectLst/>
+              </a:rPr>
+            </a:br>
+            <a:r>
+              <a:rPr lang="en-US" sz="1800" b="1" i="0">
+                <a:effectLst/>
+              </a:rPr>
+              <a:t>(training dataset up to June 2020)</a:t>
+            </a:r>
+            <a:br>
+              <a:rPr lang="en-US" sz="1800" b="1" i="0">
+                <a:effectLst/>
+              </a:rPr>
+            </a:br>
+            <a:br>
+              <a:rPr lang="en-US" sz="1800" b="1" i="0">
+                <a:effectLst/>
+              </a:rPr>
+            </a:br>
+            <a:br>
+              <a:rPr lang="en-US" sz="1800" b="1" i="0">
+                <a:effectLst/>
+              </a:rPr>
+            </a:br>
+            <a:br>
+              <a:rPr lang="en-US" sz="1800" b="1" i="0">
+                <a:effectLst/>
+              </a:rPr>
+            </a:br>
+            <a:br>
+              <a:rPr lang="en-US" sz="1800" b="1" i="0">
+                <a:effectLst/>
+              </a:rPr>
+            </a:br>
+            <a:br>
+              <a:rPr lang="en-US" sz="1800" b="1" i="0">
+                <a:effectLst/>
+              </a:rPr>
+            </a:br>
+            <a:endParaRPr lang="en-US" sz="1800"/>
+          </a:p>
+        </p:txBody>
+      </p:sp>
+      <p:pic>
+        <p:nvPicPr>
+          <p:cNvPr id="12290" name="Picture 2">
+            <a:extLst>
+              <a:ext uri="{FF2B5EF4-FFF2-40B4-BE49-F238E27FC236}">
+                <a16:creationId xmlns:a16="http://schemas.microsoft.com/office/drawing/2014/main" id="{8F2F24A7-B476-48B9-88BD-01E7A9577EFE}"/>
+              </a:ext>
+            </a:extLst>
+          </p:cNvPr>
+          <p:cNvPicPr>
+            <a:picLocks noGrp="1" noChangeAspect="1" noChangeArrowheads="1"/>
+          </p:cNvPicPr>
+          <p:nvPr>
+            <p:ph idx="1"/>
+          </p:nvPr>
+        </p:nvPicPr>
+        <p:blipFill rotWithShape="1">
+          <a:blip r:embed="rId2">
+            <a:extLst>
+              <a:ext uri="{28A0092B-C50C-407E-A947-70E740481C1C}">
+                <a14:useLocalDpi xmlns:a14="http://schemas.microsoft.com/office/drawing/2010/main" val="0"/>
+              </a:ext>
+            </a:extLst>
+          </a:blip>
+          <a:srcRect l="1218" r="30896" b="1"/>
+          <a:stretch/>
+        </p:blipFill>
+        <p:spPr bwMode="auto">
+          <a:xfrm>
+            <a:off x="621675" y="623275"/>
+            <a:ext cx="5474323" cy="5607882"/>
+          </a:xfrm>
+          <a:prstGeom prst="rect">
+            <a:avLst/>
+          </a:prstGeom>
+          <a:noFill/>
+          <a:extLst>
+            <a:ext uri="{909E8E84-426E-40DD-AFC4-6F175D3DCCD1}">
+              <a14:hiddenFill xmlns:a14="http://schemas.microsoft.com/office/drawing/2010/main">
+                <a:solidFill>
+                  <a:srgbClr val="FFFFFF"/>
+                </a:solidFill>
+              </a14:hiddenFill>
+            </a:ext>
+          </a:extLst>
+        </p:spPr>
+      </p:pic>
+      <p:sp>
+        <p:nvSpPr>
+          <p:cNvPr id="75" name="Rectangle 74">
+            <a:extLst>
+              <a:ext uri="{FF2B5EF4-FFF2-40B4-BE49-F238E27FC236}">
+                <a16:creationId xmlns:a16="http://schemas.microsoft.com/office/drawing/2014/main" id="{463E6235-1649-4B47-9862-4026FC473B6F}"/>
+              </a:ext>
+              <a:ext uri="{C183D7F6-B498-43B3-948B-1728B52AA6E4}">
+                <adec:decorative xmlns:adec="http://schemas.microsoft.com/office/drawing/2017/decorative" val="1"/>
+              </a:ext>
+            </a:extLst>
+          </p:cNvPr>
+          <p:cNvSpPr>
+            <a:spLocks noGrp="1" noRot="1" noChangeAspect="1" noMove="1" noResize="1" noEditPoints="1" noAdjustHandles="1" noChangeArrowheads="1" noChangeShapeType="1" noTextEdit="1"/>
+          </p:cNvSpPr>
+          <p:nvPr>
+            <p:extLst>
+              <p:ext uri="{386F3935-93C4-4BCD-93E2-E3B085C9AB24}">
+                <p16:designElem xmlns:p16="http://schemas.microsoft.com/office/powerpoint/2015/main" val="1"/>
+              </p:ext>
+            </p:extLst>
+          </p:nvPr>
+        </p:nvSpPr>
+        <p:spPr>
+          <a:xfrm>
+            <a:off x="6405201" y="623275"/>
+            <a:ext cx="5141626" cy="5607882"/>
+          </a:xfrm>
+          <a:prstGeom prst="rect">
+            <a:avLst/>
+          </a:prstGeom>
+          <a:noFill/>
+          <a:ln w="19050">
+            <a:solidFill>
+              <a:schemeClr val="tx1">
+                <a:lumMod val="75000"/>
+                <a:lumOff val="25000"/>
+              </a:schemeClr>
+            </a:solidFill>
+          </a:ln>
+        </p:spPr>
+        <p:style>
+          <a:lnRef idx="2">
+            <a:schemeClr val="accent1">
+              <a:shade val="50000"/>
+            </a:schemeClr>
+          </a:lnRef>
+          <a:fillRef idx="1">
+            <a:schemeClr val="accent1"/>
+          </a:fillRef>
+          <a:effectRef idx="0">
+            <a:schemeClr val="accent1"/>
+          </a:effectRef>
+          <a:fontRef idx="minor">
+            <a:schemeClr val="lt1"/>
+          </a:fontRef>
+        </p:style>
+        <p:txBody>
+          <a:bodyPr rtlCol="0" anchor="ctr"/>
+          <a:lstStyle/>
+          <a:p>
+            <a:pPr algn="ctr"/>
+            <a:endParaRPr lang="en-US"/>
+          </a:p>
+        </p:txBody>
+      </p:sp>
+    </p:spTree>
+    <p:extLst>
+      <p:ext uri="{BB962C8B-B14F-4D97-AF65-F5344CB8AC3E}">
+        <p14:creationId xmlns:p14="http://schemas.microsoft.com/office/powerpoint/2010/main" val="3911057391"/>
+      </p:ext>
+    </p:extLst>
+  </p:cSld>
+  <p:clrMapOvr>
+    <a:masterClrMapping/>
+  </p:clrMapOvr>
+</p:sld>
+</file>
+
+<file path=ppt/slides/slide14.xml><?xml version="1.0" encoding="utf-8"?>
+<p:sld xmlns:a="http://schemas.openxmlformats.org/drawingml/2006/main" xmlns:r="http://schemas.openxmlformats.org/officeDocument/2006/relationships" xmlns:p="http://schemas.openxmlformats.org/presentationml/2006/main">
+  <p:cSld>
+    <p:bg>
+      <p:bgPr>
+        <a:solidFill>
+          <a:schemeClr val="bg1"/>
+        </a:solidFill>
+        <a:effectLst/>
+      </p:bgPr>
+    </p:bg>
+    <p:spTree>
+      <p:nvGrpSpPr>
+        <p:cNvPr id="1" name=""/>
+        <p:cNvGrpSpPr/>
+        <p:nvPr/>
+      </p:nvGrpSpPr>
+      <p:grpSpPr>
+        <a:xfrm>
+          <a:off x="0" y="0"/>
+          <a:ext cx="0" cy="0"/>
+          <a:chOff x="0" y="0"/>
+          <a:chExt cx="0" cy="0"/>
+        </a:xfrm>
+      </p:grpSpPr>
+      <p:sp useBgFill="1">
+        <p:nvSpPr>
+          <p:cNvPr id="13" name="Rectangle 7">
+            <a:extLst>
+              <a:ext uri="{FF2B5EF4-FFF2-40B4-BE49-F238E27FC236}">
+                <a16:creationId xmlns:a16="http://schemas.microsoft.com/office/drawing/2014/main" id="{3B854194-185D-494D-905C-7C7CB2E30F6E}"/>
+              </a:ext>
+              <a:ext uri="{C183D7F6-B498-43B3-948B-1728B52AA6E4}">
+                <adec:decorative xmlns:adec="http://schemas.microsoft.com/office/drawing/2017/decorative" val="1"/>
+              </a:ext>
+            </a:extLst>
+          </p:cNvPr>
+          <p:cNvSpPr>
+            <a:spLocks noGrp="1" noRot="1" noChangeAspect="1" noMove="1" noResize="1" noEditPoints="1" noAdjustHandles="1" noChangeArrowheads="1" noChangeShapeType="1" noTextEdit="1"/>
+          </p:cNvSpPr>
+          <p:nvPr>
+            <p:extLst>
+              <p:ext uri="{386F3935-93C4-4BCD-93E2-E3B085C9AB24}">
+                <p16:designElem xmlns:p16="http://schemas.microsoft.com/office/powerpoint/2015/main" val="1"/>
+              </p:ext>
+            </p:extLst>
+          </p:nvPr>
+        </p:nvSpPr>
+        <p:spPr>
+          <a:xfrm>
+            <a:off x="1" y="0"/>
+            <a:ext cx="6082110" cy="6858000"/>
+          </a:xfrm>
+          <a:prstGeom prst="rect">
+            <a:avLst/>
+          </a:prstGeom>
+          <a:ln>
+            <a:noFill/>
+          </a:ln>
+        </p:spPr>
+        <p:style>
+          <a:lnRef idx="2">
+            <a:schemeClr val="accent1">
+              <a:shade val="50000"/>
+            </a:schemeClr>
+          </a:lnRef>
+          <a:fillRef idx="1">
+            <a:schemeClr val="accent1"/>
+          </a:fillRef>
+          <a:effectRef idx="0">
+            <a:schemeClr val="accent1"/>
+          </a:effectRef>
+          <a:fontRef idx="minor">
+            <a:schemeClr val="lt1"/>
+          </a:fontRef>
+        </p:style>
+        <p:txBody>
+          <a:bodyPr rtlCol="0" anchor="ctr"/>
+          <a:lstStyle/>
+          <a:p>
+            <a:pPr algn="ctr"/>
+            <a:endParaRPr lang="en-US"/>
+          </a:p>
+        </p:txBody>
+      </p:sp>
+      <p:sp>
+        <p:nvSpPr>
+          <p:cNvPr id="14" name="Rectangle 9">
+            <a:extLst>
+              <a:ext uri="{FF2B5EF4-FFF2-40B4-BE49-F238E27FC236}">
+                <a16:creationId xmlns:a16="http://schemas.microsoft.com/office/drawing/2014/main" id="{B4F5FA0D-0104-4987-8241-EFF7C85B88DE}"/>
+              </a:ext>
+              <a:ext uri="{C183D7F6-B498-43B3-948B-1728B52AA6E4}">
+                <adec:decorative xmlns:adec="http://schemas.microsoft.com/office/drawing/2017/decorative" val="1"/>
+              </a:ext>
+            </a:extLst>
+          </p:cNvPr>
+          <p:cNvSpPr>
+            <a:spLocks noGrp="1" noRot="1" noChangeAspect="1" noMove="1" noResize="1" noEditPoints="1" noAdjustHandles="1" noChangeArrowheads="1" noChangeShapeType="1" noTextEdit="1"/>
+          </p:cNvSpPr>
+          <p:nvPr>
+            <p:extLst>
+              <p:ext uri="{386F3935-93C4-4BCD-93E2-E3B085C9AB24}">
+                <p16:designElem xmlns:p16="http://schemas.microsoft.com/office/powerpoint/2015/main" val="1"/>
+              </p:ext>
+            </p:extLst>
+          </p:nvPr>
+        </p:nvSpPr>
+        <p:spPr>
+          <a:xfrm>
+            <a:off x="1" y="0"/>
+            <a:ext cx="12191998" cy="6858000"/>
+          </a:xfrm>
+          <a:prstGeom prst="rect">
+            <a:avLst/>
+          </a:prstGeom>
+          <a:gradFill>
+            <a:gsLst>
+              <a:gs pos="0">
+                <a:schemeClr val="accent1">
+                  <a:lumMod val="90000"/>
+                </a:schemeClr>
+              </a:gs>
+              <a:gs pos="25000">
+                <a:schemeClr val="accent1">
+                  <a:lumMod val="90000"/>
+                </a:schemeClr>
+              </a:gs>
+              <a:gs pos="94000">
+                <a:schemeClr val="bg2">
+                  <a:lumMod val="25000"/>
+                </a:schemeClr>
+              </a:gs>
+              <a:gs pos="100000">
+                <a:schemeClr val="bg2">
+                  <a:lumMod val="25000"/>
+                </a:schemeClr>
+              </a:gs>
+            </a:gsLst>
+            <a:lin ang="4200000" scaled="0"/>
+          </a:gradFill>
+          <a:ln>
+            <a:noFill/>
+          </a:ln>
+        </p:spPr>
+        <p:style>
+          <a:lnRef idx="2">
+            <a:schemeClr val="accent1">
+              <a:shade val="50000"/>
+            </a:schemeClr>
+          </a:lnRef>
+          <a:fillRef idx="1">
+            <a:schemeClr val="accent1"/>
+          </a:fillRef>
+          <a:effectRef idx="0">
+            <a:schemeClr val="accent1"/>
+          </a:effectRef>
+          <a:fontRef idx="minor">
+            <a:schemeClr val="lt1"/>
+          </a:fontRef>
+        </p:style>
+        <p:txBody>
+          <a:bodyPr rtlCol="0" anchor="ctr"/>
+          <a:lstStyle/>
+          <a:p>
+            <a:pPr algn="ctr"/>
+            <a:endParaRPr lang="en-US"/>
+          </a:p>
+        </p:txBody>
+      </p:sp>
+      <p:pic>
+        <p:nvPicPr>
+          <p:cNvPr id="12" name="Picture 11">
+            <a:extLst>
+              <a:ext uri="{FF2B5EF4-FFF2-40B4-BE49-F238E27FC236}">
+                <a16:creationId xmlns:a16="http://schemas.microsoft.com/office/drawing/2014/main" id="{2897127E-6CEF-446C-BE87-93B7C46E49D1}"/>
+              </a:ext>
+              <a:ext uri="{C183D7F6-B498-43B3-948B-1728B52AA6E4}">
+                <adec:decorative xmlns:adec="http://schemas.microsoft.com/office/drawing/2017/decorative" val="1"/>
+              </a:ext>
+            </a:extLst>
+          </p:cNvPr>
+          <p:cNvPicPr>
+            <a:picLocks noGrp="1" noRot="1" noChangeAspect="1" noMove="1" noResize="1" noEditPoints="1" noAdjustHandles="1" noChangeArrowheads="1" noChangeShapeType="1" noCrop="1"/>
+          </p:cNvPicPr>
+          <p:nvPr>
+            <p:extLst>
+              <p:ext uri="{386F3935-93C4-4BCD-93E2-E3B085C9AB24}">
+                <p16:designElem xmlns:p16="http://schemas.microsoft.com/office/powerpoint/2015/main" val="1"/>
+              </p:ext>
+            </p:extLst>
+          </p:nvPr>
+        </p:nvPicPr>
+        <p:blipFill>
+          <a:blip r:embed="rId2">
+            <a:extLst>
+              <a:ext uri="{28A0092B-C50C-407E-A947-70E740481C1C}">
+                <a14:useLocalDpi xmlns:a14="http://schemas.microsoft.com/office/drawing/2010/main" val="0"/>
+              </a:ext>
+            </a:extLst>
+          </a:blip>
+          <a:stretch>
+            <a:fillRect/>
+          </a:stretch>
+        </p:blipFill>
+        <p:spPr>
+          <a:xfrm>
+            <a:off x="0" y="0"/>
+            <a:ext cx="12192000" cy="6858000"/>
+          </a:xfrm>
+          <a:prstGeom prst="rect">
+            <a:avLst/>
+          </a:prstGeom>
+        </p:spPr>
+      </p:pic>
+      <p:sp>
+        <p:nvSpPr>
+          <p:cNvPr id="2" name="Title 1">
+            <a:extLst>
+              <a:ext uri="{FF2B5EF4-FFF2-40B4-BE49-F238E27FC236}">
+                <a16:creationId xmlns:a16="http://schemas.microsoft.com/office/drawing/2014/main" id="{D7D178F9-3287-4977-8BBF-41764A68968F}"/>
+              </a:ext>
+            </a:extLst>
+          </p:cNvPr>
+          <p:cNvSpPr>
+            <a:spLocks noGrp="1"/>
+          </p:cNvSpPr>
+          <p:nvPr>
+            <p:ph type="title"/>
+          </p:nvPr>
+        </p:nvSpPr>
+        <p:spPr>
+          <a:xfrm>
+            <a:off x="640079" y="2053641"/>
+            <a:ext cx="3669161" cy="2760098"/>
           </a:xfrm>
         </p:spPr>
         <p:txBody>
@@ -3349,16 +5367,447 @@
           </a:bodyPr>
           <a:lstStyle/>
           <a:p>
-            <a:r>
-              <a:rPr lang="en-US" b="1" i="0" dirty="0">
+            <a:br>
+              <a:rPr lang="en-US" b="1" i="0">
                 <a:solidFill>
                   <a:srgbClr val="000000"/>
                 </a:solidFill>
                 <a:effectLst/>
                 <a:latin typeface="Helvetica Neue"/>
               </a:rPr>
-              <a:t>COVID19 EDA - Trends and Outbreak Prediction of Spread in USA</a:t>
-            </a:r>
+            </a:br>
+            <a:br>
+              <a:rPr lang="en-US" b="1" i="0">
+                <a:solidFill>
+                  <a:srgbClr val="000000"/>
+                </a:solidFill>
+                <a:effectLst/>
+                <a:latin typeface="Helvetica Neue"/>
+              </a:rPr>
+            </a:br>
+            <a:br>
+              <a:rPr lang="en-US" b="1" i="0">
+                <a:solidFill>
+                  <a:srgbClr val="000000"/>
+                </a:solidFill>
+                <a:effectLst/>
+                <a:latin typeface="Helvetica Neue"/>
+              </a:rPr>
+            </a:br>
+            <a:br>
+              <a:rPr lang="en-US" b="1" i="0">
+                <a:solidFill>
+                  <a:srgbClr val="000000"/>
+                </a:solidFill>
+                <a:effectLst/>
+                <a:latin typeface="Helvetica Neue"/>
+              </a:rPr>
+            </a:br>
+            <a:r>
+              <a:rPr lang="en-US" b="1" i="0">
+                <a:solidFill>
+                  <a:srgbClr val="000000"/>
+                </a:solidFill>
+                <a:effectLst/>
+                <a:latin typeface="Helvetica Neue"/>
+              </a:rPr>
+              <a:t>Time Series</a:t>
+            </a:r>
+            <a:br>
+              <a:rPr lang="en-US" b="1" i="0">
+                <a:solidFill>
+                  <a:srgbClr val="000000"/>
+                </a:solidFill>
+                <a:effectLst/>
+                <a:latin typeface="Helvetica Neue"/>
+              </a:rPr>
+            </a:br>
+            <a:br>
+              <a:rPr lang="en-US" b="1" i="0">
+                <a:solidFill>
+                  <a:srgbClr val="000000"/>
+                </a:solidFill>
+                <a:effectLst/>
+                <a:latin typeface="Helvetica Neue"/>
+              </a:rPr>
+            </a:br>
+            <a:r>
+              <a:rPr lang="en-US" b="1" i="0">
+                <a:solidFill>
+                  <a:srgbClr val="000000"/>
+                </a:solidFill>
+                <a:effectLst/>
+                <a:latin typeface="Helvetica Neue"/>
+              </a:rPr>
+              <a:t>(Prediction – confirmed Cases)</a:t>
+            </a:r>
+            <a:br>
+              <a:rPr lang="en-US" b="1" i="0">
+                <a:solidFill>
+                  <a:srgbClr val="000000"/>
+                </a:solidFill>
+                <a:effectLst/>
+                <a:latin typeface="Helvetica Neue"/>
+              </a:rPr>
+            </a:br>
+            <a:br>
+              <a:rPr lang="en-US" b="1" i="0">
+                <a:solidFill>
+                  <a:srgbClr val="000000"/>
+                </a:solidFill>
+                <a:effectLst/>
+                <a:latin typeface="Helvetica Neue"/>
+              </a:rPr>
+            </a:br>
+            <a:br>
+              <a:rPr lang="en-US" b="1" i="0">
+                <a:solidFill>
+                  <a:srgbClr val="000000"/>
+                </a:solidFill>
+                <a:effectLst/>
+                <a:latin typeface="Helvetica Neue"/>
+              </a:rPr>
+            </a:br>
+            <a:br>
+              <a:rPr lang="en-US" b="1" i="0">
+                <a:solidFill>
+                  <a:srgbClr val="000000"/>
+                </a:solidFill>
+                <a:effectLst/>
+                <a:latin typeface="Helvetica Neue"/>
+              </a:rPr>
+            </a:br>
+            <a:br>
+              <a:rPr lang="en-US" b="1" i="0">
+                <a:solidFill>
+                  <a:srgbClr val="000000"/>
+                </a:solidFill>
+                <a:effectLst/>
+                <a:latin typeface="Helvetica Neue"/>
+              </a:rPr>
+            </a:br>
+            <a:br>
+              <a:rPr lang="en-US" b="1" i="0">
+                <a:solidFill>
+                  <a:srgbClr val="000000"/>
+                </a:solidFill>
+                <a:effectLst/>
+                <a:latin typeface="Helvetica Neue"/>
+              </a:rPr>
+            </a:br>
+            <a:endParaRPr lang="en-US" dirty="0">
+              <a:solidFill>
+                <a:srgbClr val="FFFFFF"/>
+              </a:solidFill>
+            </a:endParaRPr>
+          </a:p>
+        </p:txBody>
+      </p:sp>
+      <p:pic>
+        <p:nvPicPr>
+          <p:cNvPr id="15362" name="Picture 2">
+            <a:extLst>
+              <a:ext uri="{FF2B5EF4-FFF2-40B4-BE49-F238E27FC236}">
+                <a16:creationId xmlns:a16="http://schemas.microsoft.com/office/drawing/2014/main" id="{D2690443-2684-4C50-AA5D-BAF8D4BFE4E9}"/>
+              </a:ext>
+            </a:extLst>
+          </p:cNvPr>
+          <p:cNvPicPr>
+            <a:picLocks noGrp="1" noChangeAspect="1" noChangeArrowheads="1"/>
+          </p:cNvPicPr>
+          <p:nvPr>
+            <p:ph idx="1"/>
+          </p:nvPr>
+        </p:nvPicPr>
+        <p:blipFill>
+          <a:blip r:embed="rId3">
+            <a:extLst>
+              <a:ext uri="{28A0092B-C50C-407E-A947-70E740481C1C}">
+                <a14:useLocalDpi xmlns:a14="http://schemas.microsoft.com/office/drawing/2010/main" val="0"/>
+              </a:ext>
+            </a:extLst>
+          </a:blip>
+          <a:srcRect/>
+          <a:stretch>
+            <a:fillRect/>
+          </a:stretch>
+        </p:blipFill>
+        <p:spPr bwMode="auto">
+          <a:xfrm>
+            <a:off x="5343524" y="1848153"/>
+            <a:ext cx="6524625" cy="4306281"/>
+          </a:xfrm>
+          <a:prstGeom prst="rect">
+            <a:avLst/>
+          </a:prstGeom>
+          <a:noFill/>
+          <a:extLst>
+            <a:ext uri="{909E8E84-426E-40DD-AFC4-6F175D3DCCD1}">
+              <a14:hiddenFill xmlns:a14="http://schemas.microsoft.com/office/drawing/2010/main">
+                <a:solidFill>
+                  <a:srgbClr val="FFFFFF"/>
+                </a:solidFill>
+              </a14:hiddenFill>
+            </a:ext>
+          </a:extLst>
+        </p:spPr>
+      </p:pic>
+    </p:spTree>
+    <p:extLst>
+      <p:ext uri="{BB962C8B-B14F-4D97-AF65-F5344CB8AC3E}">
+        <p14:creationId xmlns:p14="http://schemas.microsoft.com/office/powerpoint/2010/main" val="184273224"/>
+      </p:ext>
+    </p:extLst>
+  </p:cSld>
+  <p:clrMapOvr>
+    <a:masterClrMapping/>
+  </p:clrMapOvr>
+</p:sld>
+</file>
+
+<file path=ppt/slides/slide15.xml><?xml version="1.0" encoding="utf-8"?>
+<p:sld xmlns:a="http://schemas.openxmlformats.org/drawingml/2006/main" xmlns:r="http://schemas.openxmlformats.org/officeDocument/2006/relationships" xmlns:p="http://schemas.openxmlformats.org/presentationml/2006/main">
+  <p:cSld>
+    <p:bg>
+      <p:bgPr>
+        <a:solidFill>
+          <a:schemeClr val="bg1"/>
+        </a:solidFill>
+        <a:effectLst/>
+      </p:bgPr>
+    </p:bg>
+    <p:spTree>
+      <p:nvGrpSpPr>
+        <p:cNvPr id="1" name=""/>
+        <p:cNvGrpSpPr/>
+        <p:nvPr/>
+      </p:nvGrpSpPr>
+      <p:grpSpPr>
+        <a:xfrm>
+          <a:off x="0" y="0"/>
+          <a:ext cx="0" cy="0"/>
+          <a:chOff x="0" y="0"/>
+          <a:chExt cx="0" cy="0"/>
+        </a:xfrm>
+      </p:grpSpPr>
+      <p:sp useBgFill="1">
+        <p:nvSpPr>
+          <p:cNvPr id="13" name="Rectangle 7">
+            <a:extLst>
+              <a:ext uri="{FF2B5EF4-FFF2-40B4-BE49-F238E27FC236}">
+                <a16:creationId xmlns:a16="http://schemas.microsoft.com/office/drawing/2014/main" id="{3B854194-185D-494D-905C-7C7CB2E30F6E}"/>
+              </a:ext>
+              <a:ext uri="{C183D7F6-B498-43B3-948B-1728B52AA6E4}">
+                <adec:decorative xmlns:adec="http://schemas.microsoft.com/office/drawing/2017/decorative" val="1"/>
+              </a:ext>
+            </a:extLst>
+          </p:cNvPr>
+          <p:cNvSpPr>
+            <a:spLocks noGrp="1" noRot="1" noChangeAspect="1" noMove="1" noResize="1" noEditPoints="1" noAdjustHandles="1" noChangeArrowheads="1" noChangeShapeType="1" noTextEdit="1"/>
+          </p:cNvSpPr>
+          <p:nvPr>
+            <p:extLst>
+              <p:ext uri="{386F3935-93C4-4BCD-93E2-E3B085C9AB24}">
+                <p16:designElem xmlns:p16="http://schemas.microsoft.com/office/powerpoint/2015/main" val="1"/>
+              </p:ext>
+            </p:extLst>
+          </p:nvPr>
+        </p:nvSpPr>
+        <p:spPr>
+          <a:xfrm>
+            <a:off x="1" y="0"/>
+            <a:ext cx="6082110" cy="6858000"/>
+          </a:xfrm>
+          <a:prstGeom prst="rect">
+            <a:avLst/>
+          </a:prstGeom>
+          <a:ln>
+            <a:noFill/>
+          </a:ln>
+        </p:spPr>
+        <p:style>
+          <a:lnRef idx="2">
+            <a:schemeClr val="accent1">
+              <a:shade val="50000"/>
+            </a:schemeClr>
+          </a:lnRef>
+          <a:fillRef idx="1">
+            <a:schemeClr val="accent1"/>
+          </a:fillRef>
+          <a:effectRef idx="0">
+            <a:schemeClr val="accent1"/>
+          </a:effectRef>
+          <a:fontRef idx="minor">
+            <a:schemeClr val="lt1"/>
+          </a:fontRef>
+        </p:style>
+        <p:txBody>
+          <a:bodyPr rtlCol="0" anchor="ctr"/>
+          <a:lstStyle/>
+          <a:p>
+            <a:pPr algn="ctr"/>
+            <a:endParaRPr lang="en-US"/>
+          </a:p>
+        </p:txBody>
+      </p:sp>
+      <p:sp>
+        <p:nvSpPr>
+          <p:cNvPr id="14" name="Rectangle 9">
+            <a:extLst>
+              <a:ext uri="{FF2B5EF4-FFF2-40B4-BE49-F238E27FC236}">
+                <a16:creationId xmlns:a16="http://schemas.microsoft.com/office/drawing/2014/main" id="{B4F5FA0D-0104-4987-8241-EFF7C85B88DE}"/>
+              </a:ext>
+              <a:ext uri="{C183D7F6-B498-43B3-948B-1728B52AA6E4}">
+                <adec:decorative xmlns:adec="http://schemas.microsoft.com/office/drawing/2017/decorative" val="1"/>
+              </a:ext>
+            </a:extLst>
+          </p:cNvPr>
+          <p:cNvSpPr>
+            <a:spLocks noGrp="1" noRot="1" noChangeAspect="1" noMove="1" noResize="1" noEditPoints="1" noAdjustHandles="1" noChangeArrowheads="1" noChangeShapeType="1" noTextEdit="1"/>
+          </p:cNvSpPr>
+          <p:nvPr>
+            <p:extLst>
+              <p:ext uri="{386F3935-93C4-4BCD-93E2-E3B085C9AB24}">
+                <p16:designElem xmlns:p16="http://schemas.microsoft.com/office/powerpoint/2015/main" val="1"/>
+              </p:ext>
+            </p:extLst>
+          </p:nvPr>
+        </p:nvSpPr>
+        <p:spPr>
+          <a:xfrm>
+            <a:off x="1" y="0"/>
+            <a:ext cx="12191998" cy="6858000"/>
+          </a:xfrm>
+          <a:prstGeom prst="rect">
+            <a:avLst/>
+          </a:prstGeom>
+          <a:gradFill>
+            <a:gsLst>
+              <a:gs pos="0">
+                <a:schemeClr val="accent1">
+                  <a:lumMod val="90000"/>
+                </a:schemeClr>
+              </a:gs>
+              <a:gs pos="25000">
+                <a:schemeClr val="accent1">
+                  <a:lumMod val="90000"/>
+                </a:schemeClr>
+              </a:gs>
+              <a:gs pos="94000">
+                <a:schemeClr val="bg2">
+                  <a:lumMod val="25000"/>
+                </a:schemeClr>
+              </a:gs>
+              <a:gs pos="100000">
+                <a:schemeClr val="bg2">
+                  <a:lumMod val="25000"/>
+                </a:schemeClr>
+              </a:gs>
+            </a:gsLst>
+            <a:lin ang="4200000" scaled="0"/>
+          </a:gradFill>
+          <a:ln>
+            <a:noFill/>
+          </a:ln>
+        </p:spPr>
+        <p:style>
+          <a:lnRef idx="2">
+            <a:schemeClr val="accent1">
+              <a:shade val="50000"/>
+            </a:schemeClr>
+          </a:lnRef>
+          <a:fillRef idx="1">
+            <a:schemeClr val="accent1"/>
+          </a:fillRef>
+          <a:effectRef idx="0">
+            <a:schemeClr val="accent1"/>
+          </a:effectRef>
+          <a:fontRef idx="minor">
+            <a:schemeClr val="lt1"/>
+          </a:fontRef>
+        </p:style>
+        <p:txBody>
+          <a:bodyPr rtlCol="0" anchor="ctr"/>
+          <a:lstStyle/>
+          <a:p>
+            <a:pPr algn="ctr"/>
+            <a:endParaRPr lang="en-US"/>
+          </a:p>
+        </p:txBody>
+      </p:sp>
+      <p:pic>
+        <p:nvPicPr>
+          <p:cNvPr id="12" name="Picture 11">
+            <a:extLst>
+              <a:ext uri="{FF2B5EF4-FFF2-40B4-BE49-F238E27FC236}">
+                <a16:creationId xmlns:a16="http://schemas.microsoft.com/office/drawing/2014/main" id="{2897127E-6CEF-446C-BE87-93B7C46E49D1}"/>
+              </a:ext>
+              <a:ext uri="{C183D7F6-B498-43B3-948B-1728B52AA6E4}">
+                <adec:decorative xmlns:adec="http://schemas.microsoft.com/office/drawing/2017/decorative" val="1"/>
+              </a:ext>
+            </a:extLst>
+          </p:cNvPr>
+          <p:cNvPicPr>
+            <a:picLocks noGrp="1" noRot="1" noChangeAspect="1" noMove="1" noResize="1" noEditPoints="1" noAdjustHandles="1" noChangeArrowheads="1" noChangeShapeType="1" noCrop="1"/>
+          </p:cNvPicPr>
+          <p:nvPr>
+            <p:extLst>
+              <p:ext uri="{386F3935-93C4-4BCD-93E2-E3B085C9AB24}">
+                <p16:designElem xmlns:p16="http://schemas.microsoft.com/office/powerpoint/2015/main" val="1"/>
+              </p:ext>
+            </p:extLst>
+          </p:nvPr>
+        </p:nvPicPr>
+        <p:blipFill>
+          <a:blip r:embed="rId2">
+            <a:extLst>
+              <a:ext uri="{28A0092B-C50C-407E-A947-70E740481C1C}">
+                <a14:useLocalDpi xmlns:a14="http://schemas.microsoft.com/office/drawing/2010/main" val="0"/>
+              </a:ext>
+            </a:extLst>
+          </a:blip>
+          <a:stretch>
+            <a:fillRect/>
+          </a:stretch>
+        </p:blipFill>
+        <p:spPr>
+          <a:xfrm>
+            <a:off x="0" y="0"/>
+            <a:ext cx="12192000" cy="6858000"/>
+          </a:xfrm>
+          <a:prstGeom prst="rect">
+            <a:avLst/>
+          </a:prstGeom>
+        </p:spPr>
+      </p:pic>
+      <p:sp>
+        <p:nvSpPr>
+          <p:cNvPr id="2" name="Title 1">
+            <a:extLst>
+              <a:ext uri="{FF2B5EF4-FFF2-40B4-BE49-F238E27FC236}">
+                <a16:creationId xmlns:a16="http://schemas.microsoft.com/office/drawing/2014/main" id="{D7D178F9-3287-4977-8BBF-41764A68968F}"/>
+              </a:ext>
+            </a:extLst>
+          </p:cNvPr>
+          <p:cNvSpPr>
+            <a:spLocks noGrp="1"/>
+          </p:cNvSpPr>
+          <p:nvPr>
+            <p:ph type="title"/>
+          </p:nvPr>
+        </p:nvSpPr>
+        <p:spPr>
+          <a:xfrm>
+            <a:off x="640079" y="2053641"/>
+            <a:ext cx="3669161" cy="2760098"/>
+          </a:xfrm>
+        </p:spPr>
+        <p:txBody>
+          <a:bodyPr>
+            <a:normAutofit fontScale="90000"/>
+          </a:bodyPr>
+          <a:lstStyle/>
+          <a:p>
             <a:br>
               <a:rPr lang="en-US" b="1" i="0" dirty="0">
                 <a:solidFill>
@@ -3368,62 +5817,2855 @@
                 <a:latin typeface="Helvetica Neue"/>
               </a:rPr>
             </a:br>
-            <a:endParaRPr lang="en-US" dirty="0"/>
-          </a:p>
-        </p:txBody>
-      </p:sp>
-      <p:sp>
-        <p:nvSpPr>
-          <p:cNvPr id="3" name="Subtitle 2">
-            <a:extLst>
-              <a:ext uri="{FF2B5EF4-FFF2-40B4-BE49-F238E27FC236}">
-                <a16:creationId xmlns:a16="http://schemas.microsoft.com/office/drawing/2014/main" id="{C2E63679-7608-44CA-B0E3-06DFB0DB4C63}"/>
-              </a:ext>
-            </a:extLst>
-          </p:cNvPr>
-          <p:cNvSpPr>
-            <a:spLocks noGrp="1"/>
-          </p:cNvSpPr>
-          <p:nvPr>
-            <p:ph type="subTitle" idx="1"/>
-          </p:nvPr>
-        </p:nvSpPr>
-        <p:spPr/>
-        <p:txBody>
-          <a:bodyPr>
-            <a:normAutofit fontScale="77500" lnSpcReduction="20000"/>
-          </a:bodyPr>
-          <a:lstStyle/>
-          <a:p>
-            <a:r>
-              <a:rPr lang="en-US" dirty="0"/>
-              <a:t>Student Name : Ragunath Gunasekaran</a:t>
-            </a:r>
-          </a:p>
-          <a:p>
-            <a:endParaRPr lang="en-US" dirty="0"/>
-          </a:p>
-          <a:p>
-            <a:r>
-              <a:rPr lang="en-US" dirty="0"/>
-              <a:t>Professor Name : Dr. Shankar Parajulee</a:t>
-            </a:r>
-          </a:p>
-          <a:p>
-            <a:endParaRPr lang="en-US" dirty="0"/>
-          </a:p>
-          <a:p>
-            <a:r>
-              <a:rPr lang="en-US" dirty="0"/>
-              <a:t>		Course Name : DSC530-T302 Data Exploration and Analysis</a:t>
-            </a:r>
-          </a:p>
-        </p:txBody>
-      </p:sp>
+            <a:br>
+              <a:rPr lang="en-US" b="1" i="0" dirty="0">
+                <a:solidFill>
+                  <a:srgbClr val="000000"/>
+                </a:solidFill>
+                <a:effectLst/>
+                <a:latin typeface="Helvetica Neue"/>
+              </a:rPr>
+            </a:br>
+            <a:br>
+              <a:rPr lang="en-US" b="1" i="0" dirty="0">
+                <a:solidFill>
+                  <a:srgbClr val="000000"/>
+                </a:solidFill>
+                <a:effectLst/>
+                <a:latin typeface="Helvetica Neue"/>
+              </a:rPr>
+            </a:br>
+            <a:br>
+              <a:rPr lang="en-US" b="1" i="0" dirty="0">
+                <a:solidFill>
+                  <a:srgbClr val="000000"/>
+                </a:solidFill>
+                <a:effectLst/>
+                <a:latin typeface="Helvetica Neue"/>
+              </a:rPr>
+            </a:br>
+            <a:r>
+              <a:rPr lang="en-US" b="1" i="0" dirty="0">
+                <a:solidFill>
+                  <a:srgbClr val="000000"/>
+                </a:solidFill>
+                <a:effectLst/>
+                <a:latin typeface="Helvetica Neue"/>
+              </a:rPr>
+              <a:t>Time Series</a:t>
+            </a:r>
+            <a:br>
+              <a:rPr lang="en-US" b="1" i="0" dirty="0">
+                <a:solidFill>
+                  <a:srgbClr val="000000"/>
+                </a:solidFill>
+                <a:effectLst/>
+                <a:latin typeface="Helvetica Neue"/>
+              </a:rPr>
+            </a:br>
+            <a:br>
+              <a:rPr lang="en-US" b="1" i="0" dirty="0">
+                <a:solidFill>
+                  <a:srgbClr val="000000"/>
+                </a:solidFill>
+                <a:effectLst/>
+                <a:latin typeface="Helvetica Neue"/>
+              </a:rPr>
+            </a:br>
+            <a:r>
+              <a:rPr lang="en-US" b="1" i="0" dirty="0">
+                <a:solidFill>
+                  <a:srgbClr val="000000"/>
+                </a:solidFill>
+                <a:effectLst/>
+                <a:latin typeface="Helvetica Neue"/>
+              </a:rPr>
+              <a:t>(Prediction – death Count)</a:t>
+            </a:r>
+            <a:br>
+              <a:rPr lang="en-US" b="1" i="0" dirty="0">
+                <a:solidFill>
+                  <a:srgbClr val="000000"/>
+                </a:solidFill>
+                <a:effectLst/>
+                <a:latin typeface="Helvetica Neue"/>
+              </a:rPr>
+            </a:br>
+            <a:br>
+              <a:rPr lang="en-US" b="1" i="0" dirty="0">
+                <a:solidFill>
+                  <a:srgbClr val="000000"/>
+                </a:solidFill>
+                <a:effectLst/>
+                <a:latin typeface="Helvetica Neue"/>
+              </a:rPr>
+            </a:br>
+            <a:br>
+              <a:rPr lang="en-US" b="1" i="0" dirty="0">
+                <a:solidFill>
+                  <a:srgbClr val="000000"/>
+                </a:solidFill>
+                <a:effectLst/>
+                <a:latin typeface="Helvetica Neue"/>
+              </a:rPr>
+            </a:br>
+            <a:br>
+              <a:rPr lang="en-US" b="1" i="0" dirty="0">
+                <a:solidFill>
+                  <a:srgbClr val="000000"/>
+                </a:solidFill>
+                <a:effectLst/>
+                <a:latin typeface="Helvetica Neue"/>
+              </a:rPr>
+            </a:br>
+            <a:br>
+              <a:rPr lang="en-US" b="1" i="0" dirty="0">
+                <a:solidFill>
+                  <a:srgbClr val="000000"/>
+                </a:solidFill>
+                <a:effectLst/>
+                <a:latin typeface="Helvetica Neue"/>
+              </a:rPr>
+            </a:br>
+            <a:br>
+              <a:rPr lang="en-US" b="1" i="0" dirty="0">
+                <a:solidFill>
+                  <a:srgbClr val="000000"/>
+                </a:solidFill>
+                <a:effectLst/>
+                <a:latin typeface="Helvetica Neue"/>
+              </a:rPr>
+            </a:br>
+            <a:endParaRPr lang="en-US" dirty="0">
+              <a:solidFill>
+                <a:srgbClr val="FFFFFF"/>
+              </a:solidFill>
+            </a:endParaRPr>
+          </a:p>
+        </p:txBody>
+      </p:sp>
+      <p:pic>
+        <p:nvPicPr>
+          <p:cNvPr id="16386" name="Picture 2">
+            <a:extLst>
+              <a:ext uri="{FF2B5EF4-FFF2-40B4-BE49-F238E27FC236}">
+                <a16:creationId xmlns:a16="http://schemas.microsoft.com/office/drawing/2014/main" id="{090CC4DE-10BE-40FF-8E2F-50885DF3C2B5}"/>
+              </a:ext>
+            </a:extLst>
+          </p:cNvPr>
+          <p:cNvPicPr>
+            <a:picLocks noGrp="1" noChangeAspect="1" noChangeArrowheads="1"/>
+          </p:cNvPicPr>
+          <p:nvPr>
+            <p:ph idx="1"/>
+          </p:nvPr>
+        </p:nvPicPr>
+        <p:blipFill>
+          <a:blip r:embed="rId3">
+            <a:extLst>
+              <a:ext uri="{28A0092B-C50C-407E-A947-70E740481C1C}">
+                <a14:useLocalDpi xmlns:a14="http://schemas.microsoft.com/office/drawing/2010/main" val="0"/>
+              </a:ext>
+            </a:extLst>
+          </a:blip>
+          <a:srcRect/>
+          <a:stretch>
+            <a:fillRect/>
+          </a:stretch>
+        </p:blipFill>
+        <p:spPr bwMode="auto">
+          <a:xfrm>
+            <a:off x="5867401" y="1362075"/>
+            <a:ext cx="5886450" cy="3682252"/>
+          </a:xfrm>
+          <a:prstGeom prst="rect">
+            <a:avLst/>
+          </a:prstGeom>
+          <a:noFill/>
+          <a:extLst>
+            <a:ext uri="{909E8E84-426E-40DD-AFC4-6F175D3DCCD1}">
+              <a14:hiddenFill xmlns:a14="http://schemas.microsoft.com/office/drawing/2010/main">
+                <a:solidFill>
+                  <a:srgbClr val="FFFFFF"/>
+                </a:solidFill>
+              </a14:hiddenFill>
+            </a:ext>
+          </a:extLst>
+        </p:spPr>
+      </p:pic>
     </p:spTree>
     <p:extLst>
       <p:ext uri="{BB962C8B-B14F-4D97-AF65-F5344CB8AC3E}">
-        <p14:creationId xmlns:p14="http://schemas.microsoft.com/office/powerpoint/2010/main" val="2298454100"/>
+        <p14:creationId xmlns:p14="http://schemas.microsoft.com/office/powerpoint/2010/main" val="4178993773"/>
+      </p:ext>
+    </p:extLst>
+  </p:cSld>
+  <p:clrMapOvr>
+    <a:masterClrMapping/>
+  </p:clrMapOvr>
+</p:sld>
+</file>
+
+<file path=ppt/slides/slide2.xml><?xml version="1.0" encoding="utf-8"?>
+<p:sld xmlns:a="http://schemas.openxmlformats.org/drawingml/2006/main" xmlns:r="http://schemas.openxmlformats.org/officeDocument/2006/relationships" xmlns:p="http://schemas.openxmlformats.org/presentationml/2006/main">
+  <p:cSld>
+    <p:bg>
+      <p:bgPr>
+        <a:solidFill>
+          <a:schemeClr val="bg1"/>
+        </a:solidFill>
+        <a:effectLst/>
+      </p:bgPr>
+    </p:bg>
+    <p:spTree>
+      <p:nvGrpSpPr>
+        <p:cNvPr id="1" name=""/>
+        <p:cNvGrpSpPr/>
+        <p:nvPr/>
+      </p:nvGrpSpPr>
+      <p:grpSpPr>
+        <a:xfrm>
+          <a:off x="0" y="0"/>
+          <a:ext cx="0" cy="0"/>
+          <a:chOff x="0" y="0"/>
+          <a:chExt cx="0" cy="0"/>
+        </a:xfrm>
+      </p:grpSpPr>
+      <p:sp useBgFill="1">
+        <p:nvSpPr>
+          <p:cNvPr id="21" name="Rectangle 20">
+            <a:extLst>
+              <a:ext uri="{FF2B5EF4-FFF2-40B4-BE49-F238E27FC236}">
+                <a16:creationId xmlns:a16="http://schemas.microsoft.com/office/drawing/2014/main" id="{081EA652-8C6A-4E69-BEB9-170809474553}"/>
+              </a:ext>
+              <a:ext uri="{C183D7F6-B498-43B3-948B-1728B52AA6E4}">
+                <adec:decorative xmlns:adec="http://schemas.microsoft.com/office/drawing/2017/decorative" val="1"/>
+              </a:ext>
+            </a:extLst>
+          </p:cNvPr>
+          <p:cNvSpPr>
+            <a:spLocks noGrp="1" noRot="1" noChangeAspect="1" noMove="1" noResize="1" noEditPoints="1" noAdjustHandles="1" noChangeArrowheads="1" noChangeShapeType="1" noTextEdit="1"/>
+          </p:cNvSpPr>
+          <p:nvPr>
+            <p:extLst>
+              <p:ext uri="{386F3935-93C4-4BCD-93E2-E3B085C9AB24}">
+                <p16:designElem xmlns:p16="http://schemas.microsoft.com/office/powerpoint/2015/main" val="1"/>
+              </p:ext>
+            </p:extLst>
+          </p:nvPr>
+        </p:nvSpPr>
+        <p:spPr>
+          <a:xfrm>
+            <a:off x="0" y="0"/>
+            <a:ext cx="12192000" cy="6858000"/>
+          </a:xfrm>
+          <a:prstGeom prst="rect">
+            <a:avLst/>
+          </a:prstGeom>
+          <a:ln>
+            <a:noFill/>
+          </a:ln>
+        </p:spPr>
+        <p:style>
+          <a:lnRef idx="2">
+            <a:schemeClr val="accent1">
+              <a:shade val="50000"/>
+            </a:schemeClr>
+          </a:lnRef>
+          <a:fillRef idx="1">
+            <a:schemeClr val="accent1"/>
+          </a:fillRef>
+          <a:effectRef idx="0">
+            <a:schemeClr val="accent1"/>
+          </a:effectRef>
+          <a:fontRef idx="minor">
+            <a:schemeClr val="lt1"/>
+          </a:fontRef>
+        </p:style>
+        <p:txBody>
+          <a:bodyPr rtlCol="0" anchor="ctr"/>
+          <a:lstStyle/>
+          <a:p>
+            <a:pPr algn="ctr"/>
+            <a:endParaRPr lang="en-US"/>
+          </a:p>
+        </p:txBody>
+      </p:sp>
+      <p:sp>
+        <p:nvSpPr>
+          <p:cNvPr id="23" name="Right Triangle 22">
+            <a:extLst>
+              <a:ext uri="{FF2B5EF4-FFF2-40B4-BE49-F238E27FC236}">
+                <a16:creationId xmlns:a16="http://schemas.microsoft.com/office/drawing/2014/main" id="{5298780A-33B9-4EA2-8F67-DE68AD62841B}"/>
+              </a:ext>
+              <a:ext uri="{C183D7F6-B498-43B3-948B-1728B52AA6E4}">
+                <adec:decorative xmlns:adec="http://schemas.microsoft.com/office/drawing/2017/decorative" val="1"/>
+              </a:ext>
+            </a:extLst>
+          </p:cNvPr>
+          <p:cNvSpPr>
+            <a:spLocks noGrp="1" noRot="1" noChangeAspect="1" noMove="1" noResize="1" noEditPoints="1" noAdjustHandles="1" noChangeArrowheads="1" noChangeShapeType="1" noTextEdit="1"/>
+          </p:cNvSpPr>
+          <p:nvPr>
+            <p:extLst>
+              <p:ext uri="{386F3935-93C4-4BCD-93E2-E3B085C9AB24}">
+                <p16:designElem xmlns:p16="http://schemas.microsoft.com/office/powerpoint/2015/main" val="1"/>
+              </p:ext>
+            </p:extLst>
+          </p:nvPr>
+        </p:nvSpPr>
+        <p:spPr>
+          <a:xfrm flipH="1">
+            <a:off x="8576720" y="3335867"/>
+            <a:ext cx="3291840" cy="3200400"/>
+          </a:xfrm>
+          <a:prstGeom prst="rtTriangle">
+            <a:avLst/>
+          </a:prstGeom>
+          <a:solidFill>
+            <a:schemeClr val="accent4"/>
+          </a:solidFill>
+          <a:ln>
+            <a:noFill/>
+          </a:ln>
+        </p:spPr>
+        <p:style>
+          <a:lnRef idx="2">
+            <a:schemeClr val="accent1">
+              <a:shade val="50000"/>
+            </a:schemeClr>
+          </a:lnRef>
+          <a:fillRef idx="1">
+            <a:schemeClr val="accent1"/>
+          </a:fillRef>
+          <a:effectRef idx="0">
+            <a:schemeClr val="accent1"/>
+          </a:effectRef>
+          <a:fontRef idx="minor">
+            <a:schemeClr val="lt1"/>
+          </a:fontRef>
+        </p:style>
+        <p:txBody>
+          <a:bodyPr rtlCol="0" anchor="ctr"/>
+          <a:lstStyle/>
+          <a:p>
+            <a:pPr algn="ctr"/>
+            <a:endParaRPr lang="en-US" dirty="0"/>
+          </a:p>
+        </p:txBody>
+      </p:sp>
+      <p:sp>
+        <p:nvSpPr>
+          <p:cNvPr id="25" name="Rectangle 24">
+            <a:extLst>
+              <a:ext uri="{FF2B5EF4-FFF2-40B4-BE49-F238E27FC236}">
+                <a16:creationId xmlns:a16="http://schemas.microsoft.com/office/drawing/2014/main" id="{7F488E8B-4E1E-4402-8935-D4E6C02615C7}"/>
+              </a:ext>
+              <a:ext uri="{C183D7F6-B498-43B3-948B-1728B52AA6E4}">
+                <adec:decorative xmlns:adec="http://schemas.microsoft.com/office/drawing/2017/decorative" val="1"/>
+              </a:ext>
+            </a:extLst>
+          </p:cNvPr>
+          <p:cNvSpPr>
+            <a:spLocks noGrp="1" noRot="1" noChangeAspect="1" noMove="1" noResize="1" noEditPoints="1" noAdjustHandles="1" noChangeArrowheads="1" noChangeShapeType="1" noTextEdit="1"/>
+          </p:cNvSpPr>
+          <p:nvPr>
+            <p:extLst>
+              <p:ext uri="{386F3935-93C4-4BCD-93E2-E3B085C9AB24}">
+                <p16:designElem xmlns:p16="http://schemas.microsoft.com/office/powerpoint/2015/main" val="1"/>
+              </p:ext>
+            </p:extLst>
+          </p:nvPr>
+        </p:nvSpPr>
+        <p:spPr>
+          <a:xfrm>
+            <a:off x="641774" y="623275"/>
+            <a:ext cx="10905053" cy="5607882"/>
+          </a:xfrm>
+          <a:prstGeom prst="rect">
+            <a:avLst/>
+          </a:prstGeom>
+          <a:noFill/>
+          <a:ln w="19050">
+            <a:solidFill>
+              <a:schemeClr val="tx1">
+                <a:lumMod val="75000"/>
+                <a:lumOff val="25000"/>
+              </a:schemeClr>
+            </a:solidFill>
+          </a:ln>
+        </p:spPr>
+        <p:style>
+          <a:lnRef idx="2">
+            <a:schemeClr val="accent1">
+              <a:shade val="50000"/>
+            </a:schemeClr>
+          </a:lnRef>
+          <a:fillRef idx="1">
+            <a:schemeClr val="accent1"/>
+          </a:fillRef>
+          <a:effectRef idx="0">
+            <a:schemeClr val="accent1"/>
+          </a:effectRef>
+          <a:fontRef idx="minor">
+            <a:schemeClr val="lt1"/>
+          </a:fontRef>
+        </p:style>
+        <p:txBody>
+          <a:bodyPr rtlCol="0" anchor="ctr"/>
+          <a:lstStyle/>
+          <a:p>
+            <a:pPr algn="ctr"/>
+            <a:endParaRPr lang="en-US"/>
+          </a:p>
+        </p:txBody>
+      </p:sp>
+      <p:sp>
+        <p:nvSpPr>
+          <p:cNvPr id="2" name="Title 1">
+            <a:extLst>
+              <a:ext uri="{FF2B5EF4-FFF2-40B4-BE49-F238E27FC236}">
+                <a16:creationId xmlns:a16="http://schemas.microsoft.com/office/drawing/2014/main" id="{FC42AE4E-3026-4485-A0EC-7D0442654281}"/>
+              </a:ext>
+            </a:extLst>
+          </p:cNvPr>
+          <p:cNvSpPr>
+            <a:spLocks noGrp="1"/>
+          </p:cNvSpPr>
+          <p:nvPr>
+            <p:ph type="title"/>
+          </p:nvPr>
+        </p:nvSpPr>
+        <p:spPr>
+          <a:xfrm>
+            <a:off x="1075767" y="1188637"/>
+            <a:ext cx="2988234" cy="4480726"/>
+          </a:xfrm>
+        </p:spPr>
+        <p:txBody>
+          <a:bodyPr>
+            <a:normAutofit/>
+          </a:bodyPr>
+          <a:lstStyle/>
+          <a:p>
+            <a:pPr algn="r"/>
+            <a:r>
+              <a:rPr lang="en-US" sz="5600">
+                <a:latin typeface="Calibri" panose="020F0502020204030204" pitchFamily="34" charset="0"/>
+              </a:rPr>
+              <a:t>V</a:t>
+            </a:r>
+            <a:r>
+              <a:rPr lang="en-US" sz="5600" b="0" i="0">
+                <a:effectLst/>
+                <a:latin typeface="Calibri" panose="020F0502020204030204" pitchFamily="34" charset="0"/>
+              </a:rPr>
+              <a:t>ariables in Dataset</a:t>
+            </a:r>
+            <a:endParaRPr lang="en-US" sz="5600"/>
+          </a:p>
+        </p:txBody>
+      </p:sp>
+      <p:cxnSp>
+        <p:nvCxnSpPr>
+          <p:cNvPr id="27" name="Straight Connector 26">
+            <a:extLst>
+              <a:ext uri="{FF2B5EF4-FFF2-40B4-BE49-F238E27FC236}">
+                <a16:creationId xmlns:a16="http://schemas.microsoft.com/office/drawing/2014/main" id="{23AAC9B5-8015-485C-ACF9-A750390E9A56}"/>
+              </a:ext>
+              <a:ext uri="{C183D7F6-B498-43B3-948B-1728B52AA6E4}">
+                <adec:decorative xmlns:adec="http://schemas.microsoft.com/office/drawing/2017/decorative" val="1"/>
+              </a:ext>
+            </a:extLst>
+          </p:cNvPr>
+          <p:cNvCxnSpPr>
+            <a:cxnSpLocks noGrp="1" noRot="1" noChangeAspect="1" noMove="1" noResize="1" noEditPoints="1" noAdjustHandles="1" noChangeArrowheads="1" noChangeShapeType="1"/>
+          </p:cNvCxnSpPr>
+          <p:nvPr>
+            <p:extLst>
+              <p:ext uri="{386F3935-93C4-4BCD-93E2-E3B085C9AB24}">
+                <p16:designElem xmlns:p16="http://schemas.microsoft.com/office/powerpoint/2015/main" val="1"/>
+              </p:ext>
+            </p:extLst>
+          </p:nvPr>
+        </p:nvCxnSpPr>
+        <p:spPr>
+          <a:xfrm>
+            <a:off x="4654296" y="1852863"/>
+            <a:ext cx="0" cy="3236495"/>
+          </a:xfrm>
+          <a:prstGeom prst="line">
+            <a:avLst/>
+          </a:prstGeom>
+          <a:ln w="19050" cap="sq">
+            <a:solidFill>
+              <a:schemeClr val="tx1">
+                <a:lumMod val="75000"/>
+                <a:lumOff val="25000"/>
+              </a:schemeClr>
+            </a:solidFill>
+          </a:ln>
+        </p:spPr>
+        <p:style>
+          <a:lnRef idx="1">
+            <a:schemeClr val="accent1"/>
+          </a:lnRef>
+          <a:fillRef idx="0">
+            <a:schemeClr val="accent1"/>
+          </a:fillRef>
+          <a:effectRef idx="0">
+            <a:schemeClr val="accent1"/>
+          </a:effectRef>
+          <a:fontRef idx="minor">
+            <a:schemeClr val="tx1"/>
+          </a:fontRef>
+        </p:style>
+      </p:cxnSp>
+      <p:sp>
+        <p:nvSpPr>
+          <p:cNvPr id="3" name="Content Placeholder 2">
+            <a:extLst>
+              <a:ext uri="{FF2B5EF4-FFF2-40B4-BE49-F238E27FC236}">
+                <a16:creationId xmlns:a16="http://schemas.microsoft.com/office/drawing/2014/main" id="{96038446-19B6-4361-8742-D6BC037564F5}"/>
+              </a:ext>
+            </a:extLst>
+          </p:cNvPr>
+          <p:cNvSpPr>
+            <a:spLocks noGrp="1"/>
+          </p:cNvSpPr>
+          <p:nvPr>
+            <p:ph idx="1"/>
+          </p:nvPr>
+        </p:nvSpPr>
+        <p:spPr>
+          <a:xfrm>
+            <a:off x="5255260" y="1648870"/>
+            <a:ext cx="4702848" cy="3560260"/>
+          </a:xfrm>
+        </p:spPr>
+        <p:txBody>
+          <a:bodyPr anchor="ctr">
+            <a:normAutofit/>
+          </a:bodyPr>
+          <a:lstStyle/>
+          <a:p>
+            <a:r>
+              <a:rPr lang="en-US" sz="1500" b="1"/>
+              <a:t>Date</a:t>
+            </a:r>
+            <a:r>
+              <a:rPr lang="en-US" sz="1500"/>
+              <a:t> is the object data type when the event occurred ( death / confirmed case )</a:t>
+            </a:r>
+          </a:p>
+          <a:p>
+            <a:r>
+              <a:rPr lang="en-US" sz="1500" b="1"/>
+              <a:t>Cases</a:t>
+            </a:r>
+            <a:r>
+              <a:rPr lang="en-US" sz="1500"/>
+              <a:t> is the integer of number of confirmed COVID cases</a:t>
+            </a:r>
+          </a:p>
+          <a:p>
+            <a:r>
+              <a:rPr lang="en-US" sz="1500" b="1"/>
+              <a:t>Deaths</a:t>
+            </a:r>
+            <a:r>
+              <a:rPr lang="en-US" sz="1500"/>
+              <a:t> is the integer of number of death count</a:t>
+            </a:r>
+          </a:p>
+          <a:p>
+            <a:r>
+              <a:rPr lang="en-US" sz="1500" b="1"/>
+              <a:t>State</a:t>
+            </a:r>
+            <a:r>
+              <a:rPr lang="en-US" sz="1500"/>
+              <a:t> is object data type of the US State where the event occurred</a:t>
+            </a:r>
+          </a:p>
+          <a:p>
+            <a:r>
+              <a:rPr lang="en-US" sz="1500" b="1"/>
+              <a:t>Fips</a:t>
+            </a:r>
+            <a:r>
+              <a:rPr lang="en-US" sz="1500"/>
+              <a:t> is the integer of </a:t>
+            </a:r>
+            <a:r>
+              <a:rPr lang="en-US" sz="1500" b="0" i="0">
+                <a:effectLst/>
+                <a:latin typeface="Roboto" panose="02000000000000000000" pitchFamily="2" charset="0"/>
+              </a:rPr>
+              <a:t> geographic areas.</a:t>
+            </a:r>
+            <a:endParaRPr lang="en-US" sz="1500"/>
+          </a:p>
+          <a:p>
+            <a:r>
+              <a:rPr lang="en-US" sz="1500" b="1"/>
+              <a:t>County</a:t>
+            </a:r>
+            <a:r>
+              <a:rPr lang="en-US" sz="1500"/>
+              <a:t> is object data type of the US County where the event occurred</a:t>
+            </a:r>
+          </a:p>
+          <a:p>
+            <a:r>
+              <a:rPr lang="en-US" sz="1500" b="1"/>
+              <a:t>DeathRate</a:t>
+            </a:r>
+            <a:r>
+              <a:rPr lang="en-US" sz="1500"/>
+              <a:t> is the integer of number deaths divided by Number confirmed Cases</a:t>
+            </a:r>
+          </a:p>
+          <a:p>
+            <a:endParaRPr lang="en-US" sz="1500"/>
+          </a:p>
+          <a:p>
+            <a:endParaRPr lang="en-US" sz="1500"/>
+          </a:p>
+        </p:txBody>
+      </p:sp>
+    </p:spTree>
+    <p:extLst>
+      <p:ext uri="{BB962C8B-B14F-4D97-AF65-F5344CB8AC3E}">
+        <p14:creationId xmlns:p14="http://schemas.microsoft.com/office/powerpoint/2010/main" val="501399497"/>
+      </p:ext>
+    </p:extLst>
+  </p:cSld>
+  <p:clrMapOvr>
+    <a:masterClrMapping/>
+  </p:clrMapOvr>
+</p:sld>
+</file>
+
+<file path=ppt/slides/slide3.xml><?xml version="1.0" encoding="utf-8"?>
+<p:sld xmlns:a="http://schemas.openxmlformats.org/drawingml/2006/main" xmlns:r="http://schemas.openxmlformats.org/officeDocument/2006/relationships" xmlns:p="http://schemas.openxmlformats.org/presentationml/2006/main">
+  <p:cSld>
+    <p:bg>
+      <p:bgPr>
+        <a:solidFill>
+          <a:schemeClr val="bg1"/>
+        </a:solidFill>
+        <a:effectLst/>
+      </p:bgPr>
+    </p:bg>
+    <p:spTree>
+      <p:nvGrpSpPr>
+        <p:cNvPr id="1" name=""/>
+        <p:cNvGrpSpPr/>
+        <p:nvPr/>
+      </p:nvGrpSpPr>
+      <p:grpSpPr>
+        <a:xfrm>
+          <a:off x="0" y="0"/>
+          <a:ext cx="0" cy="0"/>
+          <a:chOff x="0" y="0"/>
+          <a:chExt cx="0" cy="0"/>
+        </a:xfrm>
+      </p:grpSpPr>
+      <p:sp>
+        <p:nvSpPr>
+          <p:cNvPr id="10" name="Rectangle 9">
+            <a:extLst>
+              <a:ext uri="{FF2B5EF4-FFF2-40B4-BE49-F238E27FC236}">
+                <a16:creationId xmlns:a16="http://schemas.microsoft.com/office/drawing/2014/main" id="{74426AB7-D619-4515-962A-BC83909EC015}"/>
+              </a:ext>
+              <a:ext uri="{C183D7F6-B498-43B3-948B-1728B52AA6E4}">
+                <adec:decorative xmlns:adec="http://schemas.microsoft.com/office/drawing/2017/decorative" val="1"/>
+              </a:ext>
+            </a:extLst>
+          </p:cNvPr>
+          <p:cNvSpPr>
+            <a:spLocks noGrp="1" noRot="1" noChangeAspect="1" noMove="1" noResize="1" noEditPoints="1" noAdjustHandles="1" noChangeArrowheads="1" noChangeShapeType="1" noTextEdit="1"/>
+          </p:cNvSpPr>
+          <p:nvPr>
+            <p:extLst>
+              <p:ext uri="{386F3935-93C4-4BCD-93E2-E3B085C9AB24}">
+                <p16:designElem xmlns:p16="http://schemas.microsoft.com/office/powerpoint/2015/main" val="1"/>
+              </p:ext>
+            </p:extLst>
+          </p:nvPr>
+        </p:nvSpPr>
+        <p:spPr>
+          <a:xfrm>
+            <a:off x="0" y="0"/>
+            <a:ext cx="12192000" cy="6858000"/>
+          </a:xfrm>
+          <a:prstGeom prst="rect">
+            <a:avLst/>
+          </a:prstGeom>
+          <a:solidFill>
+            <a:srgbClr val="503A42"/>
+          </a:solidFill>
+          <a:ln>
+            <a:noFill/>
+          </a:ln>
+        </p:spPr>
+        <p:style>
+          <a:lnRef idx="2">
+            <a:schemeClr val="accent1">
+              <a:shade val="50000"/>
+            </a:schemeClr>
+          </a:lnRef>
+          <a:fillRef idx="1">
+            <a:schemeClr val="accent1"/>
+          </a:fillRef>
+          <a:effectRef idx="0">
+            <a:schemeClr val="accent1"/>
+          </a:effectRef>
+          <a:fontRef idx="minor">
+            <a:schemeClr val="lt1"/>
+          </a:fontRef>
+        </p:style>
+        <p:txBody>
+          <a:bodyPr rtlCol="0" anchor="ctr"/>
+          <a:lstStyle/>
+          <a:p>
+            <a:pPr algn="ctr"/>
+            <a:endParaRPr lang="en-US"/>
+          </a:p>
+        </p:txBody>
+      </p:sp>
+      <p:sp>
+        <p:nvSpPr>
+          <p:cNvPr id="12" name="Rectangle 11">
+            <a:extLst>
+              <a:ext uri="{FF2B5EF4-FFF2-40B4-BE49-F238E27FC236}">
+                <a16:creationId xmlns:a16="http://schemas.microsoft.com/office/drawing/2014/main" id="{DE47DF98-723F-4AAC-ABCF-CACBC438F78F}"/>
+              </a:ext>
+              <a:ext uri="{C183D7F6-B498-43B3-948B-1728B52AA6E4}">
+                <adec:decorative xmlns:adec="http://schemas.microsoft.com/office/drawing/2017/decorative" val="1"/>
+              </a:ext>
+            </a:extLst>
+          </p:cNvPr>
+          <p:cNvSpPr>
+            <a:spLocks noGrp="1" noRot="1" noChangeAspect="1" noMove="1" noResize="1" noEditPoints="1" noAdjustHandles="1" noChangeArrowheads="1" noChangeShapeType="1" noTextEdit="1"/>
+          </p:cNvSpPr>
+          <p:nvPr>
+            <p:extLst>
+              <p:ext uri="{386F3935-93C4-4BCD-93E2-E3B085C9AB24}">
+                <p16:designElem xmlns:p16="http://schemas.microsoft.com/office/powerpoint/2015/main" val="1"/>
+              </p:ext>
+            </p:extLst>
+          </p:nvPr>
+        </p:nvSpPr>
+        <p:spPr>
+          <a:xfrm>
+            <a:off x="243840" y="256540"/>
+            <a:ext cx="11704320" cy="6365239"/>
+          </a:xfrm>
+          <a:prstGeom prst="rect">
+            <a:avLst/>
+          </a:prstGeom>
+          <a:solidFill>
+            <a:srgbClr val="FFFFFF"/>
+          </a:solidFill>
+          <a:ln w="12700">
+            <a:noFill/>
+          </a:ln>
+        </p:spPr>
+        <p:style>
+          <a:lnRef idx="2">
+            <a:schemeClr val="accent1">
+              <a:shade val="50000"/>
+            </a:schemeClr>
+          </a:lnRef>
+          <a:fillRef idx="1">
+            <a:schemeClr val="accent1"/>
+          </a:fillRef>
+          <a:effectRef idx="0">
+            <a:schemeClr val="accent1"/>
+          </a:effectRef>
+          <a:fontRef idx="minor">
+            <a:schemeClr val="lt1"/>
+          </a:fontRef>
+        </p:style>
+      </p:sp>
+      <p:cxnSp>
+        <p:nvCxnSpPr>
+          <p:cNvPr id="14" name="Straight Connector 13">
+            <a:extLst>
+              <a:ext uri="{FF2B5EF4-FFF2-40B4-BE49-F238E27FC236}">
+                <a16:creationId xmlns:a16="http://schemas.microsoft.com/office/drawing/2014/main" id="{EA29FC7C-9308-4FDE-8DCA-405668055B0F}"/>
+              </a:ext>
+              <a:ext uri="{C183D7F6-B498-43B3-948B-1728B52AA6E4}">
+                <adec:decorative xmlns:adec="http://schemas.microsoft.com/office/drawing/2017/decorative" val="1"/>
+              </a:ext>
+            </a:extLst>
+          </p:cNvPr>
+          <p:cNvCxnSpPr>
+            <a:cxnSpLocks noGrp="1" noRot="1" noChangeAspect="1" noMove="1" noResize="1" noEditPoints="1" noAdjustHandles="1" noChangeArrowheads="1" noChangeShapeType="1"/>
+          </p:cNvCxnSpPr>
+          <p:nvPr>
+            <p:extLst>
+              <p:ext uri="{386F3935-93C4-4BCD-93E2-E3B085C9AB24}">
+                <p16:designElem xmlns:p16="http://schemas.microsoft.com/office/powerpoint/2015/main" val="1"/>
+              </p:ext>
+            </p:extLst>
+          </p:nvPr>
+        </p:nvCxnSpPr>
+        <p:spPr>
+          <a:xfrm>
+            <a:off x="2895600" y="5768204"/>
+            <a:ext cx="6400800" cy="0"/>
+          </a:xfrm>
+          <a:prstGeom prst="line">
+            <a:avLst/>
+          </a:prstGeom>
+          <a:ln>
+            <a:solidFill>
+              <a:srgbClr val="503A42"/>
+            </a:solidFill>
+          </a:ln>
+        </p:spPr>
+        <p:style>
+          <a:lnRef idx="1">
+            <a:schemeClr val="accent1"/>
+          </a:lnRef>
+          <a:fillRef idx="0">
+            <a:schemeClr val="accent1"/>
+          </a:fillRef>
+          <a:effectRef idx="0">
+            <a:schemeClr val="accent1"/>
+          </a:effectRef>
+          <a:fontRef idx="minor">
+            <a:schemeClr val="tx1"/>
+          </a:fontRef>
+        </p:style>
+      </p:cxnSp>
+      <p:sp>
+        <p:nvSpPr>
+          <p:cNvPr id="2" name="Title 1">
+            <a:extLst>
+              <a:ext uri="{FF2B5EF4-FFF2-40B4-BE49-F238E27FC236}">
+                <a16:creationId xmlns:a16="http://schemas.microsoft.com/office/drawing/2014/main" id="{FF75F85B-B5C4-4971-8ADB-1C2E1466EE64}"/>
+              </a:ext>
+            </a:extLst>
+          </p:cNvPr>
+          <p:cNvSpPr>
+            <a:spLocks noGrp="1"/>
+          </p:cNvSpPr>
+          <p:nvPr>
+            <p:ph type="title"/>
+          </p:nvPr>
+        </p:nvSpPr>
+        <p:spPr>
+          <a:xfrm>
+            <a:off x="1109980" y="4277356"/>
+            <a:ext cx="9966960" cy="1560320"/>
+          </a:xfrm>
+        </p:spPr>
+        <p:txBody>
+          <a:bodyPr vert="horz" lIns="91440" tIns="45720" rIns="91440" bIns="45720" rtlCol="0" anchor="b">
+            <a:normAutofit/>
+          </a:bodyPr>
+          <a:lstStyle/>
+          <a:p>
+            <a:pPr algn="ctr"/>
+            <a:r>
+              <a:rPr lang="en-US" sz="4900">
+                <a:solidFill>
+                  <a:srgbClr val="503A42"/>
+                </a:solidFill>
+              </a:rPr>
+              <a:t>M</a:t>
+            </a:r>
+            <a:r>
+              <a:rPr lang="en-US" sz="4900" b="0" i="0">
+                <a:solidFill>
+                  <a:srgbClr val="503A42"/>
+                </a:solidFill>
+                <a:effectLst/>
+              </a:rPr>
+              <a:t>ean, Standard Deviation in the dataset</a:t>
+            </a:r>
+            <a:endParaRPr lang="en-US" sz="4900">
+              <a:solidFill>
+                <a:srgbClr val="503A42"/>
+              </a:solidFill>
+            </a:endParaRPr>
+          </a:p>
+        </p:txBody>
+      </p:sp>
+      <p:pic>
+        <p:nvPicPr>
+          <p:cNvPr id="5" name="Content Placeholder 4" descr="Graphical user interface, text, application&#10;&#10;Description automatically generated">
+            <a:extLst>
+              <a:ext uri="{FF2B5EF4-FFF2-40B4-BE49-F238E27FC236}">
+                <a16:creationId xmlns:a16="http://schemas.microsoft.com/office/drawing/2014/main" id="{99F01974-C407-49DB-B471-64731B4C42D0}"/>
+              </a:ext>
+            </a:extLst>
+          </p:cNvPr>
+          <p:cNvPicPr>
+            <a:picLocks noGrp="1" noChangeAspect="1"/>
+          </p:cNvPicPr>
+          <p:nvPr>
+            <p:ph idx="1"/>
+          </p:nvPr>
+        </p:nvPicPr>
+        <p:blipFill rotWithShape="1">
+          <a:blip r:embed="rId2"/>
+          <a:srcRect l="2821" r="15559" b="-1"/>
+          <a:stretch/>
+        </p:blipFill>
+        <p:spPr>
+          <a:xfrm>
+            <a:off x="243840" y="256540"/>
+            <a:ext cx="11704320" cy="3764276"/>
+          </a:xfrm>
+          <a:prstGeom prst="rect">
+            <a:avLst/>
+          </a:prstGeom>
+        </p:spPr>
+      </p:pic>
+    </p:spTree>
+    <p:extLst>
+      <p:ext uri="{BB962C8B-B14F-4D97-AF65-F5344CB8AC3E}">
+        <p14:creationId xmlns:p14="http://schemas.microsoft.com/office/powerpoint/2010/main" val="808657958"/>
+      </p:ext>
+    </p:extLst>
+  </p:cSld>
+  <p:clrMapOvr>
+    <a:masterClrMapping/>
+  </p:clrMapOvr>
+</p:sld>
+</file>
+
+<file path=ppt/slides/slide4.xml><?xml version="1.0" encoding="utf-8"?>
+<p:sld xmlns:a="http://schemas.openxmlformats.org/drawingml/2006/main" xmlns:r="http://schemas.openxmlformats.org/officeDocument/2006/relationships" xmlns:p="http://schemas.openxmlformats.org/presentationml/2006/main">
+  <p:cSld>
+    <p:bg>
+      <p:bgPr>
+        <a:solidFill>
+          <a:schemeClr val="bg1"/>
+        </a:solidFill>
+        <a:effectLst/>
+      </p:bgPr>
+    </p:bg>
+    <p:spTree>
+      <p:nvGrpSpPr>
+        <p:cNvPr id="1" name=""/>
+        <p:cNvGrpSpPr/>
+        <p:nvPr/>
+      </p:nvGrpSpPr>
+      <p:grpSpPr>
+        <a:xfrm>
+          <a:off x="0" y="0"/>
+          <a:ext cx="0" cy="0"/>
+          <a:chOff x="0" y="0"/>
+          <a:chExt cx="0" cy="0"/>
+        </a:xfrm>
+      </p:grpSpPr>
+      <p:sp useBgFill="1">
+        <p:nvSpPr>
+          <p:cNvPr id="23" name="Rectangle 22">
+            <a:extLst>
+              <a:ext uri="{FF2B5EF4-FFF2-40B4-BE49-F238E27FC236}">
+                <a16:creationId xmlns:a16="http://schemas.microsoft.com/office/drawing/2014/main" id="{B9D7E975-9161-4F2D-AC53-69E1912F6B5D}"/>
+              </a:ext>
+              <a:ext uri="{C183D7F6-B498-43B3-948B-1728B52AA6E4}">
+                <adec:decorative xmlns:adec="http://schemas.microsoft.com/office/drawing/2017/decorative" val="1"/>
+              </a:ext>
+            </a:extLst>
+          </p:cNvPr>
+          <p:cNvSpPr>
+            <a:spLocks noGrp="1" noRot="1" noChangeAspect="1" noMove="1" noResize="1" noEditPoints="1" noAdjustHandles="1" noChangeArrowheads="1" noChangeShapeType="1" noTextEdit="1"/>
+          </p:cNvSpPr>
+          <p:nvPr>
+            <p:extLst>
+              <p:ext uri="{386F3935-93C4-4BCD-93E2-E3B085C9AB24}">
+                <p16:designElem xmlns:p16="http://schemas.microsoft.com/office/powerpoint/2015/main" val="1"/>
+              </p:ext>
+            </p:extLst>
+          </p:nvPr>
+        </p:nvSpPr>
+        <p:spPr>
+          <a:xfrm>
+            <a:off x="0" y="0"/>
+            <a:ext cx="12192000" cy="6858000"/>
+          </a:xfrm>
+          <a:prstGeom prst="rect">
+            <a:avLst/>
+          </a:prstGeom>
+          <a:ln>
+            <a:noFill/>
+          </a:ln>
+        </p:spPr>
+        <p:style>
+          <a:lnRef idx="2">
+            <a:schemeClr val="accent1">
+              <a:shade val="50000"/>
+            </a:schemeClr>
+          </a:lnRef>
+          <a:fillRef idx="1">
+            <a:schemeClr val="accent1"/>
+          </a:fillRef>
+          <a:effectRef idx="0">
+            <a:schemeClr val="accent1"/>
+          </a:effectRef>
+          <a:fontRef idx="minor">
+            <a:schemeClr val="lt1"/>
+          </a:fontRef>
+        </p:style>
+        <p:txBody>
+          <a:bodyPr rtlCol="0" anchor="ctr"/>
+          <a:lstStyle/>
+          <a:p>
+            <a:pPr algn="ctr"/>
+            <a:endParaRPr lang="en-US"/>
+          </a:p>
+        </p:txBody>
+      </p:sp>
+      <p:sp>
+        <p:nvSpPr>
+          <p:cNvPr id="25" name="Right Triangle 24">
+            <a:extLst>
+              <a:ext uri="{FF2B5EF4-FFF2-40B4-BE49-F238E27FC236}">
+                <a16:creationId xmlns:a16="http://schemas.microsoft.com/office/drawing/2014/main" id="{827DC2C4-B485-428A-BF4A-472D2967F47F}"/>
+              </a:ext>
+              <a:ext uri="{C183D7F6-B498-43B3-948B-1728B52AA6E4}">
+                <adec:decorative xmlns:adec="http://schemas.microsoft.com/office/drawing/2017/decorative" val="1"/>
+              </a:ext>
+            </a:extLst>
+          </p:cNvPr>
+          <p:cNvSpPr>
+            <a:spLocks noGrp="1" noRot="1" noChangeAspect="1" noMove="1" noResize="1" noEditPoints="1" noAdjustHandles="1" noChangeArrowheads="1" noChangeShapeType="1" noTextEdit="1"/>
+          </p:cNvSpPr>
+          <p:nvPr>
+            <p:extLst>
+              <p:ext uri="{386F3935-93C4-4BCD-93E2-E3B085C9AB24}">
+                <p16:designElem xmlns:p16="http://schemas.microsoft.com/office/powerpoint/2015/main" val="1"/>
+              </p:ext>
+            </p:extLst>
+          </p:nvPr>
+        </p:nvSpPr>
+        <p:spPr>
+          <a:xfrm flipH="1">
+            <a:off x="8576720" y="3335867"/>
+            <a:ext cx="3291840" cy="3200400"/>
+          </a:xfrm>
+          <a:prstGeom prst="rtTriangle">
+            <a:avLst/>
+          </a:prstGeom>
+          <a:solidFill>
+            <a:schemeClr val="accent4"/>
+          </a:solidFill>
+          <a:ln>
+            <a:noFill/>
+          </a:ln>
+        </p:spPr>
+        <p:style>
+          <a:lnRef idx="2">
+            <a:schemeClr val="accent1">
+              <a:shade val="50000"/>
+            </a:schemeClr>
+          </a:lnRef>
+          <a:fillRef idx="1">
+            <a:schemeClr val="accent1"/>
+          </a:fillRef>
+          <a:effectRef idx="0">
+            <a:schemeClr val="accent1"/>
+          </a:effectRef>
+          <a:fontRef idx="minor">
+            <a:schemeClr val="lt1"/>
+          </a:fontRef>
+        </p:style>
+        <p:txBody>
+          <a:bodyPr rtlCol="0" anchor="ctr"/>
+          <a:lstStyle/>
+          <a:p>
+            <a:pPr algn="ctr"/>
+            <a:endParaRPr lang="en-US" dirty="0"/>
+          </a:p>
+        </p:txBody>
+      </p:sp>
+      <p:sp>
+        <p:nvSpPr>
+          <p:cNvPr id="2" name="Title 1">
+            <a:extLst>
+              <a:ext uri="{FF2B5EF4-FFF2-40B4-BE49-F238E27FC236}">
+                <a16:creationId xmlns:a16="http://schemas.microsoft.com/office/drawing/2014/main" id="{EC544DA0-0286-48D3-AFA8-60A59DFFD37A}"/>
+              </a:ext>
+            </a:extLst>
+          </p:cNvPr>
+          <p:cNvSpPr>
+            <a:spLocks noGrp="1"/>
+          </p:cNvSpPr>
+          <p:nvPr>
+            <p:ph type="title"/>
+          </p:nvPr>
+        </p:nvSpPr>
+        <p:spPr>
+          <a:xfrm>
+            <a:off x="6889833" y="1056640"/>
+            <a:ext cx="4360324" cy="3494398"/>
+          </a:xfrm>
+        </p:spPr>
+        <p:txBody>
+          <a:bodyPr vert="horz" lIns="91440" tIns="45720" rIns="91440" bIns="45720" rtlCol="0" anchor="b">
+            <a:normAutofit/>
+          </a:bodyPr>
+          <a:lstStyle/>
+          <a:p>
+            <a:r>
+              <a:rPr lang="en-US" sz="6100"/>
+              <a:t>US COVID Active Cases Graph</a:t>
+            </a:r>
+          </a:p>
+        </p:txBody>
+      </p:sp>
+      <p:pic>
+        <p:nvPicPr>
+          <p:cNvPr id="5" name="Content Placeholder 4">
+            <a:extLst>
+              <a:ext uri="{FF2B5EF4-FFF2-40B4-BE49-F238E27FC236}">
+                <a16:creationId xmlns:a16="http://schemas.microsoft.com/office/drawing/2014/main" id="{41D78F1E-13FC-41F0-94DA-7FF3222C1157}"/>
+              </a:ext>
+            </a:extLst>
+          </p:cNvPr>
+          <p:cNvPicPr>
+            <a:picLocks noGrp="1" noChangeAspect="1"/>
+          </p:cNvPicPr>
+          <p:nvPr>
+            <p:ph idx="1"/>
+          </p:nvPr>
+        </p:nvPicPr>
+        <p:blipFill rotWithShape="1">
+          <a:blip r:embed="rId2">
+            <a:extLst>
+              <a:ext uri="{28A0092B-C50C-407E-A947-70E740481C1C}">
+                <a14:useLocalDpi xmlns:a14="http://schemas.microsoft.com/office/drawing/2010/main" val="0"/>
+              </a:ext>
+            </a:extLst>
+          </a:blip>
+          <a:srcRect l="27703" r="17631" b="-1"/>
+          <a:stretch/>
+        </p:blipFill>
+        <p:spPr>
+          <a:xfrm>
+            <a:off x="621675" y="623275"/>
+            <a:ext cx="5474323" cy="5607882"/>
+          </a:xfrm>
+          <a:prstGeom prst="rect">
+            <a:avLst/>
+          </a:prstGeom>
+        </p:spPr>
+      </p:pic>
+      <p:sp>
+        <p:nvSpPr>
+          <p:cNvPr id="27" name="Rectangle 26">
+            <a:extLst>
+              <a:ext uri="{FF2B5EF4-FFF2-40B4-BE49-F238E27FC236}">
+                <a16:creationId xmlns:a16="http://schemas.microsoft.com/office/drawing/2014/main" id="{463E6235-1649-4B47-9862-4026FC473B6F}"/>
+              </a:ext>
+              <a:ext uri="{C183D7F6-B498-43B3-948B-1728B52AA6E4}">
+                <adec:decorative xmlns:adec="http://schemas.microsoft.com/office/drawing/2017/decorative" val="1"/>
+              </a:ext>
+            </a:extLst>
+          </p:cNvPr>
+          <p:cNvSpPr>
+            <a:spLocks noGrp="1" noRot="1" noChangeAspect="1" noMove="1" noResize="1" noEditPoints="1" noAdjustHandles="1" noChangeArrowheads="1" noChangeShapeType="1" noTextEdit="1"/>
+          </p:cNvSpPr>
+          <p:nvPr>
+            <p:extLst>
+              <p:ext uri="{386F3935-93C4-4BCD-93E2-E3B085C9AB24}">
+                <p16:designElem xmlns:p16="http://schemas.microsoft.com/office/powerpoint/2015/main" val="1"/>
+              </p:ext>
+            </p:extLst>
+          </p:nvPr>
+        </p:nvSpPr>
+        <p:spPr>
+          <a:xfrm>
+            <a:off x="6405201" y="623275"/>
+            <a:ext cx="5141626" cy="5607882"/>
+          </a:xfrm>
+          <a:prstGeom prst="rect">
+            <a:avLst/>
+          </a:prstGeom>
+          <a:noFill/>
+          <a:ln w="19050">
+            <a:solidFill>
+              <a:schemeClr val="tx1">
+                <a:lumMod val="75000"/>
+                <a:lumOff val="25000"/>
+              </a:schemeClr>
+            </a:solidFill>
+          </a:ln>
+        </p:spPr>
+        <p:style>
+          <a:lnRef idx="2">
+            <a:schemeClr val="accent1">
+              <a:shade val="50000"/>
+            </a:schemeClr>
+          </a:lnRef>
+          <a:fillRef idx="1">
+            <a:schemeClr val="accent1"/>
+          </a:fillRef>
+          <a:effectRef idx="0">
+            <a:schemeClr val="accent1"/>
+          </a:effectRef>
+          <a:fontRef idx="minor">
+            <a:schemeClr val="lt1"/>
+          </a:fontRef>
+        </p:style>
+        <p:txBody>
+          <a:bodyPr rtlCol="0" anchor="ctr"/>
+          <a:lstStyle/>
+          <a:p>
+            <a:pPr algn="ctr"/>
+            <a:endParaRPr lang="en-US"/>
+          </a:p>
+        </p:txBody>
+      </p:sp>
+    </p:spTree>
+    <p:extLst>
+      <p:ext uri="{BB962C8B-B14F-4D97-AF65-F5344CB8AC3E}">
+        <p14:creationId xmlns:p14="http://schemas.microsoft.com/office/powerpoint/2010/main" val="3399589807"/>
+      </p:ext>
+    </p:extLst>
+  </p:cSld>
+  <p:clrMapOvr>
+    <a:masterClrMapping/>
+  </p:clrMapOvr>
+</p:sld>
+</file>
+
+<file path=ppt/slides/slide5.xml><?xml version="1.0" encoding="utf-8"?>
+<p:sld xmlns:a="http://schemas.openxmlformats.org/drawingml/2006/main" xmlns:r="http://schemas.openxmlformats.org/officeDocument/2006/relationships" xmlns:p="http://schemas.openxmlformats.org/presentationml/2006/main">
+  <p:cSld>
+    <p:bg>
+      <p:bgPr>
+        <a:solidFill>
+          <a:schemeClr val="bg1"/>
+        </a:solidFill>
+        <a:effectLst/>
+      </p:bgPr>
+    </p:bg>
+    <p:spTree>
+      <p:nvGrpSpPr>
+        <p:cNvPr id="1" name=""/>
+        <p:cNvGrpSpPr/>
+        <p:nvPr/>
+      </p:nvGrpSpPr>
+      <p:grpSpPr>
+        <a:xfrm>
+          <a:off x="0" y="0"/>
+          <a:ext cx="0" cy="0"/>
+          <a:chOff x="0" y="0"/>
+          <a:chExt cx="0" cy="0"/>
+        </a:xfrm>
+      </p:grpSpPr>
+      <p:sp useBgFill="1">
+        <p:nvSpPr>
+          <p:cNvPr id="137" name="Rectangle 136">
+            <a:extLst>
+              <a:ext uri="{FF2B5EF4-FFF2-40B4-BE49-F238E27FC236}">
+                <a16:creationId xmlns:a16="http://schemas.microsoft.com/office/drawing/2014/main" id="{B9D7E975-9161-4F2D-AC53-69E1912F6B5D}"/>
+              </a:ext>
+              <a:ext uri="{C183D7F6-B498-43B3-948B-1728B52AA6E4}">
+                <adec:decorative xmlns:adec="http://schemas.microsoft.com/office/drawing/2017/decorative" val="1"/>
+              </a:ext>
+            </a:extLst>
+          </p:cNvPr>
+          <p:cNvSpPr>
+            <a:spLocks noGrp="1" noRot="1" noChangeAspect="1" noMove="1" noResize="1" noEditPoints="1" noAdjustHandles="1" noChangeArrowheads="1" noChangeShapeType="1" noTextEdit="1"/>
+          </p:cNvSpPr>
+          <p:nvPr>
+            <p:extLst>
+              <p:ext uri="{386F3935-93C4-4BCD-93E2-E3B085C9AB24}">
+                <p16:designElem xmlns:p16="http://schemas.microsoft.com/office/powerpoint/2015/main" val="1"/>
+              </p:ext>
+            </p:extLst>
+          </p:nvPr>
+        </p:nvSpPr>
+        <p:spPr>
+          <a:xfrm>
+            <a:off x="0" y="0"/>
+            <a:ext cx="12192000" cy="6858000"/>
+          </a:xfrm>
+          <a:prstGeom prst="rect">
+            <a:avLst/>
+          </a:prstGeom>
+          <a:ln>
+            <a:noFill/>
+          </a:ln>
+        </p:spPr>
+        <p:style>
+          <a:lnRef idx="2">
+            <a:schemeClr val="accent1">
+              <a:shade val="50000"/>
+            </a:schemeClr>
+          </a:lnRef>
+          <a:fillRef idx="1">
+            <a:schemeClr val="accent1"/>
+          </a:fillRef>
+          <a:effectRef idx="0">
+            <a:schemeClr val="accent1"/>
+          </a:effectRef>
+          <a:fontRef idx="minor">
+            <a:schemeClr val="lt1"/>
+          </a:fontRef>
+        </p:style>
+        <p:txBody>
+          <a:bodyPr rtlCol="0" anchor="ctr"/>
+          <a:lstStyle/>
+          <a:p>
+            <a:pPr algn="ctr"/>
+            <a:endParaRPr lang="en-US"/>
+          </a:p>
+        </p:txBody>
+      </p:sp>
+      <p:sp>
+        <p:nvSpPr>
+          <p:cNvPr id="139" name="Right Triangle 138">
+            <a:extLst>
+              <a:ext uri="{FF2B5EF4-FFF2-40B4-BE49-F238E27FC236}">
+                <a16:creationId xmlns:a16="http://schemas.microsoft.com/office/drawing/2014/main" id="{827DC2C4-B485-428A-BF4A-472D2967F47F}"/>
+              </a:ext>
+              <a:ext uri="{C183D7F6-B498-43B3-948B-1728B52AA6E4}">
+                <adec:decorative xmlns:adec="http://schemas.microsoft.com/office/drawing/2017/decorative" val="1"/>
+              </a:ext>
+            </a:extLst>
+          </p:cNvPr>
+          <p:cNvSpPr>
+            <a:spLocks noGrp="1" noRot="1" noChangeAspect="1" noMove="1" noResize="1" noEditPoints="1" noAdjustHandles="1" noChangeArrowheads="1" noChangeShapeType="1" noTextEdit="1"/>
+          </p:cNvSpPr>
+          <p:nvPr>
+            <p:extLst>
+              <p:ext uri="{386F3935-93C4-4BCD-93E2-E3B085C9AB24}">
+                <p16:designElem xmlns:p16="http://schemas.microsoft.com/office/powerpoint/2015/main" val="1"/>
+              </p:ext>
+            </p:extLst>
+          </p:nvPr>
+        </p:nvSpPr>
+        <p:spPr>
+          <a:xfrm flipH="1">
+            <a:off x="8576720" y="3335867"/>
+            <a:ext cx="3291840" cy="3200400"/>
+          </a:xfrm>
+          <a:prstGeom prst="rtTriangle">
+            <a:avLst/>
+          </a:prstGeom>
+          <a:solidFill>
+            <a:schemeClr val="accent4"/>
+          </a:solidFill>
+          <a:ln>
+            <a:noFill/>
+          </a:ln>
+        </p:spPr>
+        <p:style>
+          <a:lnRef idx="2">
+            <a:schemeClr val="accent1">
+              <a:shade val="50000"/>
+            </a:schemeClr>
+          </a:lnRef>
+          <a:fillRef idx="1">
+            <a:schemeClr val="accent1"/>
+          </a:fillRef>
+          <a:effectRef idx="0">
+            <a:schemeClr val="accent1"/>
+          </a:effectRef>
+          <a:fontRef idx="minor">
+            <a:schemeClr val="lt1"/>
+          </a:fontRef>
+        </p:style>
+        <p:txBody>
+          <a:bodyPr rtlCol="0" anchor="ctr"/>
+          <a:lstStyle/>
+          <a:p>
+            <a:pPr algn="ctr"/>
+            <a:endParaRPr lang="en-US" dirty="0"/>
+          </a:p>
+        </p:txBody>
+      </p:sp>
+      <p:sp>
+        <p:nvSpPr>
+          <p:cNvPr id="2" name="Title 1">
+            <a:extLst>
+              <a:ext uri="{FF2B5EF4-FFF2-40B4-BE49-F238E27FC236}">
+                <a16:creationId xmlns:a16="http://schemas.microsoft.com/office/drawing/2014/main" id="{A54DFFF1-174B-460B-B80D-F8737D71463A}"/>
+              </a:ext>
+            </a:extLst>
+          </p:cNvPr>
+          <p:cNvSpPr>
+            <a:spLocks noGrp="1"/>
+          </p:cNvSpPr>
+          <p:nvPr>
+            <p:ph type="title"/>
+          </p:nvPr>
+        </p:nvSpPr>
+        <p:spPr>
+          <a:xfrm>
+            <a:off x="6889833" y="1056640"/>
+            <a:ext cx="4360324" cy="3494398"/>
+          </a:xfrm>
+        </p:spPr>
+        <p:txBody>
+          <a:bodyPr vert="horz" lIns="91440" tIns="45720" rIns="91440" bIns="45720" rtlCol="0" anchor="b">
+            <a:normAutofit/>
+          </a:bodyPr>
+          <a:lstStyle/>
+          <a:p>
+            <a:r>
+              <a:rPr lang="en-US" sz="7200"/>
+              <a:t>H</a:t>
+            </a:r>
+            <a:r>
+              <a:rPr lang="en-US" sz="7200" b="0" i="0">
+                <a:effectLst/>
+              </a:rPr>
+              <a:t>istogram of Variables</a:t>
+            </a:r>
+            <a:endParaRPr lang="en-US" sz="7200"/>
+          </a:p>
+        </p:txBody>
+      </p:sp>
+      <p:pic>
+        <p:nvPicPr>
+          <p:cNvPr id="1026" name="Picture 2">
+            <a:extLst>
+              <a:ext uri="{FF2B5EF4-FFF2-40B4-BE49-F238E27FC236}">
+                <a16:creationId xmlns:a16="http://schemas.microsoft.com/office/drawing/2014/main" id="{97E01543-F6C6-4A3B-802E-E33141E2DEBA}"/>
+              </a:ext>
+            </a:extLst>
+          </p:cNvPr>
+          <p:cNvPicPr>
+            <a:picLocks noGrp="1" noChangeAspect="1" noChangeArrowheads="1"/>
+          </p:cNvPicPr>
+          <p:nvPr>
+            <p:ph idx="1"/>
+          </p:nvPr>
+        </p:nvPicPr>
+        <p:blipFill rotWithShape="1">
+          <a:blip r:embed="rId2">
+            <a:extLst>
+              <a:ext uri="{28A0092B-C50C-407E-A947-70E740481C1C}">
+                <a14:useLocalDpi xmlns:a14="http://schemas.microsoft.com/office/drawing/2010/main" val="0"/>
+              </a:ext>
+            </a:extLst>
+          </a:blip>
+          <a:srcRect l="15386" r="15384" b="-1"/>
+          <a:stretch/>
+        </p:blipFill>
+        <p:spPr bwMode="auto">
+          <a:xfrm>
+            <a:off x="621675" y="623275"/>
+            <a:ext cx="5474323" cy="5607882"/>
+          </a:xfrm>
+          <a:prstGeom prst="rect">
+            <a:avLst/>
+          </a:prstGeom>
+          <a:noFill/>
+          <a:extLst>
+            <a:ext uri="{909E8E84-426E-40DD-AFC4-6F175D3DCCD1}">
+              <a14:hiddenFill xmlns:a14="http://schemas.microsoft.com/office/drawing/2010/main">
+                <a:solidFill>
+                  <a:srgbClr val="FFFFFF"/>
+                </a:solidFill>
+              </a14:hiddenFill>
+            </a:ext>
+          </a:extLst>
+        </p:spPr>
+      </p:pic>
+      <p:sp>
+        <p:nvSpPr>
+          <p:cNvPr id="141" name="Rectangle 140">
+            <a:extLst>
+              <a:ext uri="{FF2B5EF4-FFF2-40B4-BE49-F238E27FC236}">
+                <a16:creationId xmlns:a16="http://schemas.microsoft.com/office/drawing/2014/main" id="{463E6235-1649-4B47-9862-4026FC473B6F}"/>
+              </a:ext>
+              <a:ext uri="{C183D7F6-B498-43B3-948B-1728B52AA6E4}">
+                <adec:decorative xmlns:adec="http://schemas.microsoft.com/office/drawing/2017/decorative" val="1"/>
+              </a:ext>
+            </a:extLst>
+          </p:cNvPr>
+          <p:cNvSpPr>
+            <a:spLocks noGrp="1" noRot="1" noChangeAspect="1" noMove="1" noResize="1" noEditPoints="1" noAdjustHandles="1" noChangeArrowheads="1" noChangeShapeType="1" noTextEdit="1"/>
+          </p:cNvSpPr>
+          <p:nvPr>
+            <p:extLst>
+              <p:ext uri="{386F3935-93C4-4BCD-93E2-E3B085C9AB24}">
+                <p16:designElem xmlns:p16="http://schemas.microsoft.com/office/powerpoint/2015/main" val="1"/>
+              </p:ext>
+            </p:extLst>
+          </p:nvPr>
+        </p:nvSpPr>
+        <p:spPr>
+          <a:xfrm>
+            <a:off x="6405201" y="623275"/>
+            <a:ext cx="5141626" cy="5607882"/>
+          </a:xfrm>
+          <a:prstGeom prst="rect">
+            <a:avLst/>
+          </a:prstGeom>
+          <a:noFill/>
+          <a:ln w="19050">
+            <a:solidFill>
+              <a:schemeClr val="tx1">
+                <a:lumMod val="75000"/>
+                <a:lumOff val="25000"/>
+              </a:schemeClr>
+            </a:solidFill>
+          </a:ln>
+        </p:spPr>
+        <p:style>
+          <a:lnRef idx="2">
+            <a:schemeClr val="accent1">
+              <a:shade val="50000"/>
+            </a:schemeClr>
+          </a:lnRef>
+          <a:fillRef idx="1">
+            <a:schemeClr val="accent1"/>
+          </a:fillRef>
+          <a:effectRef idx="0">
+            <a:schemeClr val="accent1"/>
+          </a:effectRef>
+          <a:fontRef idx="minor">
+            <a:schemeClr val="lt1"/>
+          </a:fontRef>
+        </p:style>
+        <p:txBody>
+          <a:bodyPr rtlCol="0" anchor="ctr"/>
+          <a:lstStyle/>
+          <a:p>
+            <a:pPr algn="ctr"/>
+            <a:endParaRPr lang="en-US"/>
+          </a:p>
+        </p:txBody>
+      </p:sp>
+    </p:spTree>
+    <p:extLst>
+      <p:ext uri="{BB962C8B-B14F-4D97-AF65-F5344CB8AC3E}">
+        <p14:creationId xmlns:p14="http://schemas.microsoft.com/office/powerpoint/2010/main" val="3290947605"/>
+      </p:ext>
+    </p:extLst>
+  </p:cSld>
+  <p:clrMapOvr>
+    <a:masterClrMapping/>
+  </p:clrMapOvr>
+</p:sld>
+</file>
+
+<file path=ppt/slides/slide6.xml><?xml version="1.0" encoding="utf-8"?>
+<p:sld xmlns:a="http://schemas.openxmlformats.org/drawingml/2006/main" xmlns:r="http://schemas.openxmlformats.org/officeDocument/2006/relationships" xmlns:p="http://schemas.openxmlformats.org/presentationml/2006/main">
+  <p:cSld>
+    <p:bg>
+      <p:bgPr>
+        <a:solidFill>
+          <a:schemeClr val="bg1"/>
+        </a:solidFill>
+        <a:effectLst/>
+      </p:bgPr>
+    </p:bg>
+    <p:spTree>
+      <p:nvGrpSpPr>
+        <p:cNvPr id="1" name=""/>
+        <p:cNvGrpSpPr/>
+        <p:nvPr/>
+      </p:nvGrpSpPr>
+      <p:grpSpPr>
+        <a:xfrm>
+          <a:off x="0" y="0"/>
+          <a:ext cx="0" cy="0"/>
+          <a:chOff x="0" y="0"/>
+          <a:chExt cx="0" cy="0"/>
+        </a:xfrm>
+      </p:grpSpPr>
+      <p:sp useBgFill="1">
+        <p:nvSpPr>
+          <p:cNvPr id="71" name="Rectangle 70">
+            <a:extLst>
+              <a:ext uri="{FF2B5EF4-FFF2-40B4-BE49-F238E27FC236}">
+                <a16:creationId xmlns:a16="http://schemas.microsoft.com/office/drawing/2014/main" id="{B9D7E975-9161-4F2D-AC53-69E1912F6B5D}"/>
+              </a:ext>
+              <a:ext uri="{C183D7F6-B498-43B3-948B-1728B52AA6E4}">
+                <adec:decorative xmlns:adec="http://schemas.microsoft.com/office/drawing/2017/decorative" val="1"/>
+              </a:ext>
+            </a:extLst>
+          </p:cNvPr>
+          <p:cNvSpPr>
+            <a:spLocks noGrp="1" noRot="1" noChangeAspect="1" noMove="1" noResize="1" noEditPoints="1" noAdjustHandles="1" noChangeArrowheads="1" noChangeShapeType="1" noTextEdit="1"/>
+          </p:cNvSpPr>
+          <p:nvPr>
+            <p:extLst>
+              <p:ext uri="{386F3935-93C4-4BCD-93E2-E3B085C9AB24}">
+                <p16:designElem xmlns:p16="http://schemas.microsoft.com/office/powerpoint/2015/main" val="1"/>
+              </p:ext>
+            </p:extLst>
+          </p:nvPr>
+        </p:nvSpPr>
+        <p:spPr>
+          <a:xfrm>
+            <a:off x="0" y="0"/>
+            <a:ext cx="12192000" cy="6858000"/>
+          </a:xfrm>
+          <a:prstGeom prst="rect">
+            <a:avLst/>
+          </a:prstGeom>
+          <a:ln>
+            <a:noFill/>
+          </a:ln>
+        </p:spPr>
+        <p:style>
+          <a:lnRef idx="2">
+            <a:schemeClr val="accent1">
+              <a:shade val="50000"/>
+            </a:schemeClr>
+          </a:lnRef>
+          <a:fillRef idx="1">
+            <a:schemeClr val="accent1"/>
+          </a:fillRef>
+          <a:effectRef idx="0">
+            <a:schemeClr val="accent1"/>
+          </a:effectRef>
+          <a:fontRef idx="minor">
+            <a:schemeClr val="lt1"/>
+          </a:fontRef>
+        </p:style>
+        <p:txBody>
+          <a:bodyPr rtlCol="0" anchor="ctr"/>
+          <a:lstStyle/>
+          <a:p>
+            <a:pPr algn="ctr"/>
+            <a:endParaRPr lang="en-US"/>
+          </a:p>
+        </p:txBody>
+      </p:sp>
+      <p:sp>
+        <p:nvSpPr>
+          <p:cNvPr id="73" name="Right Triangle 72">
+            <a:extLst>
+              <a:ext uri="{FF2B5EF4-FFF2-40B4-BE49-F238E27FC236}">
+                <a16:creationId xmlns:a16="http://schemas.microsoft.com/office/drawing/2014/main" id="{827DC2C4-B485-428A-BF4A-472D2967F47F}"/>
+              </a:ext>
+              <a:ext uri="{C183D7F6-B498-43B3-948B-1728B52AA6E4}">
+                <adec:decorative xmlns:adec="http://schemas.microsoft.com/office/drawing/2017/decorative" val="1"/>
+              </a:ext>
+            </a:extLst>
+          </p:cNvPr>
+          <p:cNvSpPr>
+            <a:spLocks noGrp="1" noRot="1" noChangeAspect="1" noMove="1" noResize="1" noEditPoints="1" noAdjustHandles="1" noChangeArrowheads="1" noChangeShapeType="1" noTextEdit="1"/>
+          </p:cNvSpPr>
+          <p:nvPr>
+            <p:extLst>
+              <p:ext uri="{386F3935-93C4-4BCD-93E2-E3B085C9AB24}">
+                <p16:designElem xmlns:p16="http://schemas.microsoft.com/office/powerpoint/2015/main" val="1"/>
+              </p:ext>
+            </p:extLst>
+          </p:nvPr>
+        </p:nvSpPr>
+        <p:spPr>
+          <a:xfrm flipH="1">
+            <a:off x="8576720" y="3335867"/>
+            <a:ext cx="3291840" cy="3200400"/>
+          </a:xfrm>
+          <a:prstGeom prst="rtTriangle">
+            <a:avLst/>
+          </a:prstGeom>
+          <a:solidFill>
+            <a:schemeClr val="accent4"/>
+          </a:solidFill>
+          <a:ln>
+            <a:noFill/>
+          </a:ln>
+        </p:spPr>
+        <p:style>
+          <a:lnRef idx="2">
+            <a:schemeClr val="accent1">
+              <a:shade val="50000"/>
+            </a:schemeClr>
+          </a:lnRef>
+          <a:fillRef idx="1">
+            <a:schemeClr val="accent1"/>
+          </a:fillRef>
+          <a:effectRef idx="0">
+            <a:schemeClr val="accent1"/>
+          </a:effectRef>
+          <a:fontRef idx="minor">
+            <a:schemeClr val="lt1"/>
+          </a:fontRef>
+        </p:style>
+        <p:txBody>
+          <a:bodyPr rtlCol="0" anchor="ctr"/>
+          <a:lstStyle/>
+          <a:p>
+            <a:pPr algn="ctr"/>
+            <a:endParaRPr lang="en-US" dirty="0"/>
+          </a:p>
+        </p:txBody>
+      </p:sp>
+      <p:sp>
+        <p:nvSpPr>
+          <p:cNvPr id="2" name="Title 1">
+            <a:extLst>
+              <a:ext uri="{FF2B5EF4-FFF2-40B4-BE49-F238E27FC236}">
+                <a16:creationId xmlns:a16="http://schemas.microsoft.com/office/drawing/2014/main" id="{D7D178F9-3287-4977-8BBF-41764A68968F}"/>
+              </a:ext>
+            </a:extLst>
+          </p:cNvPr>
+          <p:cNvSpPr>
+            <a:spLocks noGrp="1"/>
+          </p:cNvSpPr>
+          <p:nvPr>
+            <p:ph type="title"/>
+          </p:nvPr>
+        </p:nvSpPr>
+        <p:spPr>
+          <a:xfrm>
+            <a:off x="6889833" y="1056640"/>
+            <a:ext cx="4360324" cy="3494398"/>
+          </a:xfrm>
+        </p:spPr>
+        <p:txBody>
+          <a:bodyPr vert="horz" lIns="91440" tIns="45720" rIns="91440" bIns="45720" rtlCol="0" anchor="b">
+            <a:normAutofit/>
+          </a:bodyPr>
+          <a:lstStyle/>
+          <a:p>
+            <a:r>
+              <a:rPr lang="en-US" sz="6100" b="1" i="0">
+                <a:effectLst/>
+              </a:rPr>
+              <a:t>Cumulative distribution function</a:t>
+            </a:r>
+            <a:br>
+              <a:rPr lang="en-US" sz="6100" b="1" i="0">
+                <a:effectLst/>
+              </a:rPr>
+            </a:br>
+            <a:endParaRPr lang="en-US" sz="6100"/>
+          </a:p>
+        </p:txBody>
+      </p:sp>
+      <p:pic>
+        <p:nvPicPr>
+          <p:cNvPr id="2050" name="Picture 2">
+            <a:extLst>
+              <a:ext uri="{FF2B5EF4-FFF2-40B4-BE49-F238E27FC236}">
+                <a16:creationId xmlns:a16="http://schemas.microsoft.com/office/drawing/2014/main" id="{9F7FBE88-9DDD-4DC3-B981-60B2F8EF403C}"/>
+              </a:ext>
+            </a:extLst>
+          </p:cNvPr>
+          <p:cNvPicPr>
+            <a:picLocks noGrp="1" noChangeAspect="1" noChangeArrowheads="1"/>
+          </p:cNvPicPr>
+          <p:nvPr>
+            <p:ph idx="1"/>
+          </p:nvPr>
+        </p:nvPicPr>
+        <p:blipFill rotWithShape="1">
+          <a:blip r:embed="rId2">
+            <a:extLst>
+              <a:ext uri="{28A0092B-C50C-407E-A947-70E740481C1C}">
+                <a14:useLocalDpi xmlns:a14="http://schemas.microsoft.com/office/drawing/2010/main" val="0"/>
+              </a:ext>
+            </a:extLst>
+          </a:blip>
+          <a:srcRect l="17890" r="11803" b="-1"/>
+          <a:stretch/>
+        </p:blipFill>
+        <p:spPr bwMode="auto">
+          <a:xfrm>
+            <a:off x="621675" y="623275"/>
+            <a:ext cx="5474323" cy="5607882"/>
+          </a:xfrm>
+          <a:prstGeom prst="rect">
+            <a:avLst/>
+          </a:prstGeom>
+          <a:noFill/>
+          <a:extLst>
+            <a:ext uri="{909E8E84-426E-40DD-AFC4-6F175D3DCCD1}">
+              <a14:hiddenFill xmlns:a14="http://schemas.microsoft.com/office/drawing/2010/main">
+                <a:solidFill>
+                  <a:srgbClr val="FFFFFF"/>
+                </a:solidFill>
+              </a14:hiddenFill>
+            </a:ext>
+          </a:extLst>
+        </p:spPr>
+      </p:pic>
+      <p:sp>
+        <p:nvSpPr>
+          <p:cNvPr id="75" name="Rectangle 74">
+            <a:extLst>
+              <a:ext uri="{FF2B5EF4-FFF2-40B4-BE49-F238E27FC236}">
+                <a16:creationId xmlns:a16="http://schemas.microsoft.com/office/drawing/2014/main" id="{463E6235-1649-4B47-9862-4026FC473B6F}"/>
+              </a:ext>
+              <a:ext uri="{C183D7F6-B498-43B3-948B-1728B52AA6E4}">
+                <adec:decorative xmlns:adec="http://schemas.microsoft.com/office/drawing/2017/decorative" val="1"/>
+              </a:ext>
+            </a:extLst>
+          </p:cNvPr>
+          <p:cNvSpPr>
+            <a:spLocks noGrp="1" noRot="1" noChangeAspect="1" noMove="1" noResize="1" noEditPoints="1" noAdjustHandles="1" noChangeArrowheads="1" noChangeShapeType="1" noTextEdit="1"/>
+          </p:cNvSpPr>
+          <p:nvPr>
+            <p:extLst>
+              <p:ext uri="{386F3935-93C4-4BCD-93E2-E3B085C9AB24}">
+                <p16:designElem xmlns:p16="http://schemas.microsoft.com/office/powerpoint/2015/main" val="1"/>
+              </p:ext>
+            </p:extLst>
+          </p:nvPr>
+        </p:nvSpPr>
+        <p:spPr>
+          <a:xfrm>
+            <a:off x="6405201" y="623275"/>
+            <a:ext cx="5141626" cy="5607882"/>
+          </a:xfrm>
+          <a:prstGeom prst="rect">
+            <a:avLst/>
+          </a:prstGeom>
+          <a:noFill/>
+          <a:ln w="19050">
+            <a:solidFill>
+              <a:schemeClr val="tx1">
+                <a:lumMod val="75000"/>
+                <a:lumOff val="25000"/>
+              </a:schemeClr>
+            </a:solidFill>
+          </a:ln>
+        </p:spPr>
+        <p:style>
+          <a:lnRef idx="2">
+            <a:schemeClr val="accent1">
+              <a:shade val="50000"/>
+            </a:schemeClr>
+          </a:lnRef>
+          <a:fillRef idx="1">
+            <a:schemeClr val="accent1"/>
+          </a:fillRef>
+          <a:effectRef idx="0">
+            <a:schemeClr val="accent1"/>
+          </a:effectRef>
+          <a:fontRef idx="minor">
+            <a:schemeClr val="lt1"/>
+          </a:fontRef>
+        </p:style>
+        <p:txBody>
+          <a:bodyPr rtlCol="0" anchor="ctr"/>
+          <a:lstStyle/>
+          <a:p>
+            <a:pPr algn="ctr"/>
+            <a:endParaRPr lang="en-US"/>
+          </a:p>
+        </p:txBody>
+      </p:sp>
+    </p:spTree>
+    <p:extLst>
+      <p:ext uri="{BB962C8B-B14F-4D97-AF65-F5344CB8AC3E}">
+        <p14:creationId xmlns:p14="http://schemas.microsoft.com/office/powerpoint/2010/main" val="1300887386"/>
+      </p:ext>
+    </p:extLst>
+  </p:cSld>
+  <p:clrMapOvr>
+    <a:masterClrMapping/>
+  </p:clrMapOvr>
+</p:sld>
+</file>
+
+<file path=ppt/slides/slide7.xml><?xml version="1.0" encoding="utf-8"?>
+<p:sld xmlns:a="http://schemas.openxmlformats.org/drawingml/2006/main" xmlns:r="http://schemas.openxmlformats.org/officeDocument/2006/relationships" xmlns:p="http://schemas.openxmlformats.org/presentationml/2006/main">
+  <p:cSld>
+    <p:bg>
+      <p:bgPr>
+        <a:solidFill>
+          <a:schemeClr val="bg1"/>
+        </a:solidFill>
+        <a:effectLst/>
+      </p:bgPr>
+    </p:bg>
+    <p:spTree>
+      <p:nvGrpSpPr>
+        <p:cNvPr id="1" name=""/>
+        <p:cNvGrpSpPr/>
+        <p:nvPr/>
+      </p:nvGrpSpPr>
+      <p:grpSpPr>
+        <a:xfrm>
+          <a:off x="0" y="0"/>
+          <a:ext cx="0" cy="0"/>
+          <a:chOff x="0" y="0"/>
+          <a:chExt cx="0" cy="0"/>
+        </a:xfrm>
+      </p:grpSpPr>
+      <p:sp useBgFill="1">
+        <p:nvSpPr>
+          <p:cNvPr id="19" name="Rectangle 18">
+            <a:extLst>
+              <a:ext uri="{FF2B5EF4-FFF2-40B4-BE49-F238E27FC236}">
+                <a16:creationId xmlns:a16="http://schemas.microsoft.com/office/drawing/2014/main" id="{B9D7E975-9161-4F2D-AC53-69E1912F6B5D}"/>
+              </a:ext>
+              <a:ext uri="{C183D7F6-B498-43B3-948B-1728B52AA6E4}">
+                <adec:decorative xmlns:adec="http://schemas.microsoft.com/office/drawing/2017/decorative" val="1"/>
+              </a:ext>
+            </a:extLst>
+          </p:cNvPr>
+          <p:cNvSpPr>
+            <a:spLocks noGrp="1" noRot="1" noChangeAspect="1" noMove="1" noResize="1" noEditPoints="1" noAdjustHandles="1" noChangeArrowheads="1" noChangeShapeType="1" noTextEdit="1"/>
+          </p:cNvSpPr>
+          <p:nvPr>
+            <p:extLst>
+              <p:ext uri="{386F3935-93C4-4BCD-93E2-E3B085C9AB24}">
+                <p16:designElem xmlns:p16="http://schemas.microsoft.com/office/powerpoint/2015/main" val="1"/>
+              </p:ext>
+            </p:extLst>
+          </p:nvPr>
+        </p:nvSpPr>
+        <p:spPr>
+          <a:xfrm>
+            <a:off x="0" y="0"/>
+            <a:ext cx="12192000" cy="6858000"/>
+          </a:xfrm>
+          <a:prstGeom prst="rect">
+            <a:avLst/>
+          </a:prstGeom>
+          <a:ln>
+            <a:noFill/>
+          </a:ln>
+        </p:spPr>
+        <p:style>
+          <a:lnRef idx="2">
+            <a:schemeClr val="accent1">
+              <a:shade val="50000"/>
+            </a:schemeClr>
+          </a:lnRef>
+          <a:fillRef idx="1">
+            <a:schemeClr val="accent1"/>
+          </a:fillRef>
+          <a:effectRef idx="0">
+            <a:schemeClr val="accent1"/>
+          </a:effectRef>
+          <a:fontRef idx="minor">
+            <a:schemeClr val="lt1"/>
+          </a:fontRef>
+        </p:style>
+        <p:txBody>
+          <a:bodyPr rtlCol="0" anchor="ctr"/>
+          <a:lstStyle/>
+          <a:p>
+            <a:pPr algn="ctr"/>
+            <a:endParaRPr lang="en-US"/>
+          </a:p>
+        </p:txBody>
+      </p:sp>
+      <p:sp>
+        <p:nvSpPr>
+          <p:cNvPr id="21" name="Right Triangle 20">
+            <a:extLst>
+              <a:ext uri="{FF2B5EF4-FFF2-40B4-BE49-F238E27FC236}">
+                <a16:creationId xmlns:a16="http://schemas.microsoft.com/office/drawing/2014/main" id="{827DC2C4-B485-428A-BF4A-472D2967F47F}"/>
+              </a:ext>
+              <a:ext uri="{C183D7F6-B498-43B3-948B-1728B52AA6E4}">
+                <adec:decorative xmlns:adec="http://schemas.microsoft.com/office/drawing/2017/decorative" val="1"/>
+              </a:ext>
+            </a:extLst>
+          </p:cNvPr>
+          <p:cNvSpPr>
+            <a:spLocks noGrp="1" noRot="1" noChangeAspect="1" noMove="1" noResize="1" noEditPoints="1" noAdjustHandles="1" noChangeArrowheads="1" noChangeShapeType="1" noTextEdit="1"/>
+          </p:cNvSpPr>
+          <p:nvPr>
+            <p:extLst>
+              <p:ext uri="{386F3935-93C4-4BCD-93E2-E3B085C9AB24}">
+                <p16:designElem xmlns:p16="http://schemas.microsoft.com/office/powerpoint/2015/main" val="1"/>
+              </p:ext>
+            </p:extLst>
+          </p:nvPr>
+        </p:nvSpPr>
+        <p:spPr>
+          <a:xfrm flipH="1">
+            <a:off x="8576720" y="3335867"/>
+            <a:ext cx="3291840" cy="3200400"/>
+          </a:xfrm>
+          <a:prstGeom prst="rtTriangle">
+            <a:avLst/>
+          </a:prstGeom>
+          <a:solidFill>
+            <a:schemeClr val="accent4"/>
+          </a:solidFill>
+          <a:ln>
+            <a:noFill/>
+          </a:ln>
+        </p:spPr>
+        <p:style>
+          <a:lnRef idx="2">
+            <a:schemeClr val="accent1">
+              <a:shade val="50000"/>
+            </a:schemeClr>
+          </a:lnRef>
+          <a:fillRef idx="1">
+            <a:schemeClr val="accent1"/>
+          </a:fillRef>
+          <a:effectRef idx="0">
+            <a:schemeClr val="accent1"/>
+          </a:effectRef>
+          <a:fontRef idx="minor">
+            <a:schemeClr val="lt1"/>
+          </a:fontRef>
+        </p:style>
+        <p:txBody>
+          <a:bodyPr rtlCol="0" anchor="ctr"/>
+          <a:lstStyle/>
+          <a:p>
+            <a:pPr algn="ctr"/>
+            <a:endParaRPr lang="en-US" dirty="0"/>
+          </a:p>
+        </p:txBody>
+      </p:sp>
+      <p:sp>
+        <p:nvSpPr>
+          <p:cNvPr id="2" name="Title 1">
+            <a:extLst>
+              <a:ext uri="{FF2B5EF4-FFF2-40B4-BE49-F238E27FC236}">
+                <a16:creationId xmlns:a16="http://schemas.microsoft.com/office/drawing/2014/main" id="{D7D178F9-3287-4977-8BBF-41764A68968F}"/>
+              </a:ext>
+            </a:extLst>
+          </p:cNvPr>
+          <p:cNvSpPr>
+            <a:spLocks noGrp="1"/>
+          </p:cNvSpPr>
+          <p:nvPr>
+            <p:ph type="title"/>
+          </p:nvPr>
+        </p:nvSpPr>
+        <p:spPr>
+          <a:xfrm>
+            <a:off x="6889833" y="1056640"/>
+            <a:ext cx="4360324" cy="3494398"/>
+          </a:xfrm>
+        </p:spPr>
+        <p:txBody>
+          <a:bodyPr vert="horz" lIns="91440" tIns="45720" rIns="91440" bIns="45720" rtlCol="0" anchor="b">
+            <a:normAutofit/>
+          </a:bodyPr>
+          <a:lstStyle/>
+          <a:p>
+            <a:r>
+              <a:rPr lang="en-US" sz="4500" b="1" i="0">
+                <a:effectLst/>
+              </a:rPr>
+              <a:t>PDF (probability density function)</a:t>
+            </a:r>
+            <a:br>
+              <a:rPr lang="en-US" sz="4500" b="1" i="0">
+                <a:effectLst/>
+              </a:rPr>
+            </a:br>
+            <a:br>
+              <a:rPr lang="en-US" sz="4500" b="1" i="0">
+                <a:effectLst/>
+              </a:rPr>
+            </a:br>
+            <a:endParaRPr lang="en-US" sz="4500"/>
+          </a:p>
+        </p:txBody>
+      </p:sp>
+      <p:pic>
+        <p:nvPicPr>
+          <p:cNvPr id="9" name="Picture 2">
+            <a:extLst>
+              <a:ext uri="{FF2B5EF4-FFF2-40B4-BE49-F238E27FC236}">
+                <a16:creationId xmlns:a16="http://schemas.microsoft.com/office/drawing/2014/main" id="{D070EE73-1DC4-4727-BA15-2691D216C17C}"/>
+              </a:ext>
+            </a:extLst>
+          </p:cNvPr>
+          <p:cNvPicPr>
+            <a:picLocks noGrp="1" noChangeAspect="1" noChangeArrowheads="1"/>
+          </p:cNvPicPr>
+          <p:nvPr>
+            <p:ph idx="1"/>
+          </p:nvPr>
+        </p:nvPicPr>
+        <p:blipFill rotWithShape="1">
+          <a:blip r:embed="rId2">
+            <a:extLst>
+              <a:ext uri="{28A0092B-C50C-407E-A947-70E740481C1C}">
+                <a14:useLocalDpi xmlns:a14="http://schemas.microsoft.com/office/drawing/2010/main" val="0"/>
+              </a:ext>
+            </a:extLst>
+          </a:blip>
+          <a:srcRect l="22695" r="8798" b="1"/>
+          <a:stretch/>
+        </p:blipFill>
+        <p:spPr bwMode="auto">
+          <a:xfrm>
+            <a:off x="621675" y="623275"/>
+            <a:ext cx="5474323" cy="5607882"/>
+          </a:xfrm>
+          <a:prstGeom prst="rect">
+            <a:avLst/>
+          </a:prstGeom>
+          <a:noFill/>
+          <a:extLst>
+            <a:ext uri="{909E8E84-426E-40DD-AFC4-6F175D3DCCD1}">
+              <a14:hiddenFill xmlns:a14="http://schemas.microsoft.com/office/drawing/2010/main">
+                <a:solidFill>
+                  <a:srgbClr val="FFFFFF"/>
+                </a:solidFill>
+              </a14:hiddenFill>
+            </a:ext>
+          </a:extLst>
+        </p:spPr>
+      </p:pic>
+      <p:sp>
+        <p:nvSpPr>
+          <p:cNvPr id="23" name="Rectangle 22">
+            <a:extLst>
+              <a:ext uri="{FF2B5EF4-FFF2-40B4-BE49-F238E27FC236}">
+                <a16:creationId xmlns:a16="http://schemas.microsoft.com/office/drawing/2014/main" id="{463E6235-1649-4B47-9862-4026FC473B6F}"/>
+              </a:ext>
+              <a:ext uri="{C183D7F6-B498-43B3-948B-1728B52AA6E4}">
+                <adec:decorative xmlns:adec="http://schemas.microsoft.com/office/drawing/2017/decorative" val="1"/>
+              </a:ext>
+            </a:extLst>
+          </p:cNvPr>
+          <p:cNvSpPr>
+            <a:spLocks noGrp="1" noRot="1" noChangeAspect="1" noMove="1" noResize="1" noEditPoints="1" noAdjustHandles="1" noChangeArrowheads="1" noChangeShapeType="1" noTextEdit="1"/>
+          </p:cNvSpPr>
+          <p:nvPr>
+            <p:extLst>
+              <p:ext uri="{386F3935-93C4-4BCD-93E2-E3B085C9AB24}">
+                <p16:designElem xmlns:p16="http://schemas.microsoft.com/office/powerpoint/2015/main" val="1"/>
+              </p:ext>
+            </p:extLst>
+          </p:nvPr>
+        </p:nvSpPr>
+        <p:spPr>
+          <a:xfrm>
+            <a:off x="6405201" y="623275"/>
+            <a:ext cx="5141626" cy="5607882"/>
+          </a:xfrm>
+          <a:prstGeom prst="rect">
+            <a:avLst/>
+          </a:prstGeom>
+          <a:noFill/>
+          <a:ln w="19050">
+            <a:solidFill>
+              <a:schemeClr val="tx1">
+                <a:lumMod val="75000"/>
+                <a:lumOff val="25000"/>
+              </a:schemeClr>
+            </a:solidFill>
+          </a:ln>
+        </p:spPr>
+        <p:style>
+          <a:lnRef idx="2">
+            <a:schemeClr val="accent1">
+              <a:shade val="50000"/>
+            </a:schemeClr>
+          </a:lnRef>
+          <a:fillRef idx="1">
+            <a:schemeClr val="accent1"/>
+          </a:fillRef>
+          <a:effectRef idx="0">
+            <a:schemeClr val="accent1"/>
+          </a:effectRef>
+          <a:fontRef idx="minor">
+            <a:schemeClr val="lt1"/>
+          </a:fontRef>
+        </p:style>
+        <p:txBody>
+          <a:bodyPr rtlCol="0" anchor="ctr"/>
+          <a:lstStyle/>
+          <a:p>
+            <a:pPr algn="ctr"/>
+            <a:endParaRPr lang="en-US"/>
+          </a:p>
+        </p:txBody>
+      </p:sp>
+    </p:spTree>
+    <p:extLst>
+      <p:ext uri="{BB962C8B-B14F-4D97-AF65-F5344CB8AC3E}">
+        <p14:creationId xmlns:p14="http://schemas.microsoft.com/office/powerpoint/2010/main" val="4215741053"/>
+      </p:ext>
+    </p:extLst>
+  </p:cSld>
+  <p:clrMapOvr>
+    <a:masterClrMapping/>
+  </p:clrMapOvr>
+</p:sld>
+</file>
+
+<file path=ppt/slides/slide8.xml><?xml version="1.0" encoding="utf-8"?>
+<p:sld xmlns:a="http://schemas.openxmlformats.org/drawingml/2006/main" xmlns:r="http://schemas.openxmlformats.org/officeDocument/2006/relationships" xmlns:p="http://schemas.openxmlformats.org/presentationml/2006/main">
+  <p:cSld>
+    <p:bg>
+      <p:bgPr>
+        <a:solidFill>
+          <a:schemeClr val="bg1"/>
+        </a:solidFill>
+        <a:effectLst/>
+      </p:bgPr>
+    </p:bg>
+    <p:spTree>
+      <p:nvGrpSpPr>
+        <p:cNvPr id="1" name=""/>
+        <p:cNvGrpSpPr/>
+        <p:nvPr/>
+      </p:nvGrpSpPr>
+      <p:grpSpPr>
+        <a:xfrm>
+          <a:off x="0" y="0"/>
+          <a:ext cx="0" cy="0"/>
+          <a:chOff x="0" y="0"/>
+          <a:chExt cx="0" cy="0"/>
+        </a:xfrm>
+      </p:grpSpPr>
+      <p:sp useBgFill="1">
+        <p:nvSpPr>
+          <p:cNvPr id="71" name="Rectangle 70">
+            <a:extLst>
+              <a:ext uri="{FF2B5EF4-FFF2-40B4-BE49-F238E27FC236}">
+                <a16:creationId xmlns:a16="http://schemas.microsoft.com/office/drawing/2014/main" id="{B9D7E975-9161-4F2D-AC53-69E1912F6B5D}"/>
+              </a:ext>
+              <a:ext uri="{C183D7F6-B498-43B3-948B-1728B52AA6E4}">
+                <adec:decorative xmlns:adec="http://schemas.microsoft.com/office/drawing/2017/decorative" val="1"/>
+              </a:ext>
+            </a:extLst>
+          </p:cNvPr>
+          <p:cNvSpPr>
+            <a:spLocks noGrp="1" noRot="1" noChangeAspect="1" noMove="1" noResize="1" noEditPoints="1" noAdjustHandles="1" noChangeArrowheads="1" noChangeShapeType="1" noTextEdit="1"/>
+          </p:cNvSpPr>
+          <p:nvPr>
+            <p:extLst>
+              <p:ext uri="{386F3935-93C4-4BCD-93E2-E3B085C9AB24}">
+                <p16:designElem xmlns:p16="http://schemas.microsoft.com/office/powerpoint/2015/main" val="1"/>
+              </p:ext>
+            </p:extLst>
+          </p:nvPr>
+        </p:nvSpPr>
+        <p:spPr>
+          <a:xfrm>
+            <a:off x="0" y="0"/>
+            <a:ext cx="12192000" cy="6858000"/>
+          </a:xfrm>
+          <a:prstGeom prst="rect">
+            <a:avLst/>
+          </a:prstGeom>
+          <a:ln>
+            <a:noFill/>
+          </a:ln>
+        </p:spPr>
+        <p:style>
+          <a:lnRef idx="2">
+            <a:schemeClr val="accent1">
+              <a:shade val="50000"/>
+            </a:schemeClr>
+          </a:lnRef>
+          <a:fillRef idx="1">
+            <a:schemeClr val="accent1"/>
+          </a:fillRef>
+          <a:effectRef idx="0">
+            <a:schemeClr val="accent1"/>
+          </a:effectRef>
+          <a:fontRef idx="minor">
+            <a:schemeClr val="lt1"/>
+          </a:fontRef>
+        </p:style>
+        <p:txBody>
+          <a:bodyPr rtlCol="0" anchor="ctr"/>
+          <a:lstStyle/>
+          <a:p>
+            <a:pPr algn="ctr"/>
+            <a:endParaRPr lang="en-US"/>
+          </a:p>
+        </p:txBody>
+      </p:sp>
+      <p:sp>
+        <p:nvSpPr>
+          <p:cNvPr id="73" name="Right Triangle 72">
+            <a:extLst>
+              <a:ext uri="{FF2B5EF4-FFF2-40B4-BE49-F238E27FC236}">
+                <a16:creationId xmlns:a16="http://schemas.microsoft.com/office/drawing/2014/main" id="{827DC2C4-B485-428A-BF4A-472D2967F47F}"/>
+              </a:ext>
+              <a:ext uri="{C183D7F6-B498-43B3-948B-1728B52AA6E4}">
+                <adec:decorative xmlns:adec="http://schemas.microsoft.com/office/drawing/2017/decorative" val="1"/>
+              </a:ext>
+            </a:extLst>
+          </p:cNvPr>
+          <p:cNvSpPr>
+            <a:spLocks noGrp="1" noRot="1" noChangeAspect="1" noMove="1" noResize="1" noEditPoints="1" noAdjustHandles="1" noChangeArrowheads="1" noChangeShapeType="1" noTextEdit="1"/>
+          </p:cNvSpPr>
+          <p:nvPr>
+            <p:extLst>
+              <p:ext uri="{386F3935-93C4-4BCD-93E2-E3B085C9AB24}">
+                <p16:designElem xmlns:p16="http://schemas.microsoft.com/office/powerpoint/2015/main" val="1"/>
+              </p:ext>
+            </p:extLst>
+          </p:nvPr>
+        </p:nvSpPr>
+        <p:spPr>
+          <a:xfrm flipH="1">
+            <a:off x="8576720" y="3335867"/>
+            <a:ext cx="3291840" cy="3200400"/>
+          </a:xfrm>
+          <a:prstGeom prst="rtTriangle">
+            <a:avLst/>
+          </a:prstGeom>
+          <a:solidFill>
+            <a:schemeClr val="accent4"/>
+          </a:solidFill>
+          <a:ln>
+            <a:noFill/>
+          </a:ln>
+        </p:spPr>
+        <p:style>
+          <a:lnRef idx="2">
+            <a:schemeClr val="accent1">
+              <a:shade val="50000"/>
+            </a:schemeClr>
+          </a:lnRef>
+          <a:fillRef idx="1">
+            <a:schemeClr val="accent1"/>
+          </a:fillRef>
+          <a:effectRef idx="0">
+            <a:schemeClr val="accent1"/>
+          </a:effectRef>
+          <a:fontRef idx="minor">
+            <a:schemeClr val="lt1"/>
+          </a:fontRef>
+        </p:style>
+        <p:txBody>
+          <a:bodyPr rtlCol="0" anchor="ctr"/>
+          <a:lstStyle/>
+          <a:p>
+            <a:pPr algn="ctr"/>
+            <a:endParaRPr lang="en-US" dirty="0"/>
+          </a:p>
+        </p:txBody>
+      </p:sp>
+      <p:sp>
+        <p:nvSpPr>
+          <p:cNvPr id="2" name="Title 1">
+            <a:extLst>
+              <a:ext uri="{FF2B5EF4-FFF2-40B4-BE49-F238E27FC236}">
+                <a16:creationId xmlns:a16="http://schemas.microsoft.com/office/drawing/2014/main" id="{D7D178F9-3287-4977-8BBF-41764A68968F}"/>
+              </a:ext>
+            </a:extLst>
+          </p:cNvPr>
+          <p:cNvSpPr>
+            <a:spLocks noGrp="1"/>
+          </p:cNvSpPr>
+          <p:nvPr>
+            <p:ph type="title"/>
+          </p:nvPr>
+        </p:nvSpPr>
+        <p:spPr>
+          <a:xfrm>
+            <a:off x="6889833" y="1056640"/>
+            <a:ext cx="4360324" cy="3494398"/>
+          </a:xfrm>
+        </p:spPr>
+        <p:txBody>
+          <a:bodyPr vert="horz" lIns="91440" tIns="45720" rIns="91440" bIns="45720" rtlCol="0" anchor="b">
+            <a:normAutofit/>
+          </a:bodyPr>
+          <a:lstStyle/>
+          <a:p>
+            <a:r>
+              <a:rPr lang="en-US" sz="2900" b="1" i="0">
+                <a:effectLst/>
+              </a:rPr>
+              <a:t>Confirmed </a:t>
+            </a:r>
+            <a:br>
+              <a:rPr lang="en-US" sz="2900" b="1" i="0">
+                <a:effectLst/>
+              </a:rPr>
+            </a:br>
+            <a:r>
+              <a:rPr lang="en-US" sz="2900" b="1" i="0">
+                <a:effectLst/>
+              </a:rPr>
+              <a:t>vs </a:t>
+            </a:r>
+            <a:br>
+              <a:rPr lang="en-US" sz="2900" b="1" i="0">
+                <a:effectLst/>
+              </a:rPr>
+            </a:br>
+            <a:r>
+              <a:rPr lang="en-US" sz="2900" b="1" i="0">
+                <a:effectLst/>
+              </a:rPr>
+              <a:t>Death cases</a:t>
+            </a:r>
+            <a:br>
+              <a:rPr lang="en-US" sz="2900" b="1" i="0">
+                <a:effectLst/>
+              </a:rPr>
+            </a:br>
+            <a:br>
+              <a:rPr lang="en-US" sz="2900" b="1" i="0">
+                <a:effectLst/>
+              </a:rPr>
+            </a:br>
+            <a:r>
+              <a:rPr lang="en-US" sz="2900" b="1" i="0">
+                <a:effectLst/>
+              </a:rPr>
+              <a:t>with the Fitted line - Slope</a:t>
+            </a:r>
+            <a:br>
+              <a:rPr lang="en-US" sz="2900" b="1" i="0">
+                <a:effectLst/>
+              </a:rPr>
+            </a:br>
+            <a:br>
+              <a:rPr lang="en-US" sz="2900" b="1" i="0">
+                <a:effectLst/>
+              </a:rPr>
+            </a:br>
+            <a:br>
+              <a:rPr lang="en-US" sz="2900" b="1" i="0">
+                <a:effectLst/>
+              </a:rPr>
+            </a:br>
+            <a:endParaRPr lang="en-US" sz="2900"/>
+          </a:p>
+        </p:txBody>
+      </p:sp>
+      <p:pic>
+        <p:nvPicPr>
+          <p:cNvPr id="7170" name="Picture 2">
+            <a:extLst>
+              <a:ext uri="{FF2B5EF4-FFF2-40B4-BE49-F238E27FC236}">
+                <a16:creationId xmlns:a16="http://schemas.microsoft.com/office/drawing/2014/main" id="{D3F8A53B-A66B-41BA-B9C5-0D322ACE52B3}"/>
+              </a:ext>
+            </a:extLst>
+          </p:cNvPr>
+          <p:cNvPicPr>
+            <a:picLocks noGrp="1" noChangeAspect="1" noChangeArrowheads="1"/>
+          </p:cNvPicPr>
+          <p:nvPr>
+            <p:ph idx="1"/>
+          </p:nvPr>
+        </p:nvPicPr>
+        <p:blipFill rotWithShape="1">
+          <a:blip r:embed="rId2">
+            <a:extLst>
+              <a:ext uri="{28A0092B-C50C-407E-A947-70E740481C1C}">
+                <a14:useLocalDpi xmlns:a14="http://schemas.microsoft.com/office/drawing/2010/main" val="0"/>
+              </a:ext>
+            </a:extLst>
+          </a:blip>
+          <a:srcRect l="18100" r="19480" b="-1"/>
+          <a:stretch/>
+        </p:blipFill>
+        <p:spPr bwMode="auto">
+          <a:xfrm>
+            <a:off x="621675" y="623275"/>
+            <a:ext cx="5474323" cy="5607882"/>
+          </a:xfrm>
+          <a:prstGeom prst="rect">
+            <a:avLst/>
+          </a:prstGeom>
+          <a:noFill/>
+          <a:extLst>
+            <a:ext uri="{909E8E84-426E-40DD-AFC4-6F175D3DCCD1}">
+              <a14:hiddenFill xmlns:a14="http://schemas.microsoft.com/office/drawing/2010/main">
+                <a:solidFill>
+                  <a:srgbClr val="FFFFFF"/>
+                </a:solidFill>
+              </a14:hiddenFill>
+            </a:ext>
+          </a:extLst>
+        </p:spPr>
+      </p:pic>
+      <p:sp>
+        <p:nvSpPr>
+          <p:cNvPr id="75" name="Rectangle 74">
+            <a:extLst>
+              <a:ext uri="{FF2B5EF4-FFF2-40B4-BE49-F238E27FC236}">
+                <a16:creationId xmlns:a16="http://schemas.microsoft.com/office/drawing/2014/main" id="{463E6235-1649-4B47-9862-4026FC473B6F}"/>
+              </a:ext>
+              <a:ext uri="{C183D7F6-B498-43B3-948B-1728B52AA6E4}">
+                <adec:decorative xmlns:adec="http://schemas.microsoft.com/office/drawing/2017/decorative" val="1"/>
+              </a:ext>
+            </a:extLst>
+          </p:cNvPr>
+          <p:cNvSpPr>
+            <a:spLocks noGrp="1" noRot="1" noChangeAspect="1" noMove="1" noResize="1" noEditPoints="1" noAdjustHandles="1" noChangeArrowheads="1" noChangeShapeType="1" noTextEdit="1"/>
+          </p:cNvSpPr>
+          <p:nvPr>
+            <p:extLst>
+              <p:ext uri="{386F3935-93C4-4BCD-93E2-E3B085C9AB24}">
+                <p16:designElem xmlns:p16="http://schemas.microsoft.com/office/powerpoint/2015/main" val="1"/>
+              </p:ext>
+            </p:extLst>
+          </p:nvPr>
+        </p:nvSpPr>
+        <p:spPr>
+          <a:xfrm>
+            <a:off x="6405201" y="623275"/>
+            <a:ext cx="5141626" cy="5607882"/>
+          </a:xfrm>
+          <a:prstGeom prst="rect">
+            <a:avLst/>
+          </a:prstGeom>
+          <a:noFill/>
+          <a:ln w="19050">
+            <a:solidFill>
+              <a:schemeClr val="tx1">
+                <a:lumMod val="75000"/>
+                <a:lumOff val="25000"/>
+              </a:schemeClr>
+            </a:solidFill>
+          </a:ln>
+        </p:spPr>
+        <p:style>
+          <a:lnRef idx="2">
+            <a:schemeClr val="accent1">
+              <a:shade val="50000"/>
+            </a:schemeClr>
+          </a:lnRef>
+          <a:fillRef idx="1">
+            <a:schemeClr val="accent1"/>
+          </a:fillRef>
+          <a:effectRef idx="0">
+            <a:schemeClr val="accent1"/>
+          </a:effectRef>
+          <a:fontRef idx="minor">
+            <a:schemeClr val="lt1"/>
+          </a:fontRef>
+        </p:style>
+        <p:txBody>
+          <a:bodyPr rtlCol="0" anchor="ctr"/>
+          <a:lstStyle/>
+          <a:p>
+            <a:pPr algn="ctr"/>
+            <a:endParaRPr lang="en-US"/>
+          </a:p>
+        </p:txBody>
+      </p:sp>
+    </p:spTree>
+    <p:extLst>
+      <p:ext uri="{BB962C8B-B14F-4D97-AF65-F5344CB8AC3E}">
+        <p14:creationId xmlns:p14="http://schemas.microsoft.com/office/powerpoint/2010/main" val="2065990780"/>
+      </p:ext>
+    </p:extLst>
+  </p:cSld>
+  <p:clrMapOvr>
+    <a:masterClrMapping/>
+  </p:clrMapOvr>
+</p:sld>
+</file>
+
+<file path=ppt/slides/slide9.xml><?xml version="1.0" encoding="utf-8"?>
+<p:sld xmlns:a="http://schemas.openxmlformats.org/drawingml/2006/main" xmlns:r="http://schemas.openxmlformats.org/officeDocument/2006/relationships" xmlns:p="http://schemas.openxmlformats.org/presentationml/2006/main">
+  <p:cSld>
+    <p:bg>
+      <p:bgPr>
+        <a:solidFill>
+          <a:schemeClr val="bg1"/>
+        </a:solidFill>
+        <a:effectLst/>
+      </p:bgPr>
+    </p:bg>
+    <p:spTree>
+      <p:nvGrpSpPr>
+        <p:cNvPr id="1" name=""/>
+        <p:cNvGrpSpPr/>
+        <p:nvPr/>
+      </p:nvGrpSpPr>
+      <p:grpSpPr>
+        <a:xfrm>
+          <a:off x="0" y="0"/>
+          <a:ext cx="0" cy="0"/>
+          <a:chOff x="0" y="0"/>
+          <a:chExt cx="0" cy="0"/>
+        </a:xfrm>
+      </p:grpSpPr>
+      <p:sp useBgFill="1">
+        <p:nvSpPr>
+          <p:cNvPr id="19" name="Rectangle 18">
+            <a:extLst>
+              <a:ext uri="{FF2B5EF4-FFF2-40B4-BE49-F238E27FC236}">
+                <a16:creationId xmlns:a16="http://schemas.microsoft.com/office/drawing/2014/main" id="{B9D7E975-9161-4F2D-AC53-69E1912F6B5D}"/>
+              </a:ext>
+              <a:ext uri="{C183D7F6-B498-43B3-948B-1728B52AA6E4}">
+                <adec:decorative xmlns:adec="http://schemas.microsoft.com/office/drawing/2017/decorative" val="1"/>
+              </a:ext>
+            </a:extLst>
+          </p:cNvPr>
+          <p:cNvSpPr>
+            <a:spLocks noGrp="1" noRot="1" noChangeAspect="1" noMove="1" noResize="1" noEditPoints="1" noAdjustHandles="1" noChangeArrowheads="1" noChangeShapeType="1" noTextEdit="1"/>
+          </p:cNvSpPr>
+          <p:nvPr>
+            <p:extLst>
+              <p:ext uri="{386F3935-93C4-4BCD-93E2-E3B085C9AB24}">
+                <p16:designElem xmlns:p16="http://schemas.microsoft.com/office/powerpoint/2015/main" val="1"/>
+              </p:ext>
+            </p:extLst>
+          </p:nvPr>
+        </p:nvSpPr>
+        <p:spPr>
+          <a:xfrm>
+            <a:off x="0" y="0"/>
+            <a:ext cx="12192000" cy="6858000"/>
+          </a:xfrm>
+          <a:prstGeom prst="rect">
+            <a:avLst/>
+          </a:prstGeom>
+          <a:ln>
+            <a:noFill/>
+          </a:ln>
+        </p:spPr>
+        <p:style>
+          <a:lnRef idx="2">
+            <a:schemeClr val="accent1">
+              <a:shade val="50000"/>
+            </a:schemeClr>
+          </a:lnRef>
+          <a:fillRef idx="1">
+            <a:schemeClr val="accent1"/>
+          </a:fillRef>
+          <a:effectRef idx="0">
+            <a:schemeClr val="accent1"/>
+          </a:effectRef>
+          <a:fontRef idx="minor">
+            <a:schemeClr val="lt1"/>
+          </a:fontRef>
+        </p:style>
+        <p:txBody>
+          <a:bodyPr rtlCol="0" anchor="ctr"/>
+          <a:lstStyle/>
+          <a:p>
+            <a:pPr algn="ctr"/>
+            <a:endParaRPr lang="en-US"/>
+          </a:p>
+        </p:txBody>
+      </p:sp>
+      <p:sp>
+        <p:nvSpPr>
+          <p:cNvPr id="21" name="Right Triangle 20">
+            <a:extLst>
+              <a:ext uri="{FF2B5EF4-FFF2-40B4-BE49-F238E27FC236}">
+                <a16:creationId xmlns:a16="http://schemas.microsoft.com/office/drawing/2014/main" id="{827DC2C4-B485-428A-BF4A-472D2967F47F}"/>
+              </a:ext>
+              <a:ext uri="{C183D7F6-B498-43B3-948B-1728B52AA6E4}">
+                <adec:decorative xmlns:adec="http://schemas.microsoft.com/office/drawing/2017/decorative" val="1"/>
+              </a:ext>
+            </a:extLst>
+          </p:cNvPr>
+          <p:cNvSpPr>
+            <a:spLocks noGrp="1" noRot="1" noChangeAspect="1" noMove="1" noResize="1" noEditPoints="1" noAdjustHandles="1" noChangeArrowheads="1" noChangeShapeType="1" noTextEdit="1"/>
+          </p:cNvSpPr>
+          <p:nvPr>
+            <p:extLst>
+              <p:ext uri="{386F3935-93C4-4BCD-93E2-E3B085C9AB24}">
+                <p16:designElem xmlns:p16="http://schemas.microsoft.com/office/powerpoint/2015/main" val="1"/>
+              </p:ext>
+            </p:extLst>
+          </p:nvPr>
+        </p:nvSpPr>
+        <p:spPr>
+          <a:xfrm flipH="1">
+            <a:off x="8576720" y="3335867"/>
+            <a:ext cx="3291840" cy="3200400"/>
+          </a:xfrm>
+          <a:prstGeom prst="rtTriangle">
+            <a:avLst/>
+          </a:prstGeom>
+          <a:solidFill>
+            <a:schemeClr val="accent4"/>
+          </a:solidFill>
+          <a:ln>
+            <a:noFill/>
+          </a:ln>
+        </p:spPr>
+        <p:style>
+          <a:lnRef idx="2">
+            <a:schemeClr val="accent1">
+              <a:shade val="50000"/>
+            </a:schemeClr>
+          </a:lnRef>
+          <a:fillRef idx="1">
+            <a:schemeClr val="accent1"/>
+          </a:fillRef>
+          <a:effectRef idx="0">
+            <a:schemeClr val="accent1"/>
+          </a:effectRef>
+          <a:fontRef idx="minor">
+            <a:schemeClr val="lt1"/>
+          </a:fontRef>
+        </p:style>
+        <p:txBody>
+          <a:bodyPr rtlCol="0" anchor="ctr"/>
+          <a:lstStyle/>
+          <a:p>
+            <a:pPr algn="ctr"/>
+            <a:endParaRPr lang="en-US" dirty="0"/>
+          </a:p>
+        </p:txBody>
+      </p:sp>
+      <p:sp>
+        <p:nvSpPr>
+          <p:cNvPr id="2" name="Title 1">
+            <a:extLst>
+              <a:ext uri="{FF2B5EF4-FFF2-40B4-BE49-F238E27FC236}">
+                <a16:creationId xmlns:a16="http://schemas.microsoft.com/office/drawing/2014/main" id="{D7D178F9-3287-4977-8BBF-41764A68968F}"/>
+              </a:ext>
+            </a:extLst>
+          </p:cNvPr>
+          <p:cNvSpPr>
+            <a:spLocks noGrp="1"/>
+          </p:cNvSpPr>
+          <p:nvPr>
+            <p:ph type="title"/>
+          </p:nvPr>
+        </p:nvSpPr>
+        <p:spPr>
+          <a:xfrm>
+            <a:off x="6889833" y="1056640"/>
+            <a:ext cx="4360324" cy="3494398"/>
+          </a:xfrm>
+        </p:spPr>
+        <p:txBody>
+          <a:bodyPr vert="horz" lIns="91440" tIns="45720" rIns="91440" bIns="45720" rtlCol="0" anchor="b">
+            <a:normAutofit/>
+          </a:bodyPr>
+          <a:lstStyle/>
+          <a:p>
+            <a:r>
+              <a:rPr lang="en-US" sz="4000" b="1" i="0">
+                <a:effectLst/>
+              </a:rPr>
+              <a:t>Linear Regression - Death vs Cases</a:t>
+            </a:r>
+            <a:br>
+              <a:rPr lang="en-US" sz="4000" b="1" i="0">
+                <a:effectLst/>
+              </a:rPr>
+            </a:br>
+            <a:br>
+              <a:rPr lang="en-US" sz="4000" b="1" i="0">
+                <a:effectLst/>
+              </a:rPr>
+            </a:br>
+            <a:br>
+              <a:rPr lang="en-US" sz="4000" b="1" i="0">
+                <a:effectLst/>
+              </a:rPr>
+            </a:br>
+            <a:br>
+              <a:rPr lang="en-US" sz="4000" b="1" i="0">
+                <a:effectLst/>
+              </a:rPr>
+            </a:br>
+            <a:endParaRPr lang="en-US" sz="4000"/>
+          </a:p>
+        </p:txBody>
+      </p:sp>
+      <p:pic>
+        <p:nvPicPr>
+          <p:cNvPr id="5" name="Content Placeholder 4">
+            <a:extLst>
+              <a:ext uri="{FF2B5EF4-FFF2-40B4-BE49-F238E27FC236}">
+                <a16:creationId xmlns:a16="http://schemas.microsoft.com/office/drawing/2014/main" id="{7BD726D4-16F6-4E14-8E0C-8F7AF1FC7DFA}"/>
+              </a:ext>
+            </a:extLst>
+          </p:cNvPr>
+          <p:cNvPicPr>
+            <a:picLocks noGrp="1" noChangeAspect="1"/>
+          </p:cNvPicPr>
+          <p:nvPr>
+            <p:ph idx="1"/>
+          </p:nvPr>
+        </p:nvPicPr>
+        <p:blipFill rotWithShape="1">
+          <a:blip r:embed="rId2"/>
+          <a:srcRect r="4285" b="-4"/>
+          <a:stretch/>
+        </p:blipFill>
+        <p:spPr>
+          <a:xfrm>
+            <a:off x="621675" y="623275"/>
+            <a:ext cx="5474323" cy="5607882"/>
+          </a:xfrm>
+          <a:prstGeom prst="rect">
+            <a:avLst/>
+          </a:prstGeom>
+        </p:spPr>
+      </p:pic>
+      <p:sp>
+        <p:nvSpPr>
+          <p:cNvPr id="23" name="Rectangle 22">
+            <a:extLst>
+              <a:ext uri="{FF2B5EF4-FFF2-40B4-BE49-F238E27FC236}">
+                <a16:creationId xmlns:a16="http://schemas.microsoft.com/office/drawing/2014/main" id="{463E6235-1649-4B47-9862-4026FC473B6F}"/>
+              </a:ext>
+              <a:ext uri="{C183D7F6-B498-43B3-948B-1728B52AA6E4}">
+                <adec:decorative xmlns:adec="http://schemas.microsoft.com/office/drawing/2017/decorative" val="1"/>
+              </a:ext>
+            </a:extLst>
+          </p:cNvPr>
+          <p:cNvSpPr>
+            <a:spLocks noGrp="1" noRot="1" noChangeAspect="1" noMove="1" noResize="1" noEditPoints="1" noAdjustHandles="1" noChangeArrowheads="1" noChangeShapeType="1" noTextEdit="1"/>
+          </p:cNvSpPr>
+          <p:nvPr>
+            <p:extLst>
+              <p:ext uri="{386F3935-93C4-4BCD-93E2-E3B085C9AB24}">
+                <p16:designElem xmlns:p16="http://schemas.microsoft.com/office/powerpoint/2015/main" val="1"/>
+              </p:ext>
+            </p:extLst>
+          </p:nvPr>
+        </p:nvSpPr>
+        <p:spPr>
+          <a:xfrm>
+            <a:off x="6405201" y="623275"/>
+            <a:ext cx="5141626" cy="5607882"/>
+          </a:xfrm>
+          <a:prstGeom prst="rect">
+            <a:avLst/>
+          </a:prstGeom>
+          <a:noFill/>
+          <a:ln w="19050">
+            <a:solidFill>
+              <a:schemeClr val="tx1">
+                <a:lumMod val="75000"/>
+                <a:lumOff val="25000"/>
+              </a:schemeClr>
+            </a:solidFill>
+          </a:ln>
+        </p:spPr>
+        <p:style>
+          <a:lnRef idx="2">
+            <a:schemeClr val="accent1">
+              <a:shade val="50000"/>
+            </a:schemeClr>
+          </a:lnRef>
+          <a:fillRef idx="1">
+            <a:schemeClr val="accent1"/>
+          </a:fillRef>
+          <a:effectRef idx="0">
+            <a:schemeClr val="accent1"/>
+          </a:effectRef>
+          <a:fontRef idx="minor">
+            <a:schemeClr val="lt1"/>
+          </a:fontRef>
+        </p:style>
+        <p:txBody>
+          <a:bodyPr rtlCol="0" anchor="ctr"/>
+          <a:lstStyle/>
+          <a:p>
+            <a:pPr algn="ctr"/>
+            <a:endParaRPr lang="en-US"/>
+          </a:p>
+        </p:txBody>
+      </p:sp>
+    </p:spTree>
+    <p:extLst>
+      <p:ext uri="{BB962C8B-B14F-4D97-AF65-F5344CB8AC3E}">
+        <p14:creationId xmlns:p14="http://schemas.microsoft.com/office/powerpoint/2010/main" val="3753801717"/>
       </p:ext>
     </p:extLst>
   </p:cSld>
@@ -3726,4 +8968,47 @@
     </a:ext>
   </a:extLst>
 </a:theme>
+</file>
+
+<file path=ppt/theme/themeOverride1.xml><?xml version="1.0" encoding="utf-8"?>
+<a:themeOverride xmlns:a="http://schemas.openxmlformats.org/drawingml/2006/main">
+  <a:clrScheme name="Office">
+    <a:dk1>
+      <a:sysClr val="windowText" lastClr="000000"/>
+    </a:dk1>
+    <a:lt1>
+      <a:sysClr val="window" lastClr="FFFFFF"/>
+    </a:lt1>
+    <a:dk2>
+      <a:srgbClr val="44546A"/>
+    </a:dk2>
+    <a:lt2>
+      <a:srgbClr val="E7E6E6"/>
+    </a:lt2>
+    <a:accent1>
+      <a:srgbClr val="4472C4"/>
+    </a:accent1>
+    <a:accent2>
+      <a:srgbClr val="ED7D31"/>
+    </a:accent2>
+    <a:accent3>
+      <a:srgbClr val="A5A5A5"/>
+    </a:accent3>
+    <a:accent4>
+      <a:srgbClr val="FFC000"/>
+    </a:accent4>
+    <a:accent5>
+      <a:srgbClr val="5B9BD5"/>
+    </a:accent5>
+    <a:accent6>
+      <a:srgbClr val="70AD47"/>
+    </a:accent6>
+    <a:hlink>
+      <a:srgbClr val="0563C1"/>
+    </a:hlink>
+    <a:folHlink>
+      <a:srgbClr val="954F72"/>
+    </a:folHlink>
+  </a:clrScheme>
+</a:themeOverride>
 </file>